--- a/Final Project 04082019.pptx
+++ b/Final Project 04082019.pptx
@@ -123,7 +123,7 @@
   </p:defaultTextStyle>
   <p:extLst>
     <p:ext uri="{EFAFB233-063F-42B5-8137-9DF3F51BA10A}">
-      <p15:sldGuideLst xmlns:p15="http://schemas.microsoft.com/office/powerpoint/2012/main">
+      <p15:sldGuideLst xmlns="" xmlns:p15="http://schemas.microsoft.com/office/powerpoint/2012/main">
         <p15:guide id="1" orient="horz" pos="2160">
           <p15:clr>
             <a:srgbClr val="A4A3A4"/>
@@ -141,7 +141,7 @@
 </file>
 
 <file path=ppt/charts/chart1.xml><?xml version="1.0" encoding="utf-8"?>
-<c:chartSpace xmlns:c="http://schemas.openxmlformats.org/drawingml/2006/chart" xmlns:a="http://schemas.openxmlformats.org/drawingml/2006/main" xmlns:r="http://schemas.openxmlformats.org/officeDocument/2006/relationships" xmlns:c16r2="http://schemas.microsoft.com/office/drawing/2015/06/chart">
+<c:chartSpace xmlns:c="http://schemas.openxmlformats.org/drawingml/2006/chart" xmlns:a="http://schemas.openxmlformats.org/drawingml/2006/main" xmlns:r="http://schemas.openxmlformats.org/officeDocument/2006/relationships">
   <c:date1904 val="0"/>
   <c:lang val="en-US"/>
   <c:roundedCorners val="0"/>
@@ -180,6 +180,7 @@
           </a:p>
         </c:rich>
       </c:tx>
+      <c:layout/>
       <c:overlay val="0"/>
       <c:spPr>
         <a:noFill/>
@@ -188,26 +189,6 @@
         </a:ln>
         <a:effectLst/>
       </c:spPr>
-      <c:txPr>
-        <a:bodyPr rot="0" spcFirstLastPara="1" vertOverflow="ellipsis" vert="horz" wrap="square" anchor="ctr" anchorCtr="1"/>
-        <a:lstStyle/>
-        <a:p>
-          <a:pPr>
-            <a:defRPr sz="2400" b="0" i="0" u="none" strike="noStrike" kern="1200" spc="0" baseline="0">
-              <a:solidFill>
-                <a:schemeClr val="tx1">
-                  <a:lumMod val="65000"/>
-                  <a:lumOff val="35000"/>
-                </a:schemeClr>
-              </a:solidFill>
-              <a:latin typeface="+mn-lt"/>
-              <a:ea typeface="+mn-ea"/>
-              <a:cs typeface="+mn-cs"/>
-            </a:defRPr>
-          </a:pPr>
-          <a:endParaRPr lang="en-US"/>
-        </a:p>
-      </c:txPr>
     </c:title>
     <c:autoTitleDeleted val="0"/>
     <c:plotArea>
@@ -217,7 +198,7 @@
         <c:varyColors val="0"/>
         <c:ser>
           <c:idx val="1"/>
-          <c:order val="1"/>
+          <c:order val="0"/>
           <c:tx>
             <c:strRef>
               <c:f>Sheet3!$C$1</c:f>
@@ -314,7 +295,7 @@
             </c:numRef>
           </c:yVal>
           <c:smooth val="1"/>
-          <c:extLst>
+          <c:extLst xmlns:c16r2="http://schemas.microsoft.com/office/drawing/2015/06/chart">
             <c:ext xmlns:c16="http://schemas.microsoft.com/office/drawing/2014/chart" uri="{C3380CC4-5D6E-409C-BE32-E72D297353CC}">
               <c16:uniqueId val="{00000000-8F9F-4512-98CF-7497F3DB7923}"/>
             </c:ext>
@@ -322,7 +303,7 @@
         </c:ser>
         <c:ser>
           <c:idx val="2"/>
-          <c:order val="2"/>
+          <c:order val="1"/>
           <c:tx>
             <c:strRef>
               <c:f>Sheet3!$D$1</c:f>
@@ -419,7 +400,7 @@
             </c:numRef>
           </c:yVal>
           <c:smooth val="1"/>
-          <c:extLst>
+          <c:extLst xmlns:c16r2="http://schemas.microsoft.com/office/drawing/2015/06/chart">
             <c:ext xmlns:c16="http://schemas.microsoft.com/office/drawing/2014/chart" uri="{C3380CC4-5D6E-409C-BE32-E72D297353CC}">
               <c16:uniqueId val="{00000001-8F9F-4512-98CF-7497F3DB7923}"/>
             </c:ext>
@@ -433,9 +414,9 @@
           <c:showPercent val="0"/>
           <c:showBubbleSize val="0"/>
         </c:dLbls>
-        <c:axId val="1004845480"/>
-        <c:axId val="1004840232"/>
-        <c:extLst>
+        <c:axId val="40710912"/>
+        <c:axId val="40713216"/>
+        <c:extLst xmlns:c16r2="http://schemas.microsoft.com/office/drawing/2015/06/chart">
           <c:ext xmlns:c15="http://schemas.microsoft.com/office/drawing/2012/chart" uri="{02D57815-91ED-43cb-92C2-25804820EDAC}">
             <c15:filteredScatterSeries>
               <c15:ser>
@@ -566,7 +547,7 @@
         </c:extLst>
       </c:scatterChart>
       <c:valAx>
-        <c:axId val="1004845480"/>
+        <c:axId val="40710912"/>
         <c:scaling>
           <c:orientation val="minMax"/>
         </c:scaling>
@@ -612,6 +593,7 @@
               </a:p>
             </c:rich>
           </c:tx>
+          <c:layout/>
           <c:overlay val="0"/>
           <c:spPr>
             <a:noFill/>
@@ -620,26 +602,6 @@
             </a:ln>
             <a:effectLst/>
           </c:spPr>
-          <c:txPr>
-            <a:bodyPr rot="0" spcFirstLastPara="1" vertOverflow="ellipsis" vert="horz" wrap="square" anchor="ctr" anchorCtr="1"/>
-            <a:lstStyle/>
-            <a:p>
-              <a:pPr>
-                <a:defRPr sz="2000" b="0" i="0" u="none" strike="noStrike" kern="1200" baseline="0">
-                  <a:solidFill>
-                    <a:schemeClr val="tx1">
-                      <a:lumMod val="65000"/>
-                      <a:lumOff val="35000"/>
-                    </a:schemeClr>
-                  </a:solidFill>
-                  <a:latin typeface="+mn-lt"/>
-                  <a:ea typeface="+mn-ea"/>
-                  <a:cs typeface="+mn-cs"/>
-                </a:defRPr>
-              </a:pPr>
-              <a:endParaRPr lang="en-US"/>
-            </a:p>
-          </c:txPr>
         </c:title>
         <c:numFmt formatCode="@" sourceLinked="0"/>
         <c:majorTickMark val="none"/>
@@ -678,12 +640,12 @@
             <a:endParaRPr lang="en-US"/>
           </a:p>
         </c:txPr>
-        <c:crossAx val="1004840232"/>
+        <c:crossAx val="40713216"/>
         <c:crosses val="autoZero"/>
         <c:crossBetween val="midCat"/>
       </c:valAx>
       <c:valAx>
-        <c:axId val="1004840232"/>
+        <c:axId val="40713216"/>
         <c:scaling>
           <c:orientation val="minMax"/>
         </c:scaling>
@@ -729,6 +691,7 @@
               </a:p>
             </c:rich>
           </c:tx>
+          <c:layout/>
           <c:overlay val="0"/>
           <c:spPr>
             <a:noFill/>
@@ -737,26 +700,6 @@
             </a:ln>
             <a:effectLst/>
           </c:spPr>
-          <c:txPr>
-            <a:bodyPr rot="-5400000" spcFirstLastPara="1" vertOverflow="ellipsis" vert="horz" wrap="square" anchor="ctr" anchorCtr="1"/>
-            <a:lstStyle/>
-            <a:p>
-              <a:pPr>
-                <a:defRPr sz="2000" b="0" i="0" u="none" strike="noStrike" kern="1200" baseline="0">
-                  <a:solidFill>
-                    <a:schemeClr val="tx1">
-                      <a:lumMod val="65000"/>
-                      <a:lumOff val="35000"/>
-                    </a:schemeClr>
-                  </a:solidFill>
-                  <a:latin typeface="+mn-lt"/>
-                  <a:ea typeface="+mn-ea"/>
-                  <a:cs typeface="+mn-cs"/>
-                </a:defRPr>
-              </a:pPr>
-              <a:endParaRPr lang="en-US"/>
-            </a:p>
-          </c:txPr>
         </c:title>
         <c:numFmt formatCode="General" sourceLinked="1"/>
         <c:majorTickMark val="none"/>
@@ -795,7 +738,7 @@
             <a:endParaRPr lang="en-US"/>
           </a:p>
         </c:txPr>
-        <c:crossAx val="1004845480"/>
+        <c:crossAx val="40710912"/>
         <c:crosses val="autoZero"/>
         <c:crossBetween val="midCat"/>
       </c:valAx>
@@ -809,6 +752,7 @@
     </c:plotArea>
     <c:legend>
       <c:legendPos val="t"/>
+      <c:layout/>
       <c:overlay val="0"/>
       <c:spPr>
         <a:noFill/>
@@ -840,14 +784,14 @@
     </c:legend>
     <c:plotVisOnly val="1"/>
     <c:dispBlanksAs val="gap"/>
-    <c:extLst>
+    <c:showDLblsOverMax val="0"/>
+    <c:extLst xmlns:c16r2="http://schemas.microsoft.com/office/drawing/2015/06/chart">
       <c:ext xmlns:c16r3="http://schemas.microsoft.com/office/drawing/2017/03/chart" uri="{56B9EC1D-385E-4148-901F-78D8002777C0}">
         <c16r3:dataDisplayOptions16>
           <c16r3:dispNaAsBlank val="1"/>
         </c16r3:dataDisplayOptions16>
       </c:ext>
     </c:extLst>
-    <c:showDLblsOverMax val="0"/>
   </c:chart>
   <c:spPr>
     <a:noFill/>
@@ -866,7 +810,7 @@
       <a:endParaRPr lang="en-US"/>
     </a:p>
   </c:txPr>
-  <c:externalData r:id="rId3">
+  <c:externalData r:id="rId1">
     <c:autoUpdate val="0"/>
   </c:externalData>
 </c:chartSpace>
@@ -1507,7 +1451,7 @@
           <a:p>
             <a:fld id="{FFD76870-CC5D-4085-9740-AAC045ACB719}" type="datetimeFigureOut">
               <a:rPr lang="en-IN" smtClean="0"/>
-              <a:t>07-04-2019</a:t>
+              <a:t>08-04-2019</a:t>
             </a:fld>
             <a:endParaRPr lang="en-IN"/>
           </a:p>
@@ -6135,7 +6079,7 @@
           <a:p>
             <a:fld id="{48A87A34-81AB-432B-8DAE-1953F412C126}" type="datetimeFigureOut">
               <a:rPr lang="en-US" smtClean="0"/>
-              <a:t>4/7/2019</a:t>
+              <a:t>4/8/2019</a:t>
             </a:fld>
             <a:endParaRPr lang="en-US" dirty="0"/>
           </a:p>
@@ -6402,7 +6346,7 @@
           <a:p>
             <a:fld id="{48A87A34-81AB-432B-8DAE-1953F412C126}" type="datetimeFigureOut">
               <a:rPr lang="en-US" smtClean="0"/>
-              <a:t>4/7/2019</a:t>
+              <a:t>4/8/2019</a:t>
             </a:fld>
             <a:endParaRPr lang="en-US" dirty="0"/>
           </a:p>
@@ -6598,7 +6542,7 @@
           <a:p>
             <a:fld id="{48A87A34-81AB-432B-8DAE-1953F412C126}" type="datetimeFigureOut">
               <a:rPr lang="en-US" smtClean="0"/>
-              <a:t>4/7/2019</a:t>
+              <a:t>4/8/2019</a:t>
             </a:fld>
             <a:endParaRPr lang="en-US" dirty="0"/>
           </a:p>
@@ -6861,7 +6805,7 @@
           <a:p>
             <a:fld id="{48A87A34-81AB-432B-8DAE-1953F412C126}" type="datetimeFigureOut">
               <a:rPr lang="en-US" smtClean="0"/>
-              <a:t>4/7/2019</a:t>
+              <a:t>4/8/2019</a:t>
             </a:fld>
             <a:endParaRPr lang="en-US" dirty="0"/>
           </a:p>
@@ -7295,7 +7239,7 @@
           <a:p>
             <a:fld id="{48A87A34-81AB-432B-8DAE-1953F412C126}" type="datetimeFigureOut">
               <a:rPr lang="en-US" smtClean="0"/>
-              <a:t>4/7/2019</a:t>
+              <a:t>4/8/2019</a:t>
             </a:fld>
             <a:endParaRPr lang="en-US" dirty="0"/>
           </a:p>
@@ -7841,7 +7785,7 @@
           <a:p>
             <a:fld id="{48A87A34-81AB-432B-8DAE-1953F412C126}" type="datetimeFigureOut">
               <a:rPr lang="en-US" smtClean="0"/>
-              <a:t>4/7/2019</a:t>
+              <a:t>4/8/2019</a:t>
             </a:fld>
             <a:endParaRPr lang="en-US" dirty="0"/>
           </a:p>
@@ -8561,7 +8505,7 @@
           <a:p>
             <a:fld id="{48A87A34-81AB-432B-8DAE-1953F412C126}" type="datetimeFigureOut">
               <a:rPr lang="en-US" smtClean="0"/>
-              <a:t>4/7/2019</a:t>
+              <a:t>4/8/2019</a:t>
             </a:fld>
             <a:endParaRPr lang="en-US" dirty="0"/>
           </a:p>
@@ -8731,7 +8675,7 @@
           <a:p>
             <a:fld id="{48A87A34-81AB-432B-8DAE-1953F412C126}" type="datetimeFigureOut">
               <a:rPr lang="en-US" smtClean="0"/>
-              <a:t>4/7/2019</a:t>
+              <a:t>4/8/2019</a:t>
             </a:fld>
             <a:endParaRPr lang="en-US" dirty="0"/>
           </a:p>
@@ -8911,7 +8855,7 @@
           <a:p>
             <a:fld id="{48A87A34-81AB-432B-8DAE-1953F412C126}" type="datetimeFigureOut">
               <a:rPr lang="en-US" smtClean="0"/>
-              <a:t>4/7/2019</a:t>
+              <a:t>4/8/2019</a:t>
             </a:fld>
             <a:endParaRPr lang="en-US" dirty="0"/>
           </a:p>
@@ -9081,7 +9025,7 @@
           <a:p>
             <a:fld id="{48A87A34-81AB-432B-8DAE-1953F412C126}" type="datetimeFigureOut">
               <a:rPr lang="en-US" smtClean="0"/>
-              <a:t>4/7/2019</a:t>
+              <a:t>4/8/2019</a:t>
             </a:fld>
             <a:endParaRPr lang="en-US" dirty="0"/>
           </a:p>
@@ -9331,7 +9275,7 @@
           <a:p>
             <a:fld id="{48A87A34-81AB-432B-8DAE-1953F412C126}" type="datetimeFigureOut">
               <a:rPr lang="en-US" smtClean="0"/>
-              <a:t>4/7/2019</a:t>
+              <a:t>4/8/2019</a:t>
             </a:fld>
             <a:endParaRPr lang="en-US" dirty="0"/>
           </a:p>
@@ -9563,7 +9507,7 @@
           <a:p>
             <a:fld id="{48A87A34-81AB-432B-8DAE-1953F412C126}" type="datetimeFigureOut">
               <a:rPr lang="en-US" smtClean="0"/>
-              <a:t>4/7/2019</a:t>
+              <a:t>4/8/2019</a:t>
             </a:fld>
             <a:endParaRPr lang="en-US" dirty="0"/>
           </a:p>
@@ -9944,7 +9888,7 @@
           <a:p>
             <a:fld id="{48A87A34-81AB-432B-8DAE-1953F412C126}" type="datetimeFigureOut">
               <a:rPr lang="en-US" smtClean="0"/>
-              <a:t>4/7/2019</a:t>
+              <a:t>4/8/2019</a:t>
             </a:fld>
             <a:endParaRPr lang="en-US" dirty="0"/>
           </a:p>
@@ -10062,7 +10006,7 @@
           <a:p>
             <a:fld id="{48A87A34-81AB-432B-8DAE-1953F412C126}" type="datetimeFigureOut">
               <a:rPr lang="en-US" smtClean="0"/>
-              <a:t>4/7/2019</a:t>
+              <a:t>4/8/2019</a:t>
             </a:fld>
             <a:endParaRPr lang="en-US" dirty="0"/>
           </a:p>
@@ -10157,7 +10101,7 @@
           <a:p>
             <a:fld id="{48A87A34-81AB-432B-8DAE-1953F412C126}" type="datetimeFigureOut">
               <a:rPr lang="en-US" smtClean="0"/>
-              <a:t>4/7/2019</a:t>
+              <a:t>4/8/2019</a:t>
             </a:fld>
             <a:endParaRPr lang="en-US" dirty="0"/>
           </a:p>
@@ -10406,7 +10350,7 @@
           <a:p>
             <a:fld id="{48A87A34-81AB-432B-8DAE-1953F412C126}" type="datetimeFigureOut">
               <a:rPr lang="en-US" smtClean="0"/>
-              <a:t>4/7/2019</a:t>
+              <a:t>4/8/2019</a:t>
             </a:fld>
             <a:endParaRPr lang="en-US" dirty="0"/>
           </a:p>
@@ -10686,7 +10630,7 @@
           <a:p>
             <a:fld id="{48A87A34-81AB-432B-8DAE-1953F412C126}" type="datetimeFigureOut">
               <a:rPr lang="en-US" smtClean="0"/>
-              <a:t>4/7/2019</a:t>
+              <a:t>4/8/2019</a:t>
             </a:fld>
             <a:endParaRPr lang="en-US" dirty="0"/>
           </a:p>
@@ -13764,7 +13708,7 @@
             <a:fld id="{48A87A34-81AB-432B-8DAE-1953F412C126}" type="datetimeFigureOut">
               <a:rPr lang="en-US" smtClean="0"/>
               <a:pPr/>
-              <a:t>4/7/2019</a:t>
+              <a:t>4/8/2019</a:t>
             </a:fld>
             <a:endParaRPr lang="en-US" dirty="0"/>
           </a:p>
@@ -14190,7 +14134,7 @@
           <p:cNvPr id="2" name="Title 1">
             <a:extLst>
               <a:ext uri="{FF2B5EF4-FFF2-40B4-BE49-F238E27FC236}">
-                <a16:creationId xmlns:a16="http://schemas.microsoft.com/office/drawing/2014/main" id="{C8971EAA-0D3C-48DE-9FFF-6A535ABFC033}"/>
+                <a16:creationId xmlns="" xmlns:a16="http://schemas.microsoft.com/office/drawing/2014/main" id="{C8971EAA-0D3C-48DE-9FFF-6A535ABFC033}"/>
               </a:ext>
             </a:extLst>
           </p:cNvPr>
@@ -14224,7 +14168,7 @@
           <p:cNvPr id="5" name="Subtitle 4">
             <a:extLst>
               <a:ext uri="{FF2B5EF4-FFF2-40B4-BE49-F238E27FC236}">
-                <a16:creationId xmlns:a16="http://schemas.microsoft.com/office/drawing/2014/main" id="{46AD44FD-08F9-4FAD-9C48-D5370D6B5C4A}"/>
+                <a16:creationId xmlns="" xmlns:a16="http://schemas.microsoft.com/office/drawing/2014/main" id="{46AD44FD-08F9-4FAD-9C48-D5370D6B5C4A}"/>
               </a:ext>
             </a:extLst>
           </p:cNvPr>
@@ -14342,7 +14286,7 @@
           <p:cNvPr id="6" name="Picture 5">
             <a:extLst>
               <a:ext uri="{FF2B5EF4-FFF2-40B4-BE49-F238E27FC236}">
-                <a16:creationId xmlns:a16="http://schemas.microsoft.com/office/drawing/2014/main" id="{C04D2CE3-FADE-4444-BF01-5877D5BCC980}"/>
+                <a16:creationId xmlns="" xmlns:a16="http://schemas.microsoft.com/office/drawing/2014/main" id="{C04D2CE3-FADE-4444-BF01-5877D5BCC980}"/>
               </a:ext>
             </a:extLst>
           </p:cNvPr>
@@ -14372,7 +14316,7 @@
           <p:cNvPr id="7" name="Picture 6">
             <a:extLst>
               <a:ext uri="{FF2B5EF4-FFF2-40B4-BE49-F238E27FC236}">
-                <a16:creationId xmlns:a16="http://schemas.microsoft.com/office/drawing/2014/main" id="{2A8D4E12-6DAC-43E1-B8A5-DAB48EDC7D6E}"/>
+                <a16:creationId xmlns="" xmlns:a16="http://schemas.microsoft.com/office/drawing/2014/main" id="{2A8D4E12-6DAC-43E1-B8A5-DAB48EDC7D6E}"/>
               </a:ext>
             </a:extLst>
           </p:cNvPr>
@@ -14402,7 +14346,7 @@
           <p:cNvPr id="8" name="Picture 7">
             <a:extLst>
               <a:ext uri="{FF2B5EF4-FFF2-40B4-BE49-F238E27FC236}">
-                <a16:creationId xmlns:a16="http://schemas.microsoft.com/office/drawing/2014/main" id="{DEC9A47A-34DF-4FB6-877F-3C1541D6D98D}"/>
+                <a16:creationId xmlns="" xmlns:a16="http://schemas.microsoft.com/office/drawing/2014/main" id="{DEC9A47A-34DF-4FB6-877F-3C1541D6D98D}"/>
               </a:ext>
             </a:extLst>
           </p:cNvPr>
@@ -14432,7 +14376,7 @@
           <p:cNvPr id="9" name="Picture 8">
             <a:extLst>
               <a:ext uri="{FF2B5EF4-FFF2-40B4-BE49-F238E27FC236}">
-                <a16:creationId xmlns:a16="http://schemas.microsoft.com/office/drawing/2014/main" id="{75A97654-9ACF-43A2-BA5E-3ACE534F6BB1}"/>
+                <a16:creationId xmlns="" xmlns:a16="http://schemas.microsoft.com/office/drawing/2014/main" id="{75A97654-9ACF-43A2-BA5E-3ACE534F6BB1}"/>
               </a:ext>
             </a:extLst>
           </p:cNvPr>
@@ -14462,7 +14406,7 @@
           <p:cNvPr id="10" name="Picture 9">
             <a:extLst>
               <a:ext uri="{FF2B5EF4-FFF2-40B4-BE49-F238E27FC236}">
-                <a16:creationId xmlns:a16="http://schemas.microsoft.com/office/drawing/2014/main" id="{9B7E195B-B314-46BB-9947-09C095EEE81B}"/>
+                <a16:creationId xmlns="" xmlns:a16="http://schemas.microsoft.com/office/drawing/2014/main" id="{9B7E195B-B314-46BB-9947-09C095EEE81B}"/>
               </a:ext>
             </a:extLst>
           </p:cNvPr>
@@ -14492,7 +14436,7 @@
           <p:cNvPr id="11" name="Picture 10">
             <a:extLst>
               <a:ext uri="{FF2B5EF4-FFF2-40B4-BE49-F238E27FC236}">
-                <a16:creationId xmlns:a16="http://schemas.microsoft.com/office/drawing/2014/main" id="{EBF10B3E-7F59-4AE2-B659-45D4C2DBBC08}"/>
+                <a16:creationId xmlns="" xmlns:a16="http://schemas.microsoft.com/office/drawing/2014/main" id="{EBF10B3E-7F59-4AE2-B659-45D4C2DBBC08}"/>
               </a:ext>
             </a:extLst>
           </p:cNvPr>
@@ -14522,7 +14466,7 @@
           <p:cNvPr id="12" name="Picture 11">
             <a:extLst>
               <a:ext uri="{FF2B5EF4-FFF2-40B4-BE49-F238E27FC236}">
-                <a16:creationId xmlns:a16="http://schemas.microsoft.com/office/drawing/2014/main" id="{F3A2CC9D-FB19-4D63-894F-B0AE04B6056D}"/>
+                <a16:creationId xmlns="" xmlns:a16="http://schemas.microsoft.com/office/drawing/2014/main" id="{F3A2CC9D-FB19-4D63-894F-B0AE04B6056D}"/>
               </a:ext>
             </a:extLst>
           </p:cNvPr>
@@ -14552,7 +14496,7 @@
           <p:cNvPr id="14" name="TextBox 13">
             <a:extLst>
               <a:ext uri="{FF2B5EF4-FFF2-40B4-BE49-F238E27FC236}">
-                <a16:creationId xmlns:a16="http://schemas.microsoft.com/office/drawing/2014/main" id="{6F9E1177-B80E-4CEF-A256-343DFAE24982}"/>
+                <a16:creationId xmlns="" xmlns:a16="http://schemas.microsoft.com/office/drawing/2014/main" id="{6F9E1177-B80E-4CEF-A256-343DFAE24982}"/>
               </a:ext>
             </a:extLst>
           </p:cNvPr>
@@ -14587,7 +14531,7 @@
           <p:cNvPr id="15" name="Picture 14" descr="A close up of a person&#10;&#10;Description generated with high confidence">
             <a:extLst>
               <a:ext uri="{FF2B5EF4-FFF2-40B4-BE49-F238E27FC236}">
-                <a16:creationId xmlns:a16="http://schemas.microsoft.com/office/drawing/2014/main" id="{C07F32E3-A0FB-4A46-BE0A-1FE74250101C}"/>
+                <a16:creationId xmlns="" xmlns:a16="http://schemas.microsoft.com/office/drawing/2014/main" id="{C07F32E3-A0FB-4A46-BE0A-1FE74250101C}"/>
               </a:ext>
             </a:extLst>
           </p:cNvPr>
@@ -14617,7 +14561,7 @@
           <p:cNvPr id="17" name="Picture 16" descr="A picture containing photo&#10;&#10;Description generated with very high confidence">
             <a:extLst>
               <a:ext uri="{FF2B5EF4-FFF2-40B4-BE49-F238E27FC236}">
-                <a16:creationId xmlns:a16="http://schemas.microsoft.com/office/drawing/2014/main" id="{AC9148D0-C74F-44E4-B41D-29D4A2B0B123}"/>
+                <a16:creationId xmlns="" xmlns:a16="http://schemas.microsoft.com/office/drawing/2014/main" id="{AC9148D0-C74F-44E4-B41D-29D4A2B0B123}"/>
               </a:ext>
             </a:extLst>
           </p:cNvPr>
@@ -14647,7 +14591,7 @@
           <p:cNvPr id="19" name="Picture 18" descr="A person smiling for the camera&#10;&#10;Description generated with very high confidence">
             <a:extLst>
               <a:ext uri="{FF2B5EF4-FFF2-40B4-BE49-F238E27FC236}">
-                <a16:creationId xmlns:a16="http://schemas.microsoft.com/office/drawing/2014/main" id="{440C74F7-58B0-47AF-8450-BD45458548EB}"/>
+                <a16:creationId xmlns="" xmlns:a16="http://schemas.microsoft.com/office/drawing/2014/main" id="{440C74F7-58B0-47AF-8450-BD45458548EB}"/>
               </a:ext>
             </a:extLst>
           </p:cNvPr>
@@ -14677,7 +14621,7 @@
           <p:cNvPr id="21" name="Picture 20" descr="A close up of a person&#10;&#10;Description generated with high confidence">
             <a:extLst>
               <a:ext uri="{FF2B5EF4-FFF2-40B4-BE49-F238E27FC236}">
-                <a16:creationId xmlns:a16="http://schemas.microsoft.com/office/drawing/2014/main" id="{824AF9CE-D05D-4241-9C6B-8F54EB22F4D1}"/>
+                <a16:creationId xmlns="" xmlns:a16="http://schemas.microsoft.com/office/drawing/2014/main" id="{824AF9CE-D05D-4241-9C6B-8F54EB22F4D1}"/>
               </a:ext>
             </a:extLst>
           </p:cNvPr>
@@ -14707,7 +14651,7 @@
           <p:cNvPr id="23" name="Picture 22" descr="A person looking at the camera&#10;&#10;Description generated with high confidence">
             <a:extLst>
               <a:ext uri="{FF2B5EF4-FFF2-40B4-BE49-F238E27FC236}">
-                <a16:creationId xmlns:a16="http://schemas.microsoft.com/office/drawing/2014/main" id="{2AB9534A-DBFA-4E4A-88E1-F278008B7DED}"/>
+                <a16:creationId xmlns="" xmlns:a16="http://schemas.microsoft.com/office/drawing/2014/main" id="{2AB9534A-DBFA-4E4A-88E1-F278008B7DED}"/>
               </a:ext>
             </a:extLst>
           </p:cNvPr>
@@ -14737,7 +14681,7 @@
           <p:cNvPr id="25" name="Picture 24">
             <a:extLst>
               <a:ext uri="{FF2B5EF4-FFF2-40B4-BE49-F238E27FC236}">
-                <a16:creationId xmlns:a16="http://schemas.microsoft.com/office/drawing/2014/main" id="{5DBB82B8-ACFA-45D8-819C-DE282D2BDA35}"/>
+                <a16:creationId xmlns="" xmlns:a16="http://schemas.microsoft.com/office/drawing/2014/main" id="{5DBB82B8-ACFA-45D8-819C-DE282D2BDA35}"/>
               </a:ext>
             </a:extLst>
           </p:cNvPr>
@@ -14767,7 +14711,7 @@
           <p:cNvPr id="27" name="Picture 26" descr="A close up of a person&#10;&#10;Description generated with very high confidence">
             <a:extLst>
               <a:ext uri="{FF2B5EF4-FFF2-40B4-BE49-F238E27FC236}">
-                <a16:creationId xmlns:a16="http://schemas.microsoft.com/office/drawing/2014/main" id="{CA17BDC1-3074-4C0E-B8E3-594B12B22EB2}"/>
+                <a16:creationId xmlns="" xmlns:a16="http://schemas.microsoft.com/office/drawing/2014/main" id="{CA17BDC1-3074-4C0E-B8E3-594B12B22EB2}"/>
               </a:ext>
             </a:extLst>
           </p:cNvPr>
@@ -14802,6 +14746,13 @@
   <p:clrMapOvr>
     <a:masterClrMapping/>
   </p:clrMapOvr>
+  <p:timing>
+    <p:tnLst>
+      <p:par>
+        <p:cTn id="1" dur="indefinite" restart="never" nodeType="tmRoot"/>
+      </p:par>
+    </p:tnLst>
+  </p:timing>
 </p:sld>
 </file>
 
@@ -14861,13 +14812,13 @@
         </p:nvSpPr>
         <p:spPr>
           <a:xfrm>
-            <a:off x="869205" y="991308"/>
-            <a:ext cx="8765126" cy="2255476"/>
+            <a:off x="869205" y="991307"/>
+            <a:ext cx="8765126" cy="2700902"/>
           </a:xfrm>
         </p:spPr>
         <p:txBody>
           <a:bodyPr>
-            <a:normAutofit fontScale="92500" lnSpcReduction="10000"/>
+            <a:normAutofit fontScale="92500" lnSpcReduction="20000"/>
           </a:bodyPr>
           <a:lstStyle/>
           <a:p>
@@ -14922,8 +14873,20 @@
             <a:pPr lvl="1"/>
             <a:r>
               <a:rPr lang="en-IN" sz="1800" dirty="0"/>
-              <a:t>Balance the training set with random over-sampling: 43.83% Accuracy</a:t>
-            </a:r>
+              <a:t>Balance the training set with random over-sampling: 43.83% </a:t>
+            </a:r>
+            <a:r>
+              <a:rPr lang="en-IN" sz="1800" dirty="0" smtClean="0"/>
+              <a:t>Accuracy</a:t>
+            </a:r>
+          </a:p>
+          <a:p>
+            <a:pPr lvl="1"/>
+            <a:r>
+              <a:rPr lang="en-IN" sz="1800" dirty="0" smtClean="0"/>
+              <a:t>50 iterations of random 80/20 split of training set (300 PCs): Accuracy varied 31.89% to 44.41%</a:t>
+            </a:r>
+            <a:endParaRPr lang="en-IN" sz="1800" dirty="0"/>
           </a:p>
           <a:p>
             <a:pPr marL="0" indent="0">
@@ -14933,520 +14896,86 @@
           </a:p>
         </p:txBody>
       </p:sp>
-      <p:graphicFrame>
-        <p:nvGraphicFramePr>
-          <p:cNvPr id="4" name="Table 3"/>
-          <p:cNvGraphicFramePr>
-            <a:graphicFrameLocks noGrp="1"/>
-          </p:cNvGraphicFramePr>
-          <p:nvPr>
-            <p:extLst>
-              <p:ext uri="{D42A27DB-BD31-4B8C-83A1-F6EECF244321}">
-                <p14:modId xmlns:p14="http://schemas.microsoft.com/office/powerpoint/2010/main" val="1953420769"/>
-              </p:ext>
-            </p:extLst>
-          </p:nvPr>
-        </p:nvGraphicFramePr>
-        <p:xfrm>
-          <a:off x="1026371" y="3611422"/>
-          <a:ext cx="9709251" cy="1296126"/>
-        </p:xfrm>
-        <a:graphic>
-          <a:graphicData uri="http://schemas.openxmlformats.org/drawingml/2006/table">
-            <a:tbl>
-              <a:tblPr firstRow="1" bandRow="1">
-                <a:tableStyleId>{5C22544A-7EE6-4342-B048-85BDC9FD1C3A}</a:tableStyleId>
-              </a:tblPr>
-              <a:tblGrid>
-                <a:gridCol w="2045399">
-                  <a:extLst>
-                    <a:ext uri="{9D8B030D-6E8A-4147-A177-3AD203B41FA5}">
-                      <a16:colId xmlns:a16="http://schemas.microsoft.com/office/drawing/2014/main" val="20000"/>
-                    </a:ext>
-                  </a:extLst>
-                </a:gridCol>
-                <a:gridCol w="1107127">
-                  <a:extLst>
-                    <a:ext uri="{9D8B030D-6E8A-4147-A177-3AD203B41FA5}">
-                      <a16:colId xmlns:a16="http://schemas.microsoft.com/office/drawing/2014/main" val="20001"/>
-                    </a:ext>
-                  </a:extLst>
-                </a:gridCol>
-                <a:gridCol w="982767">
-                  <a:extLst>
-                    <a:ext uri="{9D8B030D-6E8A-4147-A177-3AD203B41FA5}">
-                      <a16:colId xmlns:a16="http://schemas.microsoft.com/office/drawing/2014/main" val="20002"/>
-                    </a:ext>
-                  </a:extLst>
-                </a:gridCol>
-                <a:gridCol w="1076770">
-                  <a:extLst>
-                    <a:ext uri="{9D8B030D-6E8A-4147-A177-3AD203B41FA5}">
-                      <a16:colId xmlns:a16="http://schemas.microsoft.com/office/drawing/2014/main" val="20003"/>
-                    </a:ext>
-                  </a:extLst>
-                </a:gridCol>
-                <a:gridCol w="1059678">
-                  <a:extLst>
-                    <a:ext uri="{9D8B030D-6E8A-4147-A177-3AD203B41FA5}">
-                      <a16:colId xmlns:a16="http://schemas.microsoft.com/office/drawing/2014/main" val="20004"/>
-                    </a:ext>
-                  </a:extLst>
-                </a:gridCol>
-                <a:gridCol w="1016950">
-                  <a:extLst>
-                    <a:ext uri="{9D8B030D-6E8A-4147-A177-3AD203B41FA5}">
-                      <a16:colId xmlns:a16="http://schemas.microsoft.com/office/drawing/2014/main" val="20005"/>
-                    </a:ext>
-                  </a:extLst>
-                </a:gridCol>
-                <a:gridCol w="1222048">
-                  <a:extLst>
-                    <a:ext uri="{9D8B030D-6E8A-4147-A177-3AD203B41FA5}">
-                      <a16:colId xmlns:a16="http://schemas.microsoft.com/office/drawing/2014/main" val="20006"/>
-                    </a:ext>
-                  </a:extLst>
-                </a:gridCol>
-                <a:gridCol w="1198512">
-                  <a:extLst>
-                    <a:ext uri="{9D8B030D-6E8A-4147-A177-3AD203B41FA5}">
-                      <a16:colId xmlns:a16="http://schemas.microsoft.com/office/drawing/2014/main" val="20007"/>
-                    </a:ext>
-                  </a:extLst>
-                </a:gridCol>
-              </a:tblGrid>
-              <a:tr h="464921">
-                <a:tc>
-                  <a:txBody>
-                    <a:bodyPr/>
-                    <a:lstStyle/>
-                    <a:p>
-                      <a:endParaRPr lang="en-US" sz="2000" dirty="0"/>
-                    </a:p>
-                  </a:txBody>
-                  <a:tcPr/>
-                </a:tc>
-                <a:tc>
-                  <a:txBody>
-                    <a:bodyPr/>
-                    <a:lstStyle/>
-                    <a:p>
-                      <a:pPr algn="ctr"/>
-                      <a:r>
-                        <a:rPr lang="en-US" sz="2000" dirty="0"/>
-                        <a:t>ANGRY</a:t>
-                      </a:r>
-                    </a:p>
-                  </a:txBody>
-                  <a:tcPr/>
-                </a:tc>
-                <a:tc>
-                  <a:txBody>
-                    <a:bodyPr/>
-                    <a:lstStyle/>
-                    <a:p>
-                      <a:pPr algn="ctr"/>
-                      <a:r>
-                        <a:rPr lang="en-US" sz="2000" dirty="0"/>
-                        <a:t>DISUST</a:t>
-                      </a:r>
-                    </a:p>
-                  </a:txBody>
-                  <a:tcPr/>
-                </a:tc>
-                <a:tc>
-                  <a:txBody>
-                    <a:bodyPr/>
-                    <a:lstStyle/>
-                    <a:p>
-                      <a:pPr algn="ctr"/>
-                      <a:r>
-                        <a:rPr lang="en-US" sz="2000" dirty="0"/>
-                        <a:t>FEAR</a:t>
-                      </a:r>
-                    </a:p>
-                  </a:txBody>
-                  <a:tcPr/>
-                </a:tc>
-                <a:tc>
-                  <a:txBody>
-                    <a:bodyPr/>
-                    <a:lstStyle/>
-                    <a:p>
-                      <a:pPr algn="ctr"/>
-                      <a:r>
-                        <a:rPr lang="en-US" sz="2000" dirty="0"/>
-                        <a:t>HAPPY</a:t>
-                      </a:r>
-                    </a:p>
-                  </a:txBody>
-                  <a:tcPr/>
-                </a:tc>
-                <a:tc>
-                  <a:txBody>
-                    <a:bodyPr/>
-                    <a:lstStyle/>
-                    <a:p>
-                      <a:pPr algn="ctr"/>
-                      <a:r>
-                        <a:rPr lang="en-US" sz="2000" dirty="0"/>
-                        <a:t>SAD</a:t>
-                      </a:r>
-                    </a:p>
-                  </a:txBody>
-                  <a:tcPr/>
-                </a:tc>
-                <a:tc>
-                  <a:txBody>
-                    <a:bodyPr/>
-                    <a:lstStyle/>
-                    <a:p>
-                      <a:pPr algn="ctr"/>
-                      <a:r>
-                        <a:rPr lang="en-US" sz="2000" dirty="0"/>
-                        <a:t>SURPRISE</a:t>
-                      </a:r>
-                    </a:p>
-                  </a:txBody>
-                  <a:tcPr/>
-                </a:tc>
-                <a:tc>
-                  <a:txBody>
-                    <a:bodyPr/>
-                    <a:lstStyle/>
-                    <a:p>
-                      <a:pPr algn="ctr"/>
-                      <a:r>
-                        <a:rPr lang="en-US" sz="2000" dirty="0"/>
-                        <a:t>NEUTRAL</a:t>
-                      </a:r>
-                    </a:p>
-                  </a:txBody>
-                  <a:tcPr/>
-                </a:tc>
-                <a:extLst>
-                  <a:ext uri="{0D108BD9-81ED-4DB2-BD59-A6C34878D82A}">
-                    <a16:rowId xmlns:a16="http://schemas.microsoft.com/office/drawing/2014/main" val="10000"/>
-                  </a:ext>
-                </a:extLst>
-              </a:tr>
-              <a:tr h="434965">
-                <a:tc>
-                  <a:txBody>
-                    <a:bodyPr/>
-                    <a:lstStyle/>
-                    <a:p>
-                      <a:r>
-                        <a:rPr lang="en-US" sz="2000" dirty="0"/>
-                        <a:t>PPV (Precision)</a:t>
-                      </a:r>
-                    </a:p>
-                  </a:txBody>
-                  <a:tcPr/>
-                </a:tc>
-                <a:tc>
-                  <a:txBody>
-                    <a:bodyPr/>
-                    <a:lstStyle/>
-                    <a:p>
-                      <a:pPr algn="ctr"/>
-                      <a:r>
-                        <a:rPr lang="en-US" sz="2000" dirty="0"/>
-                        <a:t>39.4%</a:t>
-                      </a:r>
-                    </a:p>
-                  </a:txBody>
-                  <a:tcPr/>
-                </a:tc>
-                <a:tc>
-                  <a:txBody>
-                    <a:bodyPr/>
-                    <a:lstStyle/>
-                    <a:p>
-                      <a:pPr algn="ctr"/>
-                      <a:r>
-                        <a:rPr lang="en-US" sz="2000" dirty="0"/>
-                        <a:t>100%</a:t>
-                      </a:r>
-                    </a:p>
-                  </a:txBody>
-                  <a:tcPr/>
-                </a:tc>
-                <a:tc>
-                  <a:txBody>
-                    <a:bodyPr/>
-                    <a:lstStyle/>
-                    <a:p>
-                      <a:pPr algn="ctr"/>
-                      <a:r>
-                        <a:rPr lang="en-US" sz="2000" dirty="0"/>
-                        <a:t>37.2%</a:t>
-                      </a:r>
-                    </a:p>
-                  </a:txBody>
-                  <a:tcPr/>
-                </a:tc>
-                <a:tc>
-                  <a:txBody>
-                    <a:bodyPr/>
-                    <a:lstStyle/>
-                    <a:p>
-                      <a:pPr algn="ctr"/>
-                      <a:r>
-                        <a:rPr lang="en-US" sz="2000" dirty="0"/>
-                        <a:t>57.5%</a:t>
-                      </a:r>
-                    </a:p>
-                  </a:txBody>
-                  <a:tcPr/>
-                </a:tc>
-                <a:tc>
-                  <a:txBody>
-                    <a:bodyPr/>
-                    <a:lstStyle/>
-                    <a:p>
-                      <a:pPr algn="ctr"/>
-                      <a:r>
-                        <a:rPr lang="en-US" sz="2000" dirty="0"/>
-                        <a:t>31.2%</a:t>
-                      </a:r>
-                    </a:p>
-                  </a:txBody>
-                  <a:tcPr/>
-                </a:tc>
-                <a:tc>
-                  <a:txBody>
-                    <a:bodyPr/>
-                    <a:lstStyle/>
-                    <a:p>
-                      <a:pPr algn="ctr"/>
-                      <a:r>
-                        <a:rPr lang="en-US" sz="2000" dirty="0"/>
-                        <a:t>67.6%</a:t>
-                      </a:r>
-                    </a:p>
-                  </a:txBody>
-                  <a:tcPr/>
-                </a:tc>
-                <a:tc>
-                  <a:txBody>
-                    <a:bodyPr/>
-                    <a:lstStyle/>
-                    <a:p>
-                      <a:pPr algn="ctr"/>
-                      <a:r>
-                        <a:rPr lang="en-US" sz="2000" dirty="0"/>
-                        <a:t>36.5%</a:t>
-                      </a:r>
-                    </a:p>
-                  </a:txBody>
-                  <a:tcPr/>
-                </a:tc>
-                <a:extLst>
-                  <a:ext uri="{0D108BD9-81ED-4DB2-BD59-A6C34878D82A}">
-                    <a16:rowId xmlns:a16="http://schemas.microsoft.com/office/drawing/2014/main" val="10001"/>
-                  </a:ext>
-                </a:extLst>
-              </a:tr>
-              <a:tr h="367469">
-                <a:tc>
-                  <a:txBody>
-                    <a:bodyPr/>
-                    <a:lstStyle/>
-                    <a:p>
-                      <a:r>
-                        <a:rPr lang="en-US" sz="2000" dirty="0"/>
-                        <a:t>Sensitivity (Recall)</a:t>
-                      </a:r>
-                    </a:p>
-                  </a:txBody>
-                  <a:tcPr/>
-                </a:tc>
-                <a:tc>
-                  <a:txBody>
-                    <a:bodyPr/>
-                    <a:lstStyle/>
-                    <a:p>
-                      <a:pPr algn="ctr"/>
-                      <a:r>
-                        <a:rPr lang="en-US" sz="2000" dirty="0">
-                          <a:effectLst/>
-                        </a:rPr>
-                        <a:t>22.2% </a:t>
-                      </a:r>
-                      <a:endParaRPr lang="en-US" sz="2000" dirty="0"/>
-                    </a:p>
-                  </a:txBody>
-                  <a:tcPr/>
-                </a:tc>
-                <a:tc>
-                  <a:txBody>
-                    <a:bodyPr/>
-                    <a:lstStyle/>
-                    <a:p>
-                      <a:pPr algn="ctr"/>
-                      <a:r>
-                        <a:rPr lang="en-US" sz="2000" dirty="0">
-                          <a:effectLst/>
-                        </a:rPr>
-                        <a:t>29.1%</a:t>
-                      </a:r>
-                      <a:endParaRPr lang="en-US" sz="2000" dirty="0"/>
-                    </a:p>
-                  </a:txBody>
-                  <a:tcPr/>
-                </a:tc>
-                <a:tc>
-                  <a:txBody>
-                    <a:bodyPr/>
-                    <a:lstStyle/>
-                    <a:p>
-                      <a:pPr algn="ctr"/>
-                      <a:r>
-                        <a:rPr lang="en-US" sz="2000" dirty="0">
-                          <a:effectLst/>
-                        </a:rPr>
-                        <a:t>27.7%</a:t>
-                      </a:r>
-                      <a:endParaRPr lang="en-US" sz="2000" dirty="0"/>
-                    </a:p>
-                  </a:txBody>
-                  <a:tcPr/>
-                </a:tc>
-                <a:tc>
-                  <a:txBody>
-                    <a:bodyPr/>
-                    <a:lstStyle/>
-                    <a:p>
-                      <a:pPr algn="ctr"/>
-                      <a:r>
-                        <a:rPr lang="en-US" sz="2000" dirty="0">
-                          <a:effectLst/>
-                        </a:rPr>
-                        <a:t>60.9%</a:t>
-                      </a:r>
-                      <a:endParaRPr lang="en-US" sz="2000" dirty="0"/>
-                    </a:p>
-                  </a:txBody>
-                  <a:tcPr/>
-                </a:tc>
-                <a:tc>
-                  <a:txBody>
-                    <a:bodyPr/>
-                    <a:lstStyle/>
-                    <a:p>
-                      <a:pPr algn="ctr"/>
-                      <a:r>
-                        <a:rPr lang="en-US" sz="2000" dirty="0">
-                          <a:effectLst/>
-                        </a:rPr>
-                        <a:t>40.9%</a:t>
-                      </a:r>
-                      <a:endParaRPr lang="en-US" sz="2000" dirty="0"/>
-                    </a:p>
-                  </a:txBody>
-                  <a:tcPr/>
-                </a:tc>
-                <a:tc>
-                  <a:txBody>
-                    <a:bodyPr/>
-                    <a:lstStyle/>
-                    <a:p>
-                      <a:pPr algn="ctr"/>
-                      <a:r>
-                        <a:rPr lang="en-US" sz="2000" dirty="0">
-                          <a:effectLst/>
-                        </a:rPr>
-                        <a:t>54.1%</a:t>
-                      </a:r>
-                      <a:endParaRPr lang="en-US" sz="2000" dirty="0"/>
-                    </a:p>
-                  </a:txBody>
-                  <a:tcPr/>
-                </a:tc>
-                <a:tc>
-                  <a:txBody>
-                    <a:bodyPr/>
-                    <a:lstStyle/>
-                    <a:p>
-                      <a:pPr marL="0" marR="0" indent="0" algn="ctr" defTabSz="914400" rtl="0" eaLnBrk="1" fontAlgn="auto" latinLnBrk="0" hangingPunct="1">
-                        <a:lnSpc>
-                          <a:spcPct val="100000"/>
-                        </a:lnSpc>
-                        <a:spcBef>
-                          <a:spcPts val="0"/>
-                        </a:spcBef>
-                        <a:spcAft>
-                          <a:spcPts val="0"/>
-                        </a:spcAft>
-                        <a:buClrTx/>
-                        <a:buSzTx/>
-                        <a:buFontTx/>
-                        <a:buNone/>
-                        <a:tabLst/>
-                        <a:defRPr/>
-                      </a:pPr>
-                      <a:r>
-                        <a:rPr lang="en-US" sz="2000" dirty="0">
-                          <a:effectLst/>
-                        </a:rPr>
-                        <a:t>50.2%</a:t>
-                      </a:r>
-                      <a:endParaRPr lang="en-US" sz="2000" dirty="0"/>
-                    </a:p>
-                  </a:txBody>
-                  <a:tcPr/>
-                </a:tc>
-                <a:extLst>
-                  <a:ext uri="{0D108BD9-81ED-4DB2-BD59-A6C34878D82A}">
-                    <a16:rowId xmlns:a16="http://schemas.microsoft.com/office/drawing/2014/main" val="10002"/>
-                  </a:ext>
-                </a:extLst>
-              </a:tr>
-            </a:tbl>
-          </a:graphicData>
-        </a:graphic>
-      </p:graphicFrame>
+      <p:pic>
+        <p:nvPicPr>
+          <p:cNvPr id="7" name="Picture 2"/>
+          <p:cNvPicPr>
+            <a:picLocks noChangeAspect="1" noChangeArrowheads="1"/>
+          </p:cNvPicPr>
+          <p:nvPr/>
+        </p:nvPicPr>
+        <p:blipFill>
+          <a:blip r:embed="rId2">
+            <a:extLst>
+              <a:ext uri="{28A0092B-C50C-407E-A947-70E740481C1C}">
+                <a14:useLocalDpi xmlns:a14="http://schemas.microsoft.com/office/drawing/2010/main" val="0"/>
+              </a:ext>
+            </a:extLst>
+          </a:blip>
+          <a:srcRect/>
+          <a:stretch>
+            <a:fillRect/>
+          </a:stretch>
+        </p:blipFill>
+        <p:spPr bwMode="auto">
+          <a:xfrm>
+            <a:off x="4023199" y="3341406"/>
+            <a:ext cx="6197351" cy="3221295"/>
+          </a:xfrm>
+          <a:prstGeom prst="rect">
+            <a:avLst/>
+          </a:prstGeom>
+          <a:noFill/>
+          <a:ln>
+            <a:noFill/>
+          </a:ln>
+          <a:extLst>
+            <a:ext uri="{909E8E84-426E-40DD-AFC4-6F175D3DCCD1}">
+              <a14:hiddenFill xmlns:a14="http://schemas.microsoft.com/office/drawing/2010/main">
+                <a:solidFill>
+                  <a:schemeClr val="accent1"/>
+                </a:solidFill>
+              </a14:hiddenFill>
+            </a:ext>
+            <a:ext uri="{91240B29-F687-4F45-9708-019B960494DF}">
+              <a14:hiddenLine xmlns:a14="http://schemas.microsoft.com/office/drawing/2010/main" w="9525">
+                <a:solidFill>
+                  <a:schemeClr val="tx1"/>
+                </a:solidFill>
+                <a:miter lim="800000"/>
+                <a:headEnd/>
+                <a:tailEnd/>
+              </a14:hiddenLine>
+            </a:ext>
+          </a:extLst>
+        </p:spPr>
+      </p:pic>
       <p:sp>
         <p:nvSpPr>
-          <p:cNvPr id="6" name="Rectangle 5">
-            <a:extLst>
-              <a:ext uri="{FF2B5EF4-FFF2-40B4-BE49-F238E27FC236}">
-                <a16:creationId xmlns:a16="http://schemas.microsoft.com/office/drawing/2014/main" id="{1AE81389-C846-4D6C-B598-3243F2032E67}"/>
-              </a:ext>
-            </a:extLst>
-          </p:cNvPr>
-          <p:cNvSpPr/>
+          <p:cNvPr id="8" name="TextBox 7"/>
+          <p:cNvSpPr txBox="1"/>
           <p:nvPr/>
         </p:nvSpPr>
         <p:spPr>
           <a:xfrm>
-            <a:off x="4576031" y="5600453"/>
-            <a:ext cx="3160545" cy="369332"/>
+            <a:off x="1742629" y="4468237"/>
+            <a:ext cx="2034612" cy="1077218"/>
           </a:xfrm>
           <a:prstGeom prst="rect">
             <a:avLst/>
           </a:prstGeom>
+          <a:noFill/>
         </p:spPr>
         <p:txBody>
-          <a:bodyPr wrap="none">
+          <a:bodyPr wrap="square" rtlCol="0">
             <a:spAutoFit/>
           </a:bodyPr>
           <a:lstStyle/>
           <a:p>
             <a:r>
-              <a:rPr lang="en-IN" dirty="0">
-                <a:highlight>
-                  <a:srgbClr val="FFFF00"/>
-                </a:highlight>
-              </a:rPr>
-              <a:t>Replace above table with graph</a:t>
-            </a:r>
-            <a:endParaRPr lang="en-US" dirty="0">
-              <a:highlight>
-                <a:srgbClr val="FFFF00"/>
-              </a:highlight>
-            </a:endParaRPr>
+              <a:rPr lang="en-US" sz="1600" dirty="0"/>
+              <a:t>Scatter plot across the first two PCs, with each class shown in a separate plot</a:t>
+            </a:r>
           </a:p>
         </p:txBody>
       </p:sp>
@@ -15460,6 +14989,13 @@
   <p:clrMapOvr>
     <a:masterClrMapping/>
   </p:clrMapOvr>
+  <p:timing>
+    <p:tnLst>
+      <p:par>
+        <p:cTn id="1" dur="indefinite" restart="never" nodeType="tmRoot"/>
+      </p:par>
+    </p:tnLst>
+  </p:timing>
 </p:sld>
 </file>
 
@@ -15509,7 +15045,7 @@
       </p:sp>
       <p:pic>
         <p:nvPicPr>
-          <p:cNvPr id="2050" name="Picture 2"/>
+          <p:cNvPr id="1026" name="Picture 2"/>
           <p:cNvPicPr>
             <a:picLocks noChangeAspect="1" noChangeArrowheads="1"/>
           </p:cNvPicPr>
@@ -15530,8 +15066,8 @@
         </p:blipFill>
         <p:spPr bwMode="auto">
           <a:xfrm>
-            <a:off x="959759" y="1344418"/>
-            <a:ext cx="9776612" cy="5081744"/>
+            <a:off x="3187580" y="4055600"/>
+            <a:ext cx="7797502" cy="2685903"/>
           </a:xfrm>
           <a:prstGeom prst="rect">
             <a:avLst/>
@@ -15561,16 +15097,496 @@
           </a:extLst>
         </p:spPr>
       </p:pic>
+      <p:graphicFrame>
+        <p:nvGraphicFramePr>
+          <p:cNvPr id="6" name="Table 5"/>
+          <p:cNvGraphicFramePr>
+            <a:graphicFrameLocks noGrp="1"/>
+          </p:cNvGraphicFramePr>
+          <p:nvPr>
+            <p:extLst>
+              <p:ext uri="{D42A27DB-BD31-4B8C-83A1-F6EECF244321}">
+                <p14:modId xmlns:p14="http://schemas.microsoft.com/office/powerpoint/2010/main" val="2042146883"/>
+              </p:ext>
+            </p:extLst>
+          </p:nvPr>
+        </p:nvGraphicFramePr>
+        <p:xfrm>
+          <a:off x="1188740" y="714252"/>
+          <a:ext cx="9672965" cy="1071817"/>
+        </p:xfrm>
+        <a:graphic>
+          <a:graphicData uri="http://schemas.openxmlformats.org/drawingml/2006/table">
+            <a:tbl>
+              <a:tblPr firstRow="1" bandRow="1">
+                <a:tableStyleId>{5C22544A-7EE6-4342-B048-85BDC9FD1C3A}</a:tableStyleId>
+              </a:tblPr>
+              <a:tblGrid>
+                <a:gridCol w="2037755">
+                  <a:extLst>
+                    <a:ext uri="{9D8B030D-6E8A-4147-A177-3AD203B41FA5}">
+                      <a16:colId xmlns="" xmlns:a16="http://schemas.microsoft.com/office/drawing/2014/main" val="20000"/>
+                    </a:ext>
+                  </a:extLst>
+                </a:gridCol>
+                <a:gridCol w="1102989">
+                  <a:extLst>
+                    <a:ext uri="{9D8B030D-6E8A-4147-A177-3AD203B41FA5}">
+                      <a16:colId xmlns="" xmlns:a16="http://schemas.microsoft.com/office/drawing/2014/main" val="20001"/>
+                    </a:ext>
+                  </a:extLst>
+                </a:gridCol>
+                <a:gridCol w="979094">
+                  <a:extLst>
+                    <a:ext uri="{9D8B030D-6E8A-4147-A177-3AD203B41FA5}">
+                      <a16:colId xmlns="" xmlns:a16="http://schemas.microsoft.com/office/drawing/2014/main" val="20002"/>
+                    </a:ext>
+                  </a:extLst>
+                </a:gridCol>
+                <a:gridCol w="1072746">
+                  <a:extLst>
+                    <a:ext uri="{9D8B030D-6E8A-4147-A177-3AD203B41FA5}">
+                      <a16:colId xmlns="" xmlns:a16="http://schemas.microsoft.com/office/drawing/2014/main" val="20003"/>
+                    </a:ext>
+                  </a:extLst>
+                </a:gridCol>
+                <a:gridCol w="1055718">
+                  <a:extLst>
+                    <a:ext uri="{9D8B030D-6E8A-4147-A177-3AD203B41FA5}">
+                      <a16:colId xmlns="" xmlns:a16="http://schemas.microsoft.com/office/drawing/2014/main" val="20004"/>
+                    </a:ext>
+                  </a:extLst>
+                </a:gridCol>
+                <a:gridCol w="1013149">
+                  <a:extLst>
+                    <a:ext uri="{9D8B030D-6E8A-4147-A177-3AD203B41FA5}">
+                      <a16:colId xmlns="" xmlns:a16="http://schemas.microsoft.com/office/drawing/2014/main" val="20005"/>
+                    </a:ext>
+                  </a:extLst>
+                </a:gridCol>
+                <a:gridCol w="1217481">
+                  <a:extLst>
+                    <a:ext uri="{9D8B030D-6E8A-4147-A177-3AD203B41FA5}">
+                      <a16:colId xmlns="" xmlns:a16="http://schemas.microsoft.com/office/drawing/2014/main" val="20006"/>
+                    </a:ext>
+                  </a:extLst>
+                </a:gridCol>
+                <a:gridCol w="1194033">
+                  <a:extLst>
+                    <a:ext uri="{9D8B030D-6E8A-4147-A177-3AD203B41FA5}">
+                      <a16:colId xmlns="" xmlns:a16="http://schemas.microsoft.com/office/drawing/2014/main" val="20007"/>
+                    </a:ext>
+                  </a:extLst>
+                </a:gridCol>
+              </a:tblGrid>
+              <a:tr h="353921">
+                <a:tc>
+                  <a:txBody>
+                    <a:bodyPr/>
+                    <a:lstStyle/>
+                    <a:p>
+                      <a:endParaRPr lang="en-US" sz="1600" dirty="0"/>
+                    </a:p>
+                  </a:txBody>
+                  <a:tcPr/>
+                </a:tc>
+                <a:tc>
+                  <a:txBody>
+                    <a:bodyPr/>
+                    <a:lstStyle/>
+                    <a:p>
+                      <a:pPr algn="ctr"/>
+                      <a:r>
+                        <a:rPr lang="en-US" sz="1600" dirty="0"/>
+                        <a:t>ANGRY</a:t>
+                      </a:r>
+                    </a:p>
+                  </a:txBody>
+                  <a:tcPr/>
+                </a:tc>
+                <a:tc>
+                  <a:txBody>
+                    <a:bodyPr/>
+                    <a:lstStyle/>
+                    <a:p>
+                      <a:pPr algn="ctr"/>
+                      <a:r>
+                        <a:rPr lang="en-US" sz="1600" dirty="0"/>
+                        <a:t>DISUST</a:t>
+                      </a:r>
+                    </a:p>
+                  </a:txBody>
+                  <a:tcPr/>
+                </a:tc>
+                <a:tc>
+                  <a:txBody>
+                    <a:bodyPr/>
+                    <a:lstStyle/>
+                    <a:p>
+                      <a:pPr algn="ctr"/>
+                      <a:r>
+                        <a:rPr lang="en-US" sz="1600" dirty="0"/>
+                        <a:t>FEAR</a:t>
+                      </a:r>
+                    </a:p>
+                  </a:txBody>
+                  <a:tcPr/>
+                </a:tc>
+                <a:tc>
+                  <a:txBody>
+                    <a:bodyPr/>
+                    <a:lstStyle/>
+                    <a:p>
+                      <a:pPr algn="ctr"/>
+                      <a:r>
+                        <a:rPr lang="en-US" sz="1600" dirty="0"/>
+                        <a:t>HAPPY</a:t>
+                      </a:r>
+                    </a:p>
+                  </a:txBody>
+                  <a:tcPr/>
+                </a:tc>
+                <a:tc>
+                  <a:txBody>
+                    <a:bodyPr/>
+                    <a:lstStyle/>
+                    <a:p>
+                      <a:pPr algn="ctr"/>
+                      <a:r>
+                        <a:rPr lang="en-US" sz="1600" dirty="0"/>
+                        <a:t>SAD</a:t>
+                      </a:r>
+                    </a:p>
+                  </a:txBody>
+                  <a:tcPr/>
+                </a:tc>
+                <a:tc>
+                  <a:txBody>
+                    <a:bodyPr/>
+                    <a:lstStyle/>
+                    <a:p>
+                      <a:pPr algn="ctr"/>
+                      <a:r>
+                        <a:rPr lang="en-US" sz="1600" dirty="0"/>
+                        <a:t>SURPRISE</a:t>
+                      </a:r>
+                    </a:p>
+                  </a:txBody>
+                  <a:tcPr/>
+                </a:tc>
+                <a:tc>
+                  <a:txBody>
+                    <a:bodyPr/>
+                    <a:lstStyle/>
+                    <a:p>
+                      <a:pPr algn="ctr"/>
+                      <a:r>
+                        <a:rPr lang="en-US" sz="1600" dirty="0"/>
+                        <a:t>NEUTRAL</a:t>
+                      </a:r>
+                    </a:p>
+                  </a:txBody>
+                  <a:tcPr/>
+                </a:tc>
+                <a:extLst>
+                  <a:ext uri="{0D108BD9-81ED-4DB2-BD59-A6C34878D82A}">
+                    <a16:rowId xmlns="" xmlns:a16="http://schemas.microsoft.com/office/drawing/2014/main" val="10000"/>
+                  </a:ext>
+                </a:extLst>
+              </a:tr>
+              <a:tr h="367422">
+                <a:tc>
+                  <a:txBody>
+                    <a:bodyPr/>
+                    <a:lstStyle/>
+                    <a:p>
+                      <a:r>
+                        <a:rPr lang="en-US" sz="1600" dirty="0"/>
+                        <a:t>PPV (Precision)</a:t>
+                      </a:r>
+                    </a:p>
+                  </a:txBody>
+                  <a:tcPr/>
+                </a:tc>
+                <a:tc>
+                  <a:txBody>
+                    <a:bodyPr/>
+                    <a:lstStyle/>
+                    <a:p>
+                      <a:pPr algn="ctr"/>
+                      <a:r>
+                        <a:rPr lang="en-US" sz="1600" dirty="0"/>
+                        <a:t>39.4%</a:t>
+                      </a:r>
+                    </a:p>
+                  </a:txBody>
+                  <a:tcPr/>
+                </a:tc>
+                <a:tc>
+                  <a:txBody>
+                    <a:bodyPr/>
+                    <a:lstStyle/>
+                    <a:p>
+                      <a:pPr algn="ctr"/>
+                      <a:r>
+                        <a:rPr lang="en-US" sz="1600" dirty="0"/>
+                        <a:t>100%</a:t>
+                      </a:r>
+                    </a:p>
+                  </a:txBody>
+                  <a:tcPr/>
+                </a:tc>
+                <a:tc>
+                  <a:txBody>
+                    <a:bodyPr/>
+                    <a:lstStyle/>
+                    <a:p>
+                      <a:pPr algn="ctr"/>
+                      <a:r>
+                        <a:rPr lang="en-US" sz="1600" dirty="0"/>
+                        <a:t>37.2%</a:t>
+                      </a:r>
+                    </a:p>
+                  </a:txBody>
+                  <a:tcPr/>
+                </a:tc>
+                <a:tc>
+                  <a:txBody>
+                    <a:bodyPr/>
+                    <a:lstStyle/>
+                    <a:p>
+                      <a:pPr algn="ctr"/>
+                      <a:r>
+                        <a:rPr lang="en-US" sz="1600" dirty="0"/>
+                        <a:t>57.5%</a:t>
+                      </a:r>
+                    </a:p>
+                  </a:txBody>
+                  <a:tcPr/>
+                </a:tc>
+                <a:tc>
+                  <a:txBody>
+                    <a:bodyPr/>
+                    <a:lstStyle/>
+                    <a:p>
+                      <a:pPr algn="ctr"/>
+                      <a:r>
+                        <a:rPr lang="en-US" sz="1600" dirty="0"/>
+                        <a:t>31.2%</a:t>
+                      </a:r>
+                    </a:p>
+                  </a:txBody>
+                  <a:tcPr/>
+                </a:tc>
+                <a:tc>
+                  <a:txBody>
+                    <a:bodyPr/>
+                    <a:lstStyle/>
+                    <a:p>
+                      <a:pPr algn="ctr"/>
+                      <a:r>
+                        <a:rPr lang="en-US" sz="1600" dirty="0"/>
+                        <a:t>67.6%</a:t>
+                      </a:r>
+                    </a:p>
+                  </a:txBody>
+                  <a:tcPr/>
+                </a:tc>
+                <a:tc>
+                  <a:txBody>
+                    <a:bodyPr/>
+                    <a:lstStyle/>
+                    <a:p>
+                      <a:pPr algn="ctr"/>
+                      <a:r>
+                        <a:rPr lang="en-US" sz="1600" dirty="0"/>
+                        <a:t>36.5%</a:t>
+                      </a:r>
+                    </a:p>
+                  </a:txBody>
+                  <a:tcPr/>
+                </a:tc>
+                <a:extLst>
+                  <a:ext uri="{0D108BD9-81ED-4DB2-BD59-A6C34878D82A}">
+                    <a16:rowId xmlns="" xmlns:a16="http://schemas.microsoft.com/office/drawing/2014/main" val="10001"/>
+                  </a:ext>
+                </a:extLst>
+              </a:tr>
+              <a:tr h="350474">
+                <a:tc>
+                  <a:txBody>
+                    <a:bodyPr/>
+                    <a:lstStyle/>
+                    <a:p>
+                      <a:r>
+                        <a:rPr lang="en-US" sz="1600" dirty="0"/>
+                        <a:t>Sensitivity (Recall)</a:t>
+                      </a:r>
+                    </a:p>
+                  </a:txBody>
+                  <a:tcPr/>
+                </a:tc>
+                <a:tc>
+                  <a:txBody>
+                    <a:bodyPr/>
+                    <a:lstStyle/>
+                    <a:p>
+                      <a:pPr algn="ctr"/>
+                      <a:r>
+                        <a:rPr lang="en-US" sz="1600" dirty="0">
+                          <a:effectLst/>
+                        </a:rPr>
+                        <a:t>22.2% </a:t>
+                      </a:r>
+                      <a:endParaRPr lang="en-US" sz="1600" dirty="0"/>
+                    </a:p>
+                  </a:txBody>
+                  <a:tcPr/>
+                </a:tc>
+                <a:tc>
+                  <a:txBody>
+                    <a:bodyPr/>
+                    <a:lstStyle/>
+                    <a:p>
+                      <a:pPr algn="ctr"/>
+                      <a:r>
+                        <a:rPr lang="en-US" sz="1600" dirty="0">
+                          <a:effectLst/>
+                        </a:rPr>
+                        <a:t>29.1%</a:t>
+                      </a:r>
+                      <a:endParaRPr lang="en-US" sz="1600" dirty="0"/>
+                    </a:p>
+                  </a:txBody>
+                  <a:tcPr/>
+                </a:tc>
+                <a:tc>
+                  <a:txBody>
+                    <a:bodyPr/>
+                    <a:lstStyle/>
+                    <a:p>
+                      <a:pPr algn="ctr"/>
+                      <a:r>
+                        <a:rPr lang="en-US" sz="1600" dirty="0">
+                          <a:effectLst/>
+                        </a:rPr>
+                        <a:t>27.7%</a:t>
+                      </a:r>
+                      <a:endParaRPr lang="en-US" sz="1600" dirty="0"/>
+                    </a:p>
+                  </a:txBody>
+                  <a:tcPr/>
+                </a:tc>
+                <a:tc>
+                  <a:txBody>
+                    <a:bodyPr/>
+                    <a:lstStyle/>
+                    <a:p>
+                      <a:pPr algn="ctr"/>
+                      <a:r>
+                        <a:rPr lang="en-US" sz="1600" dirty="0">
+                          <a:effectLst/>
+                        </a:rPr>
+                        <a:t>60.9%</a:t>
+                      </a:r>
+                      <a:endParaRPr lang="en-US" sz="1600" dirty="0"/>
+                    </a:p>
+                  </a:txBody>
+                  <a:tcPr/>
+                </a:tc>
+                <a:tc>
+                  <a:txBody>
+                    <a:bodyPr/>
+                    <a:lstStyle/>
+                    <a:p>
+                      <a:pPr algn="ctr"/>
+                      <a:r>
+                        <a:rPr lang="en-US" sz="1600" dirty="0">
+                          <a:effectLst/>
+                        </a:rPr>
+                        <a:t>40.9%</a:t>
+                      </a:r>
+                      <a:endParaRPr lang="en-US" sz="1600" dirty="0"/>
+                    </a:p>
+                  </a:txBody>
+                  <a:tcPr/>
+                </a:tc>
+                <a:tc>
+                  <a:txBody>
+                    <a:bodyPr/>
+                    <a:lstStyle/>
+                    <a:p>
+                      <a:pPr algn="ctr"/>
+                      <a:r>
+                        <a:rPr lang="en-US" sz="1600" dirty="0">
+                          <a:effectLst/>
+                        </a:rPr>
+                        <a:t>54.1%</a:t>
+                      </a:r>
+                      <a:endParaRPr lang="en-US" sz="1600" dirty="0"/>
+                    </a:p>
+                  </a:txBody>
+                  <a:tcPr/>
+                </a:tc>
+                <a:tc>
+                  <a:txBody>
+                    <a:bodyPr/>
+                    <a:lstStyle/>
+                    <a:p>
+                      <a:pPr marL="0" marR="0" indent="0" algn="ctr" defTabSz="914400" rtl="0" eaLnBrk="1" fontAlgn="auto" latinLnBrk="0" hangingPunct="1">
+                        <a:lnSpc>
+                          <a:spcPct val="100000"/>
+                        </a:lnSpc>
+                        <a:spcBef>
+                          <a:spcPts val="0"/>
+                        </a:spcBef>
+                        <a:spcAft>
+                          <a:spcPts val="0"/>
+                        </a:spcAft>
+                        <a:buClrTx/>
+                        <a:buSzTx/>
+                        <a:buFontTx/>
+                        <a:buNone/>
+                        <a:tabLst/>
+                        <a:defRPr/>
+                      </a:pPr>
+                      <a:r>
+                        <a:rPr lang="en-US" sz="1600" dirty="0">
+                          <a:effectLst/>
+                        </a:rPr>
+                        <a:t>50.2%</a:t>
+                      </a:r>
+                      <a:endParaRPr lang="en-US" sz="1600" dirty="0"/>
+                    </a:p>
+                  </a:txBody>
+                  <a:tcPr/>
+                </a:tc>
+                <a:extLst>
+                  <a:ext uri="{0D108BD9-81ED-4DB2-BD59-A6C34878D82A}">
+                    <a16:rowId xmlns="" xmlns:a16="http://schemas.microsoft.com/office/drawing/2014/main" val="10002"/>
+                  </a:ext>
+                </a:extLst>
+              </a:tr>
+            </a:tbl>
+          </a:graphicData>
+        </a:graphic>
+      </p:graphicFrame>
       <p:sp>
         <p:nvSpPr>
-          <p:cNvPr id="5" name="TextBox 4"/>
+          <p:cNvPr id="7" name="TextBox 6">
+            <a:extLst>
+              <a:ext uri="{FF2B5EF4-FFF2-40B4-BE49-F238E27FC236}">
+                <a16:creationId xmlns="" xmlns:a16="http://schemas.microsoft.com/office/drawing/2014/main" id="{0C603B1F-1F97-3F47-A1FB-49F34A0EE4CD}"/>
+              </a:ext>
+            </a:extLst>
+          </p:cNvPr>
           <p:cNvSpPr txBox="1"/>
           <p:nvPr/>
         </p:nvSpPr>
         <p:spPr>
           <a:xfrm>
-            <a:off x="1443527" y="795849"/>
-            <a:ext cx="8230560" cy="369332"/>
+            <a:off x="1037110" y="5143384"/>
+            <a:ext cx="2082108" cy="584775"/>
           </a:xfrm>
           <a:prstGeom prst="rect">
             <a:avLst/>
@@ -15584,12 +15600,70 @@
           <a:lstStyle/>
           <a:p>
             <a:r>
-              <a:rPr lang="en-US" dirty="0"/>
-              <a:t>Scatter plot across the first two PCs, with each class shown in a separate plot</a:t>
+              <a:rPr lang="en-US" sz="1600" dirty="0" smtClean="0"/>
+              <a:t>14% </a:t>
+            </a:r>
+            <a:r>
+              <a:rPr lang="en-US" sz="1600" dirty="0"/>
+              <a:t>Accuracy on New Data</a:t>
             </a:r>
           </a:p>
         </p:txBody>
       </p:sp>
+      <p:pic>
+        <p:nvPicPr>
+          <p:cNvPr id="1028" name="Picture 4"/>
+          <p:cNvPicPr>
+            <a:picLocks noChangeAspect="1" noChangeArrowheads="1"/>
+          </p:cNvPicPr>
+          <p:nvPr/>
+        </p:nvPicPr>
+        <p:blipFill>
+          <a:blip r:embed="rId3">
+            <a:extLst>
+              <a:ext uri="{28A0092B-C50C-407E-A947-70E740481C1C}">
+                <a14:useLocalDpi xmlns:a14="http://schemas.microsoft.com/office/drawing/2010/main" val="0"/>
+              </a:ext>
+            </a:extLst>
+          </a:blip>
+          <a:srcRect/>
+          <a:stretch>
+            <a:fillRect/>
+          </a:stretch>
+        </p:blipFill>
+        <p:spPr bwMode="auto">
+          <a:xfrm>
+            <a:off x="3042302" y="1811706"/>
+            <a:ext cx="7751035" cy="2058557"/>
+          </a:xfrm>
+          <a:prstGeom prst="rect">
+            <a:avLst/>
+          </a:prstGeom>
+          <a:noFill/>
+          <a:ln>
+            <a:noFill/>
+          </a:ln>
+          <a:extLst>
+            <a:ext uri="{909E8E84-426E-40DD-AFC4-6F175D3DCCD1}">
+              <a14:hiddenFill xmlns:a14="http://schemas.microsoft.com/office/drawing/2010/main">
+                <a:solidFill>
+                  <a:schemeClr val="accent1"/>
+                </a:solidFill>
+              </a14:hiddenFill>
+            </a:ext>
+            <a:ext uri="{91240B29-F687-4F45-9708-019B960494DF}">
+              <a14:hiddenLine xmlns:a14="http://schemas.microsoft.com/office/drawing/2010/main" w="9525">
+                <a:solidFill>
+                  <a:schemeClr val="tx1"/>
+                </a:solidFill>
+                <a:miter lim="800000"/>
+                <a:headEnd/>
+                <a:tailEnd/>
+              </a14:hiddenLine>
+            </a:ext>
+          </a:extLst>
+        </p:spPr>
+      </p:pic>
     </p:spTree>
     <p:extLst>
       <p:ext uri="{BB962C8B-B14F-4D97-AF65-F5344CB8AC3E}">
@@ -15600,6 +15674,13 @@
   <p:clrMapOvr>
     <a:masterClrMapping/>
   </p:clrMapOvr>
+  <p:timing>
+    <p:tnLst>
+      <p:par>
+        <p:cTn id="1" dur="indefinite" restart="never" nodeType="tmRoot"/>
+      </p:par>
+    </p:tnLst>
+  </p:timing>
 </p:sld>
 </file>
 
@@ -15652,7 +15733,7 @@
           <p:cNvPr id="7" name="Picture 2">
             <a:extLst>
               <a:ext uri="{FF2B5EF4-FFF2-40B4-BE49-F238E27FC236}">
-                <a16:creationId xmlns:a16="http://schemas.microsoft.com/office/drawing/2014/main" id="{B76E598F-1C59-4394-8340-986200DECB1E}"/>
+                <a16:creationId xmlns="" xmlns:a16="http://schemas.microsoft.com/office/drawing/2014/main" id="{B76E598F-1C59-4394-8340-986200DECB1E}"/>
               </a:ext>
             </a:extLst>
           </p:cNvPr>
@@ -15712,7 +15793,7 @@
           <p:cNvPr id="10" name="Content Placeholder 2">
             <a:extLst>
               <a:ext uri="{FF2B5EF4-FFF2-40B4-BE49-F238E27FC236}">
-                <a16:creationId xmlns:a16="http://schemas.microsoft.com/office/drawing/2014/main" id="{AD2387E2-7737-4B33-9C53-E4D7580B42D3}"/>
+                <a16:creationId xmlns="" xmlns:a16="http://schemas.microsoft.com/office/drawing/2014/main" id="{AD2387E2-7737-4B33-9C53-E4D7580B42D3}"/>
               </a:ext>
             </a:extLst>
           </p:cNvPr>
@@ -15796,6 +15877,13 @@
   <p:clrMapOvr>
     <a:masterClrMapping/>
   </p:clrMapOvr>
+  <p:timing>
+    <p:tnLst>
+      <p:par>
+        <p:cTn id="1" dur="indefinite" restart="never" nodeType="tmRoot"/>
+      </p:par>
+    </p:tnLst>
+  </p:timing>
 </p:sld>
 </file>
 
@@ -15890,6 +15978,13 @@
   <p:clrMapOvr>
     <a:masterClrMapping/>
   </p:clrMapOvr>
+  <p:timing>
+    <p:tnLst>
+      <p:par>
+        <p:cTn id="1" dur="indefinite" restart="never" nodeType="tmRoot"/>
+      </p:par>
+    </p:tnLst>
+  </p:timing>
 </p:sld>
 </file>
 
@@ -15947,14 +16042,14 @@
             <p:ph sz="half" idx="1"/>
             <p:extLst>
               <p:ext uri="{D42A27DB-BD31-4B8C-83A1-F6EECF244321}">
-                <p14:modId xmlns:p14="http://schemas.microsoft.com/office/powerpoint/2010/main" val="3724978116"/>
+                <p14:modId xmlns:p14="http://schemas.microsoft.com/office/powerpoint/2010/main" val="4155952213"/>
               </p:ext>
             </p:extLst>
           </p:nvPr>
         </p:nvGraphicFramePr>
         <p:xfrm>
           <a:off x="0" y="965219"/>
-          <a:ext cx="11887199" cy="5369319"/>
+          <a:ext cx="11887199" cy="5358669"/>
         </p:xfrm>
         <a:graphic>
           <a:graphicData uri="http://schemas.openxmlformats.org/drawingml/2006/table">
@@ -15966,42 +16061,42 @@
                 <a:gridCol w="1859335">
                   <a:extLst>
                     <a:ext uri="{9D8B030D-6E8A-4147-A177-3AD203B41FA5}">
-                      <a16:colId xmlns:a16="http://schemas.microsoft.com/office/drawing/2014/main" val="3550727435"/>
+                      <a16:colId xmlns="" xmlns:a16="http://schemas.microsoft.com/office/drawing/2014/main" val="3550727435"/>
                     </a:ext>
                   </a:extLst>
                 </a:gridCol>
                 <a:gridCol w="1618167">
                   <a:extLst>
                     <a:ext uri="{9D8B030D-6E8A-4147-A177-3AD203B41FA5}">
-                      <a16:colId xmlns:a16="http://schemas.microsoft.com/office/drawing/2014/main" val="3295678948"/>
+                      <a16:colId xmlns="" xmlns:a16="http://schemas.microsoft.com/office/drawing/2014/main" val="3295678948"/>
                     </a:ext>
                   </a:extLst>
                 </a:gridCol>
                 <a:gridCol w="1731670">
                   <a:extLst>
                     <a:ext uri="{9D8B030D-6E8A-4147-A177-3AD203B41FA5}">
-                      <a16:colId xmlns:a16="http://schemas.microsoft.com/office/drawing/2014/main" val="485902210"/>
+                      <a16:colId xmlns="" xmlns:a16="http://schemas.microsoft.com/office/drawing/2014/main" val="485902210"/>
                     </a:ext>
                   </a:extLst>
                 </a:gridCol>
                 <a:gridCol w="1669506">
                   <a:extLst>
                     <a:ext uri="{9D8B030D-6E8A-4147-A177-3AD203B41FA5}">
-                      <a16:colId xmlns:a16="http://schemas.microsoft.com/office/drawing/2014/main" val="20003"/>
+                      <a16:colId xmlns="" xmlns:a16="http://schemas.microsoft.com/office/drawing/2014/main" val="20003"/>
                     </a:ext>
                   </a:extLst>
                 </a:gridCol>
                 <a:gridCol w="1633986">
                   <a:extLst>
                     <a:ext uri="{9D8B030D-6E8A-4147-A177-3AD203B41FA5}">
-                      <a16:colId xmlns:a16="http://schemas.microsoft.com/office/drawing/2014/main" val="1751447481"/>
+                      <a16:colId xmlns="" xmlns:a16="http://schemas.microsoft.com/office/drawing/2014/main" val="1751447481"/>
                     </a:ext>
                   </a:extLst>
                 </a:gridCol>
                 <a:gridCol w="3374535">
                   <a:extLst>
                     <a:ext uri="{9D8B030D-6E8A-4147-A177-3AD203B41FA5}">
-                      <a16:colId xmlns:a16="http://schemas.microsoft.com/office/drawing/2014/main" val="788984757"/>
+                      <a16:colId xmlns="" xmlns:a16="http://schemas.microsoft.com/office/drawing/2014/main" val="788984757"/>
                     </a:ext>
                   </a:extLst>
                 </a:gridCol>
@@ -16081,7 +16176,7 @@
                 </a:tc>
                 <a:extLst>
                   <a:ext uri="{0D108BD9-81ED-4DB2-BD59-A6C34878D82A}">
-                    <a16:rowId xmlns:a16="http://schemas.microsoft.com/office/drawing/2014/main" val="418414485"/>
+                    <a16:rowId xmlns="" xmlns:a16="http://schemas.microsoft.com/office/drawing/2014/main" val="418414485"/>
                   </a:ext>
                 </a:extLst>
               </a:tr>
@@ -16197,7 +16292,7 @@
                 </a:tc>
                 <a:extLst>
                   <a:ext uri="{0D108BD9-81ED-4DB2-BD59-A6C34878D82A}">
-                    <a16:rowId xmlns:a16="http://schemas.microsoft.com/office/drawing/2014/main" val="10001"/>
+                    <a16:rowId xmlns="" xmlns:a16="http://schemas.microsoft.com/office/drawing/2014/main" val="10001"/>
                   </a:ext>
                 </a:extLst>
               </a:tr>
@@ -16308,7 +16403,7 @@
                 </a:tc>
                 <a:extLst>
                   <a:ext uri="{0D108BD9-81ED-4DB2-BD59-A6C34878D82A}">
-                    <a16:rowId xmlns:a16="http://schemas.microsoft.com/office/drawing/2014/main" val="2740143975"/>
+                    <a16:rowId xmlns="" xmlns:a16="http://schemas.microsoft.com/office/drawing/2014/main" val="2740143975"/>
                   </a:ext>
                 </a:extLst>
               </a:tr>
@@ -16392,8 +16487,41 @@
                           <a:ea typeface="+mn-ea"/>
                           <a:cs typeface="+mn-cs"/>
                         </a:rPr>
-                        <a:t>76.61%</a:t>
+                        <a:t>76.61</a:t>
                       </a:r>
+                      <a:r>
+                        <a:rPr lang="en-IN" sz="1800" kern="1200" dirty="0" smtClean="0">
+                          <a:solidFill>
+                            <a:schemeClr val="tx1"/>
+                          </a:solidFill>
+                          <a:latin typeface="+mn-lt"/>
+                          <a:ea typeface="+mn-ea"/>
+                          <a:cs typeface="+mn-cs"/>
+                        </a:rPr>
+                        <a:t>%</a:t>
+                      </a:r>
+                    </a:p>
+                    <a:p>
+                      <a:pPr algn="ctr"/>
+                      <a:r>
+                        <a:rPr lang="en-IN" sz="1800" kern="1200" dirty="0" smtClean="0">
+                          <a:solidFill>
+                            <a:schemeClr val="tx1"/>
+                          </a:solidFill>
+                          <a:latin typeface="+mn-lt"/>
+                          <a:ea typeface="+mn-ea"/>
+                          <a:cs typeface="+mn-cs"/>
+                        </a:rPr>
+                        <a:t>(with 360 PCs)</a:t>
+                      </a:r>
+                      <a:endParaRPr lang="en-IN" sz="1800" kern="1200" dirty="0">
+                        <a:solidFill>
+                          <a:schemeClr val="tx1"/>
+                        </a:solidFill>
+                        <a:latin typeface="+mn-lt"/>
+                        <a:ea typeface="+mn-ea"/>
+                        <a:cs typeface="+mn-cs"/>
+                      </a:endParaRPr>
                     </a:p>
                   </a:txBody>
                   <a:tcPr/>
@@ -16413,8 +16541,41 @@
                           <a:ea typeface="+mn-ea"/>
                           <a:cs typeface="+mn-cs"/>
                         </a:rPr>
-                        <a:t>44.25%</a:t>
+                        <a:t>44.25</a:t>
                       </a:r>
+                      <a:r>
+                        <a:rPr lang="en-IN" sz="1800" kern="1200" dirty="0" smtClean="0">
+                          <a:solidFill>
+                            <a:schemeClr val="tx1"/>
+                          </a:solidFill>
+                          <a:latin typeface="+mn-lt"/>
+                          <a:ea typeface="+mn-ea"/>
+                          <a:cs typeface="+mn-cs"/>
+                        </a:rPr>
+                        <a:t>%</a:t>
+                      </a:r>
+                    </a:p>
+                    <a:p>
+                      <a:pPr algn="ctr"/>
+                      <a:r>
+                        <a:rPr lang="en-IN" sz="1800" kern="1200" dirty="0" smtClean="0">
+                          <a:solidFill>
+                            <a:schemeClr val="tx1"/>
+                          </a:solidFill>
+                          <a:latin typeface="+mn-lt"/>
+                          <a:ea typeface="+mn-ea"/>
+                          <a:cs typeface="+mn-cs"/>
+                        </a:rPr>
+                        <a:t>(with 360 PCs)</a:t>
+                      </a:r>
+                      <a:endParaRPr lang="en-IN" sz="1800" kern="1200" dirty="0">
+                        <a:solidFill>
+                          <a:schemeClr val="tx1"/>
+                        </a:solidFill>
+                        <a:latin typeface="+mn-lt"/>
+                        <a:ea typeface="+mn-ea"/>
+                        <a:cs typeface="+mn-cs"/>
+                      </a:endParaRPr>
                     </a:p>
                   </a:txBody>
                   <a:tcPr/>
@@ -16434,7 +16595,48 @@
                           <a:ea typeface="+mn-ea"/>
                           <a:cs typeface="+mn-cs"/>
                         </a:rPr>
-                        <a:t>41.38%</a:t>
+                        <a:t>41.38</a:t>
+                      </a:r>
+                      <a:r>
+                        <a:rPr lang="en-IN" sz="1800" kern="1200" dirty="0" smtClean="0">
+                          <a:solidFill>
+                            <a:schemeClr val="tx1"/>
+                          </a:solidFill>
+                          <a:latin typeface="+mn-lt"/>
+                          <a:ea typeface="+mn-ea"/>
+                          <a:cs typeface="+mn-cs"/>
+                        </a:rPr>
+                        <a:t>%</a:t>
+                      </a:r>
+                    </a:p>
+                    <a:p>
+                      <a:pPr marL="0" marR="0" indent="0" algn="ctr" defTabSz="914400" rtl="0" eaLnBrk="1" fontAlgn="auto" latinLnBrk="0" hangingPunct="1">
+                        <a:lnSpc>
+                          <a:spcPct val="100000"/>
+                        </a:lnSpc>
+                        <a:spcBef>
+                          <a:spcPts val="0"/>
+                        </a:spcBef>
+                        <a:spcAft>
+                          <a:spcPts val="0"/>
+                        </a:spcAft>
+                        <a:buClrTx/>
+                        <a:buSzTx/>
+                        <a:buFontTx/>
+                        <a:buNone/>
+                        <a:tabLst/>
+                        <a:defRPr/>
+                      </a:pPr>
+                      <a:r>
+                        <a:rPr lang="en-IN" sz="1800" kern="1200" dirty="0" smtClean="0">
+                          <a:solidFill>
+                            <a:schemeClr val="tx1"/>
+                          </a:solidFill>
+                          <a:latin typeface="+mn-lt"/>
+                          <a:ea typeface="+mn-ea"/>
+                          <a:cs typeface="+mn-cs"/>
+                        </a:rPr>
+                        <a:t>(with 360 PCs)</a:t>
                       </a:r>
                     </a:p>
                   </a:txBody>
@@ -16442,11 +16644,11 @@
                 </a:tc>
                 <a:extLst>
                   <a:ext uri="{0D108BD9-81ED-4DB2-BD59-A6C34878D82A}">
-                    <a16:rowId xmlns:a16="http://schemas.microsoft.com/office/drawing/2014/main" val="4075877440"/>
+                    <a16:rowId xmlns="" xmlns:a16="http://schemas.microsoft.com/office/drawing/2014/main" val="4075877440"/>
                   </a:ext>
                 </a:extLst>
               </a:tr>
-              <a:tr h="1092856">
+              <a:tr h="909386">
                 <a:tc>
                   <a:txBody>
                     <a:bodyPr/>
@@ -16553,7 +16755,7 @@
                 </a:tc>
                 <a:extLst>
                   <a:ext uri="{0D108BD9-81ED-4DB2-BD59-A6C34878D82A}">
-                    <a16:rowId xmlns:a16="http://schemas.microsoft.com/office/drawing/2014/main" val="541031661"/>
+                    <a16:rowId xmlns="" xmlns:a16="http://schemas.microsoft.com/office/drawing/2014/main" val="541031661"/>
                   </a:ext>
                 </a:extLst>
               </a:tr>
@@ -16607,11 +16809,44 @@
                     <a:lstStyle/>
                     <a:p>
                       <a:pPr algn="ctr"/>
-                      <a:endParaRPr lang="en-IN" dirty="0">
-                        <a:highlight>
-                          <a:srgbClr val="FFFF00"/>
-                        </a:highlight>
-                      </a:endParaRPr>
+                      <a:r>
+                        <a:rPr lang="en-IN" dirty="0" smtClean="0">
+                          <a:highlight>
+                            <a:srgbClr val="FFFF00"/>
+                          </a:highlight>
+                        </a:rPr>
+                        <a:t>42.34%</a:t>
+                      </a:r>
+                    </a:p>
+                    <a:p>
+                      <a:pPr marL="0" marR="0" indent="0" algn="ctr" defTabSz="914400" rtl="0" eaLnBrk="1" fontAlgn="auto" latinLnBrk="0" hangingPunct="1">
+                        <a:lnSpc>
+                          <a:spcPct val="100000"/>
+                        </a:lnSpc>
+                        <a:spcBef>
+                          <a:spcPts val="0"/>
+                        </a:spcBef>
+                        <a:spcAft>
+                          <a:spcPts val="0"/>
+                        </a:spcAft>
+                        <a:buClrTx/>
+                        <a:buSzTx/>
+                        <a:buFontTx/>
+                        <a:buNone/>
+                        <a:tabLst/>
+                        <a:defRPr/>
+                      </a:pPr>
+                      <a:r>
+                        <a:rPr lang="en-IN" sz="1800" kern="1200" dirty="0" smtClean="0">
+                          <a:solidFill>
+                            <a:schemeClr val="tx1"/>
+                          </a:solidFill>
+                          <a:latin typeface="+mn-lt"/>
+                          <a:ea typeface="+mn-ea"/>
+                          <a:cs typeface="+mn-cs"/>
+                        </a:rPr>
+                        <a:t>(with 360 PCs, not normalized)</a:t>
+                      </a:r>
                     </a:p>
                   </a:txBody>
                   <a:tcPr/>
@@ -16622,11 +16857,44 @@
                     <a:lstStyle/>
                     <a:p>
                       <a:pPr algn="ctr"/>
-                      <a:endParaRPr lang="en-IN" dirty="0">
-                        <a:highlight>
-                          <a:srgbClr val="FFFF00"/>
-                        </a:highlight>
-                      </a:endParaRPr>
+                      <a:r>
+                        <a:rPr lang="en-IN" dirty="0" smtClean="0">
+                          <a:highlight>
+                            <a:srgbClr val="FFFF00"/>
+                          </a:highlight>
+                        </a:rPr>
+                        <a:t>38.23%</a:t>
+                      </a:r>
+                    </a:p>
+                    <a:p>
+                      <a:pPr marL="0" marR="0" indent="0" algn="ctr" defTabSz="914400" rtl="0" eaLnBrk="1" fontAlgn="auto" latinLnBrk="0" hangingPunct="1">
+                        <a:lnSpc>
+                          <a:spcPct val="100000"/>
+                        </a:lnSpc>
+                        <a:spcBef>
+                          <a:spcPts val="0"/>
+                        </a:spcBef>
+                        <a:spcAft>
+                          <a:spcPts val="0"/>
+                        </a:spcAft>
+                        <a:buClrTx/>
+                        <a:buSzTx/>
+                        <a:buFontTx/>
+                        <a:buNone/>
+                        <a:tabLst/>
+                        <a:defRPr/>
+                      </a:pPr>
+                      <a:r>
+                        <a:rPr lang="en-IN" sz="1800" kern="1200" dirty="0" smtClean="0">
+                          <a:solidFill>
+                            <a:schemeClr val="tx1"/>
+                          </a:solidFill>
+                          <a:latin typeface="+mn-lt"/>
+                          <a:ea typeface="+mn-ea"/>
+                          <a:cs typeface="+mn-cs"/>
+                        </a:rPr>
+                        <a:t>(with 360 PCs, not normalized)</a:t>
+                      </a:r>
                     </a:p>
                   </a:txBody>
                   <a:tcPr/>
@@ -16637,6 +16905,14 @@
                     <a:lstStyle/>
                     <a:p>
                       <a:pPr algn="ctr"/>
+                      <a:r>
+                        <a:rPr lang="en-IN" dirty="0" smtClean="0">
+                          <a:highlight>
+                            <a:srgbClr val="FFFF00"/>
+                          </a:highlight>
+                        </a:rPr>
+                        <a:t>N.A.</a:t>
+                      </a:r>
                       <a:endParaRPr lang="en-IN" dirty="0">
                         <a:highlight>
                           <a:srgbClr val="FFFF00"/>
@@ -16648,7 +16924,7 @@
                 </a:tc>
                 <a:extLst>
                   <a:ext uri="{0D108BD9-81ED-4DB2-BD59-A6C34878D82A}">
-                    <a16:rowId xmlns:a16="http://schemas.microsoft.com/office/drawing/2014/main" val="1396813758"/>
+                    <a16:rowId xmlns="" xmlns:a16="http://schemas.microsoft.com/office/drawing/2014/main" val="1396813758"/>
                   </a:ext>
                 </a:extLst>
               </a:tr>
@@ -16661,7 +16937,7 @@
           <p:cNvPr id="3" name="Rectangle 2">
             <a:extLst>
               <a:ext uri="{FF2B5EF4-FFF2-40B4-BE49-F238E27FC236}">
-                <a16:creationId xmlns:a16="http://schemas.microsoft.com/office/drawing/2014/main" id="{6D24092D-9014-4601-A8E5-A4FB3F59660D}"/>
+                <a16:creationId xmlns="" xmlns:a16="http://schemas.microsoft.com/office/drawing/2014/main" id="{6D24092D-9014-4601-A8E5-A4FB3F59660D}"/>
               </a:ext>
             </a:extLst>
           </p:cNvPr>
@@ -16709,6 +16985,13 @@
   <p:clrMapOvr>
     <a:masterClrMapping/>
   </p:clrMapOvr>
+  <p:timing>
+    <p:tnLst>
+      <p:par>
+        <p:cTn id="1" dur="indefinite" restart="never" nodeType="tmRoot"/>
+      </p:par>
+    </p:tnLst>
+  </p:timing>
 </p:sld>
 </file>
 
@@ -16949,7 +17232,7 @@
           <p:cNvPr id="3" name="Rectangle 2">
             <a:extLst>
               <a:ext uri="{FF2B5EF4-FFF2-40B4-BE49-F238E27FC236}">
-                <a16:creationId xmlns:a16="http://schemas.microsoft.com/office/drawing/2014/main" id="{30B14E7A-8F0E-4DEC-9955-CEF62AB818B0}"/>
+                <a16:creationId xmlns="" xmlns:a16="http://schemas.microsoft.com/office/drawing/2014/main" id="{30B14E7A-8F0E-4DEC-9955-CEF62AB818B0}"/>
               </a:ext>
             </a:extLst>
           </p:cNvPr>
@@ -16997,6 +17280,13 @@
   <p:clrMapOvr>
     <a:masterClrMapping/>
   </p:clrMapOvr>
+  <p:timing>
+    <p:tnLst>
+      <p:par>
+        <p:cTn id="1" dur="indefinite" restart="never" nodeType="tmRoot"/>
+      </p:par>
+    </p:tnLst>
+  </p:timing>
 </p:sld>
 </file>
 
@@ -17022,7 +17312,7 @@
           <p:cNvPr id="2" name="Title 1">
             <a:extLst>
               <a:ext uri="{FF2B5EF4-FFF2-40B4-BE49-F238E27FC236}">
-                <a16:creationId xmlns:a16="http://schemas.microsoft.com/office/drawing/2014/main" id="{58293DE5-6A3F-4CB5-9B2D-B26F445310F7}"/>
+                <a16:creationId xmlns="" xmlns:a16="http://schemas.microsoft.com/office/drawing/2014/main" id="{58293DE5-6A3F-4CB5-9B2D-B26F445310F7}"/>
               </a:ext>
             </a:extLst>
           </p:cNvPr>
@@ -17053,9 +17343,17 @@
               </a:rPr>
               <a:t>https://www.kaggle.com/c/challenges-in-representation-learning-facial-expression-recognition-challenge/data</a:t>
             </a:r>
+            <a:r>
+              <a:rPr lang="en-US" sz="2000" cap="none" dirty="0"/>
+              <a:t/>
+            </a:r>
             <a:br>
               <a:rPr lang="en-US" sz="2000" cap="none" dirty="0"/>
             </a:br>
+            <a:r>
+              <a:rPr lang="en-US" sz="2000" cap="none" dirty="0"/>
+              <a:t/>
+            </a:r>
             <a:br>
               <a:rPr lang="en-US" sz="2000" cap="none" dirty="0"/>
             </a:br>
@@ -17072,7 +17370,7 @@
           <p:cNvPr id="3" name="Content Placeholder 2">
             <a:extLst>
               <a:ext uri="{FF2B5EF4-FFF2-40B4-BE49-F238E27FC236}">
-                <a16:creationId xmlns:a16="http://schemas.microsoft.com/office/drawing/2014/main" id="{AEF930C9-DE34-42D1-B51C-D4367365A454}"/>
+                <a16:creationId xmlns="" xmlns:a16="http://schemas.microsoft.com/office/drawing/2014/main" id="{AEF930C9-DE34-42D1-B51C-D4367365A454}"/>
               </a:ext>
             </a:extLst>
           </p:cNvPr>
@@ -17111,7 +17409,15 @@
             <a:pPr lvl="1"/>
             <a:r>
               <a:rPr lang="en-US" sz="1800" dirty="0"/>
-              <a:t>90% of complete set</a:t>
+              <a:t>8</a:t>
+            </a:r>
+            <a:r>
+              <a:rPr lang="en-US" sz="1800" dirty="0" smtClean="0"/>
+              <a:t>0</a:t>
+            </a:r>
+            <a:r>
+              <a:rPr lang="en-US" sz="1800" dirty="0"/>
+              <a:t>% of complete set</a:t>
             </a:r>
           </a:p>
           <a:p>
@@ -17148,7 +17454,7 @@
           <p:cNvPr id="4" name="Content Placeholder 3">
             <a:extLst>
               <a:ext uri="{FF2B5EF4-FFF2-40B4-BE49-F238E27FC236}">
-                <a16:creationId xmlns:a16="http://schemas.microsoft.com/office/drawing/2014/main" id="{B2018AEE-6A81-49B2-AD03-CBA865B5659F}"/>
+                <a16:creationId xmlns="" xmlns:a16="http://schemas.microsoft.com/office/drawing/2014/main" id="{B2018AEE-6A81-49B2-AD03-CBA865B5659F}"/>
               </a:ext>
             </a:extLst>
           </p:cNvPr>
@@ -17278,6 +17584,13 @@
   <p:clrMapOvr>
     <a:masterClrMapping/>
   </p:clrMapOvr>
+  <p:timing>
+    <p:tnLst>
+      <p:par>
+        <p:cTn id="1" dur="indefinite" restart="never" nodeType="tmRoot"/>
+      </p:par>
+    </p:tnLst>
+  </p:timing>
 </p:sld>
 </file>
 
@@ -17303,7 +17616,7 @@
           <p:cNvPr id="6" name="Picture 5">
             <a:extLst>
               <a:ext uri="{FF2B5EF4-FFF2-40B4-BE49-F238E27FC236}">
-                <a16:creationId xmlns:a16="http://schemas.microsoft.com/office/drawing/2014/main" id="{5D56938D-3BE8-CE48-AA21-BE82D471014E}"/>
+                <a16:creationId xmlns="" xmlns:a16="http://schemas.microsoft.com/office/drawing/2014/main" id="{5D56938D-3BE8-CE48-AA21-BE82D471014E}"/>
               </a:ext>
             </a:extLst>
           </p:cNvPr>
@@ -17333,7 +17646,7 @@
           <p:cNvPr id="7" name="TextBox 6">
             <a:extLst>
               <a:ext uri="{FF2B5EF4-FFF2-40B4-BE49-F238E27FC236}">
-                <a16:creationId xmlns:a16="http://schemas.microsoft.com/office/drawing/2014/main" id="{D915B283-25CC-1646-BC03-AAA3C5A9F1CF}"/>
+                <a16:creationId xmlns="" xmlns:a16="http://schemas.microsoft.com/office/drawing/2014/main" id="{D915B283-25CC-1646-BC03-AAA3C5A9F1CF}"/>
               </a:ext>
             </a:extLst>
           </p:cNvPr>
@@ -17368,7 +17681,7 @@
           <p:cNvPr id="8" name="TextBox 7">
             <a:extLst>
               <a:ext uri="{FF2B5EF4-FFF2-40B4-BE49-F238E27FC236}">
-                <a16:creationId xmlns:a16="http://schemas.microsoft.com/office/drawing/2014/main" id="{77363FA3-080C-7D46-AEA8-CC10D34C1207}"/>
+                <a16:creationId xmlns="" xmlns:a16="http://schemas.microsoft.com/office/drawing/2014/main" id="{77363FA3-080C-7D46-AEA8-CC10D34C1207}"/>
               </a:ext>
             </a:extLst>
           </p:cNvPr>
@@ -17403,7 +17716,7 @@
           <p:cNvPr id="9" name="Picture 8">
             <a:extLst>
               <a:ext uri="{FF2B5EF4-FFF2-40B4-BE49-F238E27FC236}">
-                <a16:creationId xmlns:a16="http://schemas.microsoft.com/office/drawing/2014/main" id="{FF582211-B22A-104F-8420-2A250CBCAA9E}"/>
+                <a16:creationId xmlns="" xmlns:a16="http://schemas.microsoft.com/office/drawing/2014/main" id="{FF582211-B22A-104F-8420-2A250CBCAA9E}"/>
               </a:ext>
             </a:extLst>
           </p:cNvPr>
@@ -17433,7 +17746,7 @@
           <p:cNvPr id="10" name="Picture 9">
             <a:extLst>
               <a:ext uri="{FF2B5EF4-FFF2-40B4-BE49-F238E27FC236}">
-                <a16:creationId xmlns:a16="http://schemas.microsoft.com/office/drawing/2014/main" id="{64C88E78-58A0-AA4F-8247-DD709B7A6D22}"/>
+                <a16:creationId xmlns="" xmlns:a16="http://schemas.microsoft.com/office/drawing/2014/main" id="{64C88E78-58A0-AA4F-8247-DD709B7A6D22}"/>
               </a:ext>
             </a:extLst>
           </p:cNvPr>
@@ -17463,7 +17776,7 @@
           <p:cNvPr id="11" name="Picture 10">
             <a:extLst>
               <a:ext uri="{FF2B5EF4-FFF2-40B4-BE49-F238E27FC236}">
-                <a16:creationId xmlns:a16="http://schemas.microsoft.com/office/drawing/2014/main" id="{58BB88A8-9BD7-0741-B3D1-AF9BD689186F}"/>
+                <a16:creationId xmlns="" xmlns:a16="http://schemas.microsoft.com/office/drawing/2014/main" id="{58BB88A8-9BD7-0741-B3D1-AF9BD689186F}"/>
               </a:ext>
             </a:extLst>
           </p:cNvPr>
@@ -17493,7 +17806,7 @@
           <p:cNvPr id="12" name="Picture 11">
             <a:extLst>
               <a:ext uri="{FF2B5EF4-FFF2-40B4-BE49-F238E27FC236}">
-                <a16:creationId xmlns:a16="http://schemas.microsoft.com/office/drawing/2014/main" id="{E7ACC8CD-4378-9048-8D98-21A2B9229B32}"/>
+                <a16:creationId xmlns="" xmlns:a16="http://schemas.microsoft.com/office/drawing/2014/main" id="{E7ACC8CD-4378-9048-8D98-21A2B9229B32}"/>
               </a:ext>
             </a:extLst>
           </p:cNvPr>
@@ -17523,7 +17836,7 @@
           <p:cNvPr id="13" name="Picture 12">
             <a:extLst>
               <a:ext uri="{FF2B5EF4-FFF2-40B4-BE49-F238E27FC236}">
-                <a16:creationId xmlns:a16="http://schemas.microsoft.com/office/drawing/2014/main" id="{8241D1AC-3E3B-4B48-BA98-D299381640D0}"/>
+                <a16:creationId xmlns="" xmlns:a16="http://schemas.microsoft.com/office/drawing/2014/main" id="{8241D1AC-3E3B-4B48-BA98-D299381640D0}"/>
               </a:ext>
             </a:extLst>
           </p:cNvPr>
@@ -17553,7 +17866,7 @@
           <p:cNvPr id="14" name="Picture 13">
             <a:extLst>
               <a:ext uri="{FF2B5EF4-FFF2-40B4-BE49-F238E27FC236}">
-                <a16:creationId xmlns:a16="http://schemas.microsoft.com/office/drawing/2014/main" id="{E0EA4702-2322-264D-A590-075F66A6A62D}"/>
+                <a16:creationId xmlns="" xmlns:a16="http://schemas.microsoft.com/office/drawing/2014/main" id="{E0EA4702-2322-264D-A590-075F66A6A62D}"/>
               </a:ext>
             </a:extLst>
           </p:cNvPr>
@@ -17583,7 +17896,7 @@
           <p:cNvPr id="15" name="TextBox 14">
             <a:extLst>
               <a:ext uri="{FF2B5EF4-FFF2-40B4-BE49-F238E27FC236}">
-                <a16:creationId xmlns:a16="http://schemas.microsoft.com/office/drawing/2014/main" id="{37F33105-3CB6-5448-993D-18286D514369}"/>
+                <a16:creationId xmlns="" xmlns:a16="http://schemas.microsoft.com/office/drawing/2014/main" id="{37F33105-3CB6-5448-993D-18286D514369}"/>
               </a:ext>
             </a:extLst>
           </p:cNvPr>
@@ -17622,7 +17935,7 @@
           <p:cNvPr id="16" name="TextBox 15">
             <a:extLst>
               <a:ext uri="{FF2B5EF4-FFF2-40B4-BE49-F238E27FC236}">
-                <a16:creationId xmlns:a16="http://schemas.microsoft.com/office/drawing/2014/main" id="{2D9E2BE1-00EA-4649-A03B-4CA2B529D5AD}"/>
+                <a16:creationId xmlns="" xmlns:a16="http://schemas.microsoft.com/office/drawing/2014/main" id="{2D9E2BE1-00EA-4649-A03B-4CA2B529D5AD}"/>
               </a:ext>
             </a:extLst>
           </p:cNvPr>
@@ -17661,7 +17974,7 @@
           <p:cNvPr id="17" name="TextBox 16">
             <a:extLst>
               <a:ext uri="{FF2B5EF4-FFF2-40B4-BE49-F238E27FC236}">
-                <a16:creationId xmlns:a16="http://schemas.microsoft.com/office/drawing/2014/main" id="{A97E85AB-C406-4348-9B0F-C64047D9B338}"/>
+                <a16:creationId xmlns="" xmlns:a16="http://schemas.microsoft.com/office/drawing/2014/main" id="{A97E85AB-C406-4348-9B0F-C64047D9B338}"/>
               </a:ext>
             </a:extLst>
           </p:cNvPr>
@@ -17700,7 +18013,7 @@
           <p:cNvPr id="2" name="Rectangle 1">
             <a:extLst>
               <a:ext uri="{FF2B5EF4-FFF2-40B4-BE49-F238E27FC236}">
-                <a16:creationId xmlns:a16="http://schemas.microsoft.com/office/drawing/2014/main" id="{E3222E19-2670-4835-9385-7B4B7C92EB90}"/>
+                <a16:creationId xmlns="" xmlns:a16="http://schemas.microsoft.com/office/drawing/2014/main" id="{E3222E19-2670-4835-9385-7B4B7C92EB90}"/>
               </a:ext>
             </a:extLst>
           </p:cNvPr>
@@ -17739,6 +18052,13 @@
   <p:clrMapOvr>
     <a:masterClrMapping/>
   </p:clrMapOvr>
+  <p:timing>
+    <p:tnLst>
+      <p:par>
+        <p:cTn id="1" dur="indefinite" restart="never" nodeType="tmRoot"/>
+      </p:par>
+    </p:tnLst>
+  </p:timing>
 </p:sld>
 </file>
 
@@ -17764,7 +18084,7 @@
           <p:cNvPr id="5" name="Title 1">
             <a:extLst>
               <a:ext uri="{FF2B5EF4-FFF2-40B4-BE49-F238E27FC236}">
-                <a16:creationId xmlns:a16="http://schemas.microsoft.com/office/drawing/2014/main" id="{B99B477F-0B4C-4A7D-8070-4D8823C41C4A}"/>
+                <a16:creationId xmlns="" xmlns:a16="http://schemas.microsoft.com/office/drawing/2014/main" id="{B99B477F-0B4C-4A7D-8070-4D8823C41C4A}"/>
               </a:ext>
             </a:extLst>
           </p:cNvPr>
@@ -17824,7 +18144,7 @@
           <p:cNvPr id="10" name="Content Placeholder 9">
             <a:extLst>
               <a:ext uri="{FF2B5EF4-FFF2-40B4-BE49-F238E27FC236}">
-                <a16:creationId xmlns:a16="http://schemas.microsoft.com/office/drawing/2014/main" id="{5D6A86AE-D427-4173-88E8-FCA663A174C3}"/>
+                <a16:creationId xmlns="" xmlns:a16="http://schemas.microsoft.com/office/drawing/2014/main" id="{5D6A86AE-D427-4173-88E8-FCA663A174C3}"/>
               </a:ext>
             </a:extLst>
           </p:cNvPr>
@@ -17850,35 +18170,35 @@
                 <a:gridCol w="1359932">
                   <a:extLst>
                     <a:ext uri="{9D8B030D-6E8A-4147-A177-3AD203B41FA5}">
-                      <a16:colId xmlns:a16="http://schemas.microsoft.com/office/drawing/2014/main" val="3783705459"/>
+                      <a16:colId xmlns="" xmlns:a16="http://schemas.microsoft.com/office/drawing/2014/main" val="3783705459"/>
                     </a:ext>
                   </a:extLst>
                 </a:gridCol>
                 <a:gridCol w="808383">
                   <a:extLst>
                     <a:ext uri="{9D8B030D-6E8A-4147-A177-3AD203B41FA5}">
-                      <a16:colId xmlns:a16="http://schemas.microsoft.com/office/drawing/2014/main" val="842042690"/>
+                      <a16:colId xmlns="" xmlns:a16="http://schemas.microsoft.com/office/drawing/2014/main" val="842042690"/>
                     </a:ext>
                   </a:extLst>
                 </a:gridCol>
                 <a:gridCol w="924400">
                   <a:extLst>
                     <a:ext uri="{9D8B030D-6E8A-4147-A177-3AD203B41FA5}">
-                      <a16:colId xmlns:a16="http://schemas.microsoft.com/office/drawing/2014/main" val="517438777"/>
+                      <a16:colId xmlns="" xmlns:a16="http://schemas.microsoft.com/office/drawing/2014/main" val="517438777"/>
                     </a:ext>
                   </a:extLst>
                 </a:gridCol>
                 <a:gridCol w="1089931">
                   <a:extLst>
                     <a:ext uri="{9D8B030D-6E8A-4147-A177-3AD203B41FA5}">
-                      <a16:colId xmlns:a16="http://schemas.microsoft.com/office/drawing/2014/main" val="605560446"/>
+                      <a16:colId xmlns="" xmlns:a16="http://schemas.microsoft.com/office/drawing/2014/main" val="605560446"/>
                     </a:ext>
                   </a:extLst>
                 </a:gridCol>
                 <a:gridCol w="967409">
                   <a:extLst>
                     <a:ext uri="{9D8B030D-6E8A-4147-A177-3AD203B41FA5}">
-                      <a16:colId xmlns:a16="http://schemas.microsoft.com/office/drawing/2014/main" val="2444413373"/>
+                      <a16:colId xmlns="" xmlns:a16="http://schemas.microsoft.com/office/drawing/2014/main" val="2444413373"/>
                     </a:ext>
                   </a:extLst>
                 </a:gridCol>
@@ -17951,7 +18271,7 @@
                 </a:tc>
                 <a:extLst>
                   <a:ext uri="{0D108BD9-81ED-4DB2-BD59-A6C34878D82A}">
-                    <a16:rowId xmlns:a16="http://schemas.microsoft.com/office/drawing/2014/main" val="2449312198"/>
+                    <a16:rowId xmlns="" xmlns:a16="http://schemas.microsoft.com/office/drawing/2014/main" val="2449312198"/>
                   </a:ext>
                 </a:extLst>
               </a:tr>
@@ -18031,7 +18351,7 @@
                 </a:tc>
                 <a:extLst>
                   <a:ext uri="{0D108BD9-81ED-4DB2-BD59-A6C34878D82A}">
-                    <a16:rowId xmlns:a16="http://schemas.microsoft.com/office/drawing/2014/main" val="3917471711"/>
+                    <a16:rowId xmlns="" xmlns:a16="http://schemas.microsoft.com/office/drawing/2014/main" val="3917471711"/>
                   </a:ext>
                 </a:extLst>
               </a:tr>
@@ -18111,7 +18431,7 @@
                 </a:tc>
                 <a:extLst>
                   <a:ext uri="{0D108BD9-81ED-4DB2-BD59-A6C34878D82A}">
-                    <a16:rowId xmlns:a16="http://schemas.microsoft.com/office/drawing/2014/main" val="2138382457"/>
+                    <a16:rowId xmlns="" xmlns:a16="http://schemas.microsoft.com/office/drawing/2014/main" val="2138382457"/>
                   </a:ext>
                 </a:extLst>
               </a:tr>
@@ -18191,7 +18511,7 @@
                 </a:tc>
                 <a:extLst>
                   <a:ext uri="{0D108BD9-81ED-4DB2-BD59-A6C34878D82A}">
-                    <a16:rowId xmlns:a16="http://schemas.microsoft.com/office/drawing/2014/main" val="828003314"/>
+                    <a16:rowId xmlns="" xmlns:a16="http://schemas.microsoft.com/office/drawing/2014/main" val="828003314"/>
                   </a:ext>
                 </a:extLst>
               </a:tr>
@@ -18271,7 +18591,7 @@
                 </a:tc>
                 <a:extLst>
                   <a:ext uri="{0D108BD9-81ED-4DB2-BD59-A6C34878D82A}">
-                    <a16:rowId xmlns:a16="http://schemas.microsoft.com/office/drawing/2014/main" val="1909103786"/>
+                    <a16:rowId xmlns="" xmlns:a16="http://schemas.microsoft.com/office/drawing/2014/main" val="1909103786"/>
                   </a:ext>
                 </a:extLst>
               </a:tr>
@@ -18351,7 +18671,7 @@
                 </a:tc>
                 <a:extLst>
                   <a:ext uri="{0D108BD9-81ED-4DB2-BD59-A6C34878D82A}">
-                    <a16:rowId xmlns:a16="http://schemas.microsoft.com/office/drawing/2014/main" val="1026246193"/>
+                    <a16:rowId xmlns="" xmlns:a16="http://schemas.microsoft.com/office/drawing/2014/main" val="1026246193"/>
                   </a:ext>
                 </a:extLst>
               </a:tr>
@@ -18431,7 +18751,7 @@
                 </a:tc>
                 <a:extLst>
                   <a:ext uri="{0D108BD9-81ED-4DB2-BD59-A6C34878D82A}">
-                    <a16:rowId xmlns:a16="http://schemas.microsoft.com/office/drawing/2014/main" val="3862785627"/>
+                    <a16:rowId xmlns="" xmlns:a16="http://schemas.microsoft.com/office/drawing/2014/main" val="3862785627"/>
                   </a:ext>
                 </a:extLst>
               </a:tr>
@@ -18511,7 +18831,7 @@
                 </a:tc>
                 <a:extLst>
                   <a:ext uri="{0D108BD9-81ED-4DB2-BD59-A6C34878D82A}">
-                    <a16:rowId xmlns:a16="http://schemas.microsoft.com/office/drawing/2014/main" val="424314168"/>
+                    <a16:rowId xmlns="" xmlns:a16="http://schemas.microsoft.com/office/drawing/2014/main" val="424314168"/>
                   </a:ext>
                 </a:extLst>
               </a:tr>
@@ -18524,7 +18844,7 @@
           <p:cNvPr id="8" name="Chart 7">
             <a:extLst>
               <a:ext uri="{FF2B5EF4-FFF2-40B4-BE49-F238E27FC236}">
-                <a16:creationId xmlns:a16="http://schemas.microsoft.com/office/drawing/2014/main" id="{9E688850-28F2-489F-976F-A42EEF4C4843}"/>
+                <a16:creationId xmlns="" xmlns:a16="http://schemas.microsoft.com/office/drawing/2014/main" id="{9E688850-28F2-489F-976F-A42EEF4C4843}"/>
               </a:ext>
             </a:extLst>
           </p:cNvPr>
@@ -18548,7 +18868,7 @@
           <p:cNvPr id="9" name="Title 1">
             <a:extLst>
               <a:ext uri="{FF2B5EF4-FFF2-40B4-BE49-F238E27FC236}">
-                <a16:creationId xmlns:a16="http://schemas.microsoft.com/office/drawing/2014/main" id="{FEBE41B7-7353-46C9-9FA8-81E2B315AE1F}"/>
+                <a16:creationId xmlns="" xmlns:a16="http://schemas.microsoft.com/office/drawing/2014/main" id="{FEBE41B7-7353-46C9-9FA8-81E2B315AE1F}"/>
               </a:ext>
             </a:extLst>
           </p:cNvPr>
@@ -18607,6 +18927,13 @@
   <p:clrMapOvr>
     <a:masterClrMapping/>
   </p:clrMapOvr>
+  <p:timing>
+    <p:tnLst>
+      <p:par>
+        <p:cTn id="1" dur="indefinite" restart="never" nodeType="tmRoot"/>
+      </p:par>
+    </p:tnLst>
+  </p:timing>
 </p:sld>
 </file>
 
@@ -18632,7 +18959,7 @@
           <p:cNvPr id="2" name="Title 1">
             <a:extLst>
               <a:ext uri="{FF2B5EF4-FFF2-40B4-BE49-F238E27FC236}">
-                <a16:creationId xmlns:a16="http://schemas.microsoft.com/office/drawing/2014/main" id="{3BB733D1-7FBB-48C7-A6BD-F5EB626F366D}"/>
+                <a16:creationId xmlns="" xmlns:a16="http://schemas.microsoft.com/office/drawing/2014/main" id="{3BB733D1-7FBB-48C7-A6BD-F5EB626F366D}"/>
               </a:ext>
             </a:extLst>
           </p:cNvPr>
@@ -18674,7 +19001,7 @@
           <p:cNvPr id="3" name="Content Placeholder 2">
             <a:extLst>
               <a:ext uri="{FF2B5EF4-FFF2-40B4-BE49-F238E27FC236}">
-                <a16:creationId xmlns:a16="http://schemas.microsoft.com/office/drawing/2014/main" id="{F02F2CBD-4339-4157-BB42-3B1DDAC0E7B1}"/>
+                <a16:creationId xmlns="" xmlns:a16="http://schemas.microsoft.com/office/drawing/2014/main" id="{F02F2CBD-4339-4157-BB42-3B1DDAC0E7B1}"/>
               </a:ext>
             </a:extLst>
           </p:cNvPr>
@@ -18713,7 +19040,7 @@
           <p:cNvPr id="27" name="Content Placeholder 26">
             <a:extLst>
               <a:ext uri="{FF2B5EF4-FFF2-40B4-BE49-F238E27FC236}">
-                <a16:creationId xmlns:a16="http://schemas.microsoft.com/office/drawing/2014/main" id="{A88BA9CF-19EF-4963-88AD-58682BBABEAB}"/>
+                <a16:creationId xmlns="" xmlns:a16="http://schemas.microsoft.com/office/drawing/2014/main" id="{A88BA9CF-19EF-4963-88AD-58682BBABEAB}"/>
               </a:ext>
             </a:extLst>
           </p:cNvPr>
@@ -18745,7 +19072,7 @@
           <p:cNvPr id="5" name="Picture 2">
             <a:extLst>
               <a:ext uri="{FF2B5EF4-FFF2-40B4-BE49-F238E27FC236}">
-                <a16:creationId xmlns:a16="http://schemas.microsoft.com/office/drawing/2014/main" id="{0BAD14BD-27E8-41D6-9B1A-0403F310BCD2}"/>
+                <a16:creationId xmlns="" xmlns:a16="http://schemas.microsoft.com/office/drawing/2014/main" id="{0BAD14BD-27E8-41D6-9B1A-0403F310BCD2}"/>
               </a:ext>
             </a:extLst>
           </p:cNvPr>
@@ -18792,7 +19119,7 @@
           <p:cNvPr id="7" name="Title 1">
             <a:extLst>
               <a:ext uri="{FF2B5EF4-FFF2-40B4-BE49-F238E27FC236}">
-                <a16:creationId xmlns:a16="http://schemas.microsoft.com/office/drawing/2014/main" id="{075EAB31-FB4F-49F3-A379-A3422927C8A3}"/>
+                <a16:creationId xmlns="" xmlns:a16="http://schemas.microsoft.com/office/drawing/2014/main" id="{075EAB31-FB4F-49F3-A379-A3422927C8A3}"/>
               </a:ext>
             </a:extLst>
           </p:cNvPr>
@@ -18851,6 +19178,13 @@
   <p:clrMapOvr>
     <a:masterClrMapping/>
   </p:clrMapOvr>
+  <p:timing>
+    <p:tnLst>
+      <p:par>
+        <p:cTn id="1" dur="indefinite" restart="never" nodeType="tmRoot"/>
+      </p:par>
+    </p:tnLst>
+  </p:timing>
 </p:sld>
 </file>
 
@@ -18892,8 +19226,16 @@
           <a:lstStyle/>
           <a:p>
             <a:r>
+              <a:rPr lang="en-IN" dirty="0" err="1" smtClean="0"/>
+              <a:t>LogiSTIC</a:t>
+            </a:r>
+            <a:r>
+              <a:rPr lang="en-IN" dirty="0" smtClean="0"/>
+              <a:t> </a:t>
+            </a:r>
+            <a:r>
               <a:rPr lang="en-IN" dirty="0"/>
-              <a:t>Logical regression</a:t>
+              <a:t>regression</a:t>
             </a:r>
           </a:p>
         </p:txBody>
@@ -18940,7 +19282,7 @@
           <p:cNvPr id="5" name="Content Placeholder 4">
             <a:extLst>
               <a:ext uri="{FF2B5EF4-FFF2-40B4-BE49-F238E27FC236}">
-                <a16:creationId xmlns:a16="http://schemas.microsoft.com/office/drawing/2014/main" id="{CEA01515-E5CF-4375-887A-C99FA93FB9F3}"/>
+                <a16:creationId xmlns="" xmlns:a16="http://schemas.microsoft.com/office/drawing/2014/main" id="{CEA01515-E5CF-4375-887A-C99FA93FB9F3}"/>
               </a:ext>
             </a:extLst>
           </p:cNvPr>
@@ -18982,6 +19324,13 @@
   <p:clrMapOvr>
     <a:masterClrMapping/>
   </p:clrMapOvr>
+  <p:timing>
+    <p:tnLst>
+      <p:par>
+        <p:cTn id="1" dur="indefinite" restart="never" nodeType="tmRoot"/>
+      </p:par>
+    </p:tnLst>
+  </p:timing>
 </p:sld>
 </file>
 
@@ -19007,7 +19356,7 @@
           <p:cNvPr id="2" name="Title 1">
             <a:extLst>
               <a:ext uri="{FF2B5EF4-FFF2-40B4-BE49-F238E27FC236}">
-                <a16:creationId xmlns:a16="http://schemas.microsoft.com/office/drawing/2014/main" id="{DACA88CE-21C6-4B0E-A7F8-45202789E753}"/>
+                <a16:creationId xmlns="" xmlns:a16="http://schemas.microsoft.com/office/drawing/2014/main" id="{DACA88CE-21C6-4B0E-A7F8-45202789E753}"/>
               </a:ext>
             </a:extLst>
           </p:cNvPr>
@@ -19037,6 +19386,10 @@
             <a:br>
               <a:rPr lang="en-US" sz="1100" dirty="0"/>
             </a:br>
+            <a:r>
+              <a:rPr lang="en-US" dirty="0"/>
+              <a:t/>
+            </a:r>
             <a:br>
               <a:rPr lang="en-US" dirty="0"/>
             </a:br>
@@ -19052,7 +19405,7 @@
           <p:cNvPr id="11" name="Content Placeholder 10">
             <a:extLst>
               <a:ext uri="{FF2B5EF4-FFF2-40B4-BE49-F238E27FC236}">
-                <a16:creationId xmlns:a16="http://schemas.microsoft.com/office/drawing/2014/main" id="{C9D5AF68-48D5-4964-B0F7-EDAD0AF4E91B}"/>
+                <a16:creationId xmlns="" xmlns:a16="http://schemas.microsoft.com/office/drawing/2014/main" id="{C9D5AF68-48D5-4964-B0F7-EDAD0AF4E91B}"/>
               </a:ext>
             </a:extLst>
           </p:cNvPr>
@@ -19093,7 +19446,7 @@
           <p:cNvPr id="95" name="TextBox 94">
             <a:extLst>
               <a:ext uri="{FF2B5EF4-FFF2-40B4-BE49-F238E27FC236}">
-                <a16:creationId xmlns:a16="http://schemas.microsoft.com/office/drawing/2014/main" id="{36250FDF-D265-4116-B257-821CB85249D1}"/>
+                <a16:creationId xmlns="" xmlns:a16="http://schemas.microsoft.com/office/drawing/2014/main" id="{36250FDF-D265-4116-B257-821CB85249D1}"/>
               </a:ext>
             </a:extLst>
           </p:cNvPr>
@@ -19128,7 +19481,7 @@
           <p:cNvPr id="1026" name="Picture 2">
             <a:extLst>
               <a:ext uri="{FF2B5EF4-FFF2-40B4-BE49-F238E27FC236}">
-                <a16:creationId xmlns:a16="http://schemas.microsoft.com/office/drawing/2014/main" id="{84928578-FD19-42E7-9C50-8CCB85A604C6}"/>
+                <a16:creationId xmlns="" xmlns:a16="http://schemas.microsoft.com/office/drawing/2014/main" id="{84928578-FD19-42E7-9C50-8CCB85A604C6}"/>
               </a:ext>
             </a:extLst>
           </p:cNvPr>
@@ -19175,7 +19528,7 @@
           <p:cNvPr id="98" name="TextBox 97">
             <a:extLst>
               <a:ext uri="{FF2B5EF4-FFF2-40B4-BE49-F238E27FC236}">
-                <a16:creationId xmlns:a16="http://schemas.microsoft.com/office/drawing/2014/main" id="{52C55EC9-4C6E-4C8C-B14B-8A8595706254}"/>
+                <a16:creationId xmlns="" xmlns:a16="http://schemas.microsoft.com/office/drawing/2014/main" id="{52C55EC9-4C6E-4C8C-B14B-8A8595706254}"/>
               </a:ext>
             </a:extLst>
           </p:cNvPr>
@@ -19210,7 +19563,7 @@
           <p:cNvPr id="1032" name="Picture 8">
             <a:extLst>
               <a:ext uri="{FF2B5EF4-FFF2-40B4-BE49-F238E27FC236}">
-                <a16:creationId xmlns:a16="http://schemas.microsoft.com/office/drawing/2014/main" id="{93A0FFA9-C998-417C-9222-B1BFE76E1C43}"/>
+                <a16:creationId xmlns="" xmlns:a16="http://schemas.microsoft.com/office/drawing/2014/main" id="{93A0FFA9-C998-417C-9222-B1BFE76E1C43}"/>
               </a:ext>
             </a:extLst>
           </p:cNvPr>
@@ -19257,7 +19610,7 @@
           <p:cNvPr id="1034" name="Picture 10">
             <a:extLst>
               <a:ext uri="{FF2B5EF4-FFF2-40B4-BE49-F238E27FC236}">
-                <a16:creationId xmlns:a16="http://schemas.microsoft.com/office/drawing/2014/main" id="{B015BE2C-8D5D-4D65-91E1-2F618FF8008A}"/>
+                <a16:creationId xmlns="" xmlns:a16="http://schemas.microsoft.com/office/drawing/2014/main" id="{B015BE2C-8D5D-4D65-91E1-2F618FF8008A}"/>
               </a:ext>
             </a:extLst>
           </p:cNvPr>
@@ -19304,7 +19657,7 @@
           <p:cNvPr id="102" name="TextBox 101">
             <a:extLst>
               <a:ext uri="{FF2B5EF4-FFF2-40B4-BE49-F238E27FC236}">
-                <a16:creationId xmlns:a16="http://schemas.microsoft.com/office/drawing/2014/main" id="{9AEF156E-97E4-4AA2-BFCE-4CAA07D0DB51}"/>
+                <a16:creationId xmlns="" xmlns:a16="http://schemas.microsoft.com/office/drawing/2014/main" id="{9AEF156E-97E4-4AA2-BFCE-4CAA07D0DB51}"/>
               </a:ext>
             </a:extLst>
           </p:cNvPr>
@@ -19339,7 +19692,7 @@
           <p:cNvPr id="1036" name="Picture 12">
             <a:extLst>
               <a:ext uri="{FF2B5EF4-FFF2-40B4-BE49-F238E27FC236}">
-                <a16:creationId xmlns:a16="http://schemas.microsoft.com/office/drawing/2014/main" id="{782BFC45-43D6-46F2-96F4-600B5F61AA22}"/>
+                <a16:creationId xmlns="" xmlns:a16="http://schemas.microsoft.com/office/drawing/2014/main" id="{782BFC45-43D6-46F2-96F4-600B5F61AA22}"/>
               </a:ext>
             </a:extLst>
           </p:cNvPr>
@@ -19386,7 +19739,7 @@
           <p:cNvPr id="104" name="TextBox 103">
             <a:extLst>
               <a:ext uri="{FF2B5EF4-FFF2-40B4-BE49-F238E27FC236}">
-                <a16:creationId xmlns:a16="http://schemas.microsoft.com/office/drawing/2014/main" id="{5DB10A30-A1B8-4EFE-B7C1-3FB48DB2977E}"/>
+                <a16:creationId xmlns="" xmlns:a16="http://schemas.microsoft.com/office/drawing/2014/main" id="{5DB10A30-A1B8-4EFE-B7C1-3FB48DB2977E}"/>
               </a:ext>
             </a:extLst>
           </p:cNvPr>
@@ -19421,7 +19774,7 @@
           <p:cNvPr id="1038" name="Picture 14">
             <a:extLst>
               <a:ext uri="{FF2B5EF4-FFF2-40B4-BE49-F238E27FC236}">
-                <a16:creationId xmlns:a16="http://schemas.microsoft.com/office/drawing/2014/main" id="{A10E9C77-1432-44F2-86E0-4E7F4B45E32F}"/>
+                <a16:creationId xmlns="" xmlns:a16="http://schemas.microsoft.com/office/drawing/2014/main" id="{A10E9C77-1432-44F2-86E0-4E7F4B45E32F}"/>
               </a:ext>
             </a:extLst>
           </p:cNvPr>
@@ -19468,7 +19821,7 @@
           <p:cNvPr id="106" name="TextBox 105">
             <a:extLst>
               <a:ext uri="{FF2B5EF4-FFF2-40B4-BE49-F238E27FC236}">
-                <a16:creationId xmlns:a16="http://schemas.microsoft.com/office/drawing/2014/main" id="{9FBDCC94-59CF-421F-B3FA-56E0818EB7ED}"/>
+                <a16:creationId xmlns="" xmlns:a16="http://schemas.microsoft.com/office/drawing/2014/main" id="{9FBDCC94-59CF-421F-B3FA-56E0818EB7ED}"/>
               </a:ext>
             </a:extLst>
           </p:cNvPr>
@@ -19503,7 +19856,7 @@
           <p:cNvPr id="1040" name="Picture 16">
             <a:extLst>
               <a:ext uri="{FF2B5EF4-FFF2-40B4-BE49-F238E27FC236}">
-                <a16:creationId xmlns:a16="http://schemas.microsoft.com/office/drawing/2014/main" id="{DA046BF2-8A42-4DFC-9BF7-2251A2C4231C}"/>
+                <a16:creationId xmlns="" xmlns:a16="http://schemas.microsoft.com/office/drawing/2014/main" id="{DA046BF2-8A42-4DFC-9BF7-2251A2C4231C}"/>
               </a:ext>
             </a:extLst>
           </p:cNvPr>
@@ -19550,7 +19903,7 @@
           <p:cNvPr id="108" name="TextBox 107">
             <a:extLst>
               <a:ext uri="{FF2B5EF4-FFF2-40B4-BE49-F238E27FC236}">
-                <a16:creationId xmlns:a16="http://schemas.microsoft.com/office/drawing/2014/main" id="{CEB30713-83E9-4CCD-A210-85ABFD7AB932}"/>
+                <a16:creationId xmlns="" xmlns:a16="http://schemas.microsoft.com/office/drawing/2014/main" id="{CEB30713-83E9-4CCD-A210-85ABFD7AB932}"/>
               </a:ext>
             </a:extLst>
           </p:cNvPr>
@@ -19585,7 +19938,7 @@
           <p:cNvPr id="1042" name="Picture 18">
             <a:extLst>
               <a:ext uri="{FF2B5EF4-FFF2-40B4-BE49-F238E27FC236}">
-                <a16:creationId xmlns:a16="http://schemas.microsoft.com/office/drawing/2014/main" id="{ADF0DF46-7F16-470B-B518-2F1FADB4A966}"/>
+                <a16:creationId xmlns="" xmlns:a16="http://schemas.microsoft.com/office/drawing/2014/main" id="{ADF0DF46-7F16-470B-B518-2F1FADB4A966}"/>
               </a:ext>
             </a:extLst>
           </p:cNvPr>
@@ -19632,7 +19985,7 @@
           <p:cNvPr id="149" name="TextBox 148">
             <a:extLst>
               <a:ext uri="{FF2B5EF4-FFF2-40B4-BE49-F238E27FC236}">
-                <a16:creationId xmlns:a16="http://schemas.microsoft.com/office/drawing/2014/main" id="{68522CFD-107C-4247-9728-4A68E195B408}"/>
+                <a16:creationId xmlns="" xmlns:a16="http://schemas.microsoft.com/office/drawing/2014/main" id="{68522CFD-107C-4247-9728-4A68E195B408}"/>
               </a:ext>
             </a:extLst>
           </p:cNvPr>
@@ -19667,7 +20020,7 @@
           <p:cNvPr id="1048" name="Picture 24">
             <a:extLst>
               <a:ext uri="{FF2B5EF4-FFF2-40B4-BE49-F238E27FC236}">
-                <a16:creationId xmlns:a16="http://schemas.microsoft.com/office/drawing/2014/main" id="{847D86FF-DE63-4D48-A212-1EA7D13D003F}"/>
+                <a16:creationId xmlns="" xmlns:a16="http://schemas.microsoft.com/office/drawing/2014/main" id="{847D86FF-DE63-4D48-A212-1EA7D13D003F}"/>
               </a:ext>
             </a:extLst>
           </p:cNvPr>
@@ -19714,7 +20067,7 @@
           <p:cNvPr id="1052" name="Picture 28">
             <a:extLst>
               <a:ext uri="{FF2B5EF4-FFF2-40B4-BE49-F238E27FC236}">
-                <a16:creationId xmlns:a16="http://schemas.microsoft.com/office/drawing/2014/main" id="{CBC2979F-211D-417C-A3D0-1D5B996F727F}"/>
+                <a16:creationId xmlns="" xmlns:a16="http://schemas.microsoft.com/office/drawing/2014/main" id="{CBC2979F-211D-417C-A3D0-1D5B996F727F}"/>
               </a:ext>
             </a:extLst>
           </p:cNvPr>
@@ -19761,7 +20114,7 @@
           <p:cNvPr id="20" name="Content Placeholder 10">
             <a:extLst>
               <a:ext uri="{FF2B5EF4-FFF2-40B4-BE49-F238E27FC236}">
-                <a16:creationId xmlns:a16="http://schemas.microsoft.com/office/drawing/2014/main" id="{4CA7FA2E-56EA-4B26-9F0F-657A4E28F0D9}"/>
+                <a16:creationId xmlns="" xmlns:a16="http://schemas.microsoft.com/office/drawing/2014/main" id="{4CA7FA2E-56EA-4B26-9F0F-657A4E28F0D9}"/>
               </a:ext>
             </a:extLst>
           </p:cNvPr>
@@ -20000,6 +20353,13 @@
   <p:clrMapOvr>
     <a:masterClrMapping/>
   </p:clrMapOvr>
+  <p:timing>
+    <p:tnLst>
+      <p:par>
+        <p:cTn id="1" dur="indefinite" restart="never" nodeType="tmRoot"/>
+      </p:par>
+    </p:tnLst>
+  </p:timing>
 </p:sld>
 </file>
 
@@ -20030,7 +20390,7 @@
           <p:cNvPr id="2" name="Title 1">
             <a:extLst>
               <a:ext uri="{FF2B5EF4-FFF2-40B4-BE49-F238E27FC236}">
-                <a16:creationId xmlns:a16="http://schemas.microsoft.com/office/drawing/2014/main" id="{DACA88CE-21C6-4B0E-A7F8-45202789E753}"/>
+                <a16:creationId xmlns="" xmlns:a16="http://schemas.microsoft.com/office/drawing/2014/main" id="{DACA88CE-21C6-4B0E-A7F8-45202789E753}"/>
               </a:ext>
             </a:extLst>
           </p:cNvPr>
@@ -20065,7 +20425,7 @@
           <p:cNvPr id="11" name="Content Placeholder 10">
             <a:extLst>
               <a:ext uri="{FF2B5EF4-FFF2-40B4-BE49-F238E27FC236}">
-                <a16:creationId xmlns:a16="http://schemas.microsoft.com/office/drawing/2014/main" id="{C9D5AF68-48D5-4964-B0F7-EDAD0AF4E91B}"/>
+                <a16:creationId xmlns="" xmlns:a16="http://schemas.microsoft.com/office/drawing/2014/main" id="{C9D5AF68-48D5-4964-B0F7-EDAD0AF4E91B}"/>
               </a:ext>
             </a:extLst>
           </p:cNvPr>
@@ -20126,7 +20486,7 @@
           <p:cNvPr id="9" name="Content Placeholder 5">
             <a:extLst>
               <a:ext uri="{FF2B5EF4-FFF2-40B4-BE49-F238E27FC236}">
-                <a16:creationId xmlns:a16="http://schemas.microsoft.com/office/drawing/2014/main" id="{F6ABF9AC-1FAF-4D9A-A63D-4850602B059C}"/>
+                <a16:creationId xmlns="" xmlns:a16="http://schemas.microsoft.com/office/drawing/2014/main" id="{F6ABF9AC-1FAF-4D9A-A63D-4850602B059C}"/>
               </a:ext>
             </a:extLst>
           </p:cNvPr>
@@ -20156,7 +20516,7 @@
           <p:cNvPr id="89" name="Title 1">
             <a:extLst>
               <a:ext uri="{FF2B5EF4-FFF2-40B4-BE49-F238E27FC236}">
-                <a16:creationId xmlns:a16="http://schemas.microsoft.com/office/drawing/2014/main" id="{4F0242D0-8432-47F4-9A71-222DBA46FE63}"/>
+                <a16:creationId xmlns="" xmlns:a16="http://schemas.microsoft.com/office/drawing/2014/main" id="{4F0242D0-8432-47F4-9A71-222DBA46FE63}"/>
               </a:ext>
             </a:extLst>
           </p:cNvPr>
@@ -20215,7 +20575,7 @@
           <p:cNvPr id="3" name="Rectangle 2">
             <a:extLst>
               <a:ext uri="{FF2B5EF4-FFF2-40B4-BE49-F238E27FC236}">
-                <a16:creationId xmlns:a16="http://schemas.microsoft.com/office/drawing/2014/main" id="{E41DDA01-81FC-4E63-875C-A7BE23B0077D}"/>
+                <a16:creationId xmlns="" xmlns:a16="http://schemas.microsoft.com/office/drawing/2014/main" id="{E41DDA01-81FC-4E63-875C-A7BE23B0077D}"/>
               </a:ext>
             </a:extLst>
           </p:cNvPr>
@@ -20259,6 +20619,13 @@
   <p:clrMapOvr>
     <a:overrideClrMapping bg1="lt1" tx1="dk1" bg2="lt2" tx2="dk2" accent1="accent1" accent2="accent2" accent3="accent3" accent4="accent4" accent5="accent5" accent6="accent6" hlink="hlink" folHlink="folHlink"/>
   </p:clrMapOvr>
+  <p:timing>
+    <p:tnLst>
+      <p:par>
+        <p:cTn id="1" dur="indefinite" restart="never" nodeType="tmRoot"/>
+      </p:par>
+    </p:tnLst>
+  </p:timing>
 </p:sld>
 </file>
 
@@ -20284,7 +20651,7 @@
           <p:cNvPr id="2" name="Title 1">
             <a:extLst>
               <a:ext uri="{FF2B5EF4-FFF2-40B4-BE49-F238E27FC236}">
-                <a16:creationId xmlns:a16="http://schemas.microsoft.com/office/drawing/2014/main" id="{C55C24C6-B163-4227-BDFA-DB2684557434}"/>
+                <a16:creationId xmlns="" xmlns:a16="http://schemas.microsoft.com/office/drawing/2014/main" id="{C55C24C6-B163-4227-BDFA-DB2684557434}"/>
               </a:ext>
             </a:extLst>
           </p:cNvPr>
@@ -20317,7 +20684,7 @@
           <p:cNvPr id="7" name="TextBox 6">
             <a:extLst>
               <a:ext uri="{FF2B5EF4-FFF2-40B4-BE49-F238E27FC236}">
-                <a16:creationId xmlns:a16="http://schemas.microsoft.com/office/drawing/2014/main" id="{8D0767D8-301B-0741-A1B6-F8297F8239C8}"/>
+                <a16:creationId xmlns="" xmlns:a16="http://schemas.microsoft.com/office/drawing/2014/main" id="{8D0767D8-301B-0741-A1B6-F8297F8239C8}"/>
               </a:ext>
             </a:extLst>
           </p:cNvPr>
@@ -20367,7 +20734,7 @@
           <p:cNvPr id="4" name="Picture 3">
             <a:extLst>
               <a:ext uri="{FF2B5EF4-FFF2-40B4-BE49-F238E27FC236}">
-                <a16:creationId xmlns:a16="http://schemas.microsoft.com/office/drawing/2014/main" id="{52C56562-CF38-2D43-BDA9-EEE249A4623B}"/>
+                <a16:creationId xmlns="" xmlns:a16="http://schemas.microsoft.com/office/drawing/2014/main" id="{52C56562-CF38-2D43-BDA9-EEE249A4623B}"/>
               </a:ext>
             </a:extLst>
           </p:cNvPr>
@@ -20397,7 +20764,7 @@
           <p:cNvPr id="6" name="TextBox 5">
             <a:extLst>
               <a:ext uri="{FF2B5EF4-FFF2-40B4-BE49-F238E27FC236}">
-                <a16:creationId xmlns:a16="http://schemas.microsoft.com/office/drawing/2014/main" id="{0C603B1F-1F97-3F47-A1FB-49F34A0EE4CD}"/>
+                <a16:creationId xmlns="" xmlns:a16="http://schemas.microsoft.com/office/drawing/2014/main" id="{0C603B1F-1F97-3F47-A1FB-49F34A0EE4CD}"/>
               </a:ext>
             </a:extLst>
           </p:cNvPr>
@@ -20432,7 +20799,7 @@
           <p:cNvPr id="8" name="Picture 7">
             <a:extLst>
               <a:ext uri="{FF2B5EF4-FFF2-40B4-BE49-F238E27FC236}">
-                <a16:creationId xmlns:a16="http://schemas.microsoft.com/office/drawing/2014/main" id="{4F12DBDF-1060-474A-8A8F-FCC1497E6E0D}"/>
+                <a16:creationId xmlns="" xmlns:a16="http://schemas.microsoft.com/office/drawing/2014/main" id="{4F12DBDF-1060-474A-8A8F-FCC1497E6E0D}"/>
               </a:ext>
             </a:extLst>
           </p:cNvPr>
@@ -20462,7 +20829,7 @@
           <p:cNvPr id="9" name="TextBox 8">
             <a:extLst>
               <a:ext uri="{FF2B5EF4-FFF2-40B4-BE49-F238E27FC236}">
-                <a16:creationId xmlns:a16="http://schemas.microsoft.com/office/drawing/2014/main" id="{0C67FCF7-2BF8-C14B-B7D9-A01E4568A068}"/>
+                <a16:creationId xmlns="" xmlns:a16="http://schemas.microsoft.com/office/drawing/2014/main" id="{0C67FCF7-2BF8-C14B-B7D9-A01E4568A068}"/>
               </a:ext>
             </a:extLst>
           </p:cNvPr>
@@ -20503,7 +20870,7 @@
           <p:cNvPr id="11" name="Picture 10">
             <a:extLst>
               <a:ext uri="{FF2B5EF4-FFF2-40B4-BE49-F238E27FC236}">
-                <a16:creationId xmlns:a16="http://schemas.microsoft.com/office/drawing/2014/main" id="{3CEEFBBA-2F68-E84C-A33A-83887726A5C4}"/>
+                <a16:creationId xmlns="" xmlns:a16="http://schemas.microsoft.com/office/drawing/2014/main" id="{3CEEFBBA-2F68-E84C-A33A-83887726A5C4}"/>
               </a:ext>
             </a:extLst>
           </p:cNvPr>
@@ -20533,7 +20900,7 @@
           <p:cNvPr id="12" name="TextBox 11">
             <a:extLst>
               <a:ext uri="{FF2B5EF4-FFF2-40B4-BE49-F238E27FC236}">
-                <a16:creationId xmlns:a16="http://schemas.microsoft.com/office/drawing/2014/main" id="{0DFC4A9A-4943-CB4C-ADFB-D51C461B19C8}"/>
+                <a16:creationId xmlns="" xmlns:a16="http://schemas.microsoft.com/office/drawing/2014/main" id="{0DFC4A9A-4943-CB4C-ADFB-D51C461B19C8}"/>
               </a:ext>
             </a:extLst>
           </p:cNvPr>
@@ -20579,6 +20946,13 @@
   <p:clrMapOvr>
     <a:masterClrMapping/>
   </p:clrMapOvr>
+  <p:timing>
+    <p:tnLst>
+      <p:par>
+        <p:cTn id="1" dur="indefinite" restart="never" nodeType="tmRoot"/>
+      </p:par>
+    </p:tnLst>
+  </p:timing>
 </p:sld>
 </file>
 
@@ -20827,7 +21201,7 @@
   <a:extraClrSchemeLst/>
   <a:extLst>
     <a:ext uri="{05A4C25C-085E-4340-85A3-A5531E510DB2}">
-      <thm15:themeFamily xmlns:thm15="http://schemas.microsoft.com/office/thememl/2012/main" name="Circuit" id="{0AC2F7E7-15F5-431C-B2A2-456FE929F56C}" vid="{0911B802-464C-4241-8DD9-B60FF88E379F}"/>
+      <thm15:themeFamily xmlns="" xmlns:thm15="http://schemas.microsoft.com/office/thememl/2012/main" name="Circuit" id="{0AC2F7E7-15F5-431C-B2A2-456FE929F56C}" vid="{0911B802-464C-4241-8DD9-B60FF88E379F}"/>
     </a:ext>
   </a:extLst>
 </a:theme>
@@ -21088,7 +21462,7 @@
   <a:extraClrSchemeLst/>
   <a:extLst>
     <a:ext uri="{05A4C25C-085E-4340-85A3-A5531E510DB2}">
-      <thm15:themeFamily xmlns:thm15="http://schemas.microsoft.com/office/thememl/2012/main" name="Office Theme" id="{62F939B6-93AF-4DB8-9C6B-D6C7DFDC589F}" vid="{4A3C46E8-61CC-4603-A589-7422A47A8E4A}"/>
+      <thm15:themeFamily xmlns="" xmlns:thm15="http://schemas.microsoft.com/office/thememl/2012/main" name="Office Theme" id="{62F939B6-93AF-4DB8-9C6B-D6C7DFDC589F}" vid="{4A3C46E8-61CC-4603-A589-7422A47A8E4A}"/>
     </a:ext>
   </a:extLst>
 </a:theme>

--- a/Final Project 04082019.pptx
+++ b/Final Project 04082019.pptx
@@ -123,7 +123,7 @@
   </p:defaultTextStyle>
   <p:extLst>
     <p:ext uri="{EFAFB233-063F-42B5-8137-9DF3F51BA10A}">
-      <p15:sldGuideLst xmlns="" xmlns:p15="http://schemas.microsoft.com/office/powerpoint/2012/main">
+      <p15:sldGuideLst xmlns:p15="http://schemas.microsoft.com/office/powerpoint/2012/main">
         <p15:guide id="1" orient="horz" pos="2160">
           <p15:clr>
             <a:srgbClr val="A4A3A4"/>
@@ -141,7 +141,7 @@
 </file>
 
 <file path=ppt/charts/chart1.xml><?xml version="1.0" encoding="utf-8"?>
-<c:chartSpace xmlns:c="http://schemas.openxmlformats.org/drawingml/2006/chart" xmlns:a="http://schemas.openxmlformats.org/drawingml/2006/main" xmlns:r="http://schemas.openxmlformats.org/officeDocument/2006/relationships">
+<c:chartSpace xmlns:c="http://schemas.openxmlformats.org/drawingml/2006/chart" xmlns:a="http://schemas.openxmlformats.org/drawingml/2006/main" xmlns:r="http://schemas.openxmlformats.org/officeDocument/2006/relationships" xmlns:c16r2="http://schemas.microsoft.com/office/drawing/2015/06/chart">
   <c:date1904 val="0"/>
   <c:lang val="en-US"/>
   <c:roundedCorners val="0"/>
@@ -161,7 +161,7 @@
           <a:lstStyle/>
           <a:p>
             <a:pPr>
-              <a:defRPr sz="2400" b="0" i="0" u="none" strike="noStrike" kern="1200" spc="0" baseline="0">
+              <a:defRPr sz="2000" b="0" i="0" u="none" strike="noStrike" kern="1200" spc="0" baseline="0">
                 <a:solidFill>
                   <a:schemeClr val="tx1">
                     <a:lumMod val="65000"/>
@@ -174,13 +174,12 @@
               </a:defRPr>
             </a:pPr>
             <a:r>
-              <a:rPr lang="en-US" sz="2400"/>
+              <a:rPr lang="en-US" sz="2000"/>
               <a:t>Expectation Maximization: PPV</a:t>
             </a:r>
           </a:p>
         </c:rich>
       </c:tx>
-      <c:layout/>
       <c:overlay val="0"/>
       <c:spPr>
         <a:noFill/>
@@ -189,6 +188,26 @@
         </a:ln>
         <a:effectLst/>
       </c:spPr>
+      <c:txPr>
+        <a:bodyPr rot="0" spcFirstLastPara="1" vertOverflow="ellipsis" vert="horz" wrap="square" anchor="ctr" anchorCtr="1"/>
+        <a:lstStyle/>
+        <a:p>
+          <a:pPr>
+            <a:defRPr sz="2000" b="0" i="0" u="none" strike="noStrike" kern="1200" spc="0" baseline="0">
+              <a:solidFill>
+                <a:schemeClr val="tx1">
+                  <a:lumMod val="65000"/>
+                  <a:lumOff val="35000"/>
+                </a:schemeClr>
+              </a:solidFill>
+              <a:latin typeface="+mn-lt"/>
+              <a:ea typeface="+mn-ea"/>
+              <a:cs typeface="+mn-cs"/>
+            </a:defRPr>
+          </a:pPr>
+          <a:endParaRPr lang="en-US"/>
+        </a:p>
+      </c:txPr>
     </c:title>
     <c:autoTitleDeleted val="0"/>
     <c:plotArea>
@@ -198,7 +217,7 @@
         <c:varyColors val="0"/>
         <c:ser>
           <c:idx val="1"/>
-          <c:order val="0"/>
+          <c:order val="1"/>
           <c:tx>
             <c:strRef>
               <c:f>Sheet3!$C$1</c:f>
@@ -295,22 +314,22 @@
             </c:numRef>
           </c:yVal>
           <c:smooth val="1"/>
-          <c:extLst xmlns:c16r2="http://schemas.microsoft.com/office/drawing/2015/06/chart">
+          <c:extLst>
             <c:ext xmlns:c16="http://schemas.microsoft.com/office/drawing/2014/chart" uri="{C3380CC4-5D6E-409C-BE32-E72D297353CC}">
-              <c16:uniqueId val="{00000000-8F9F-4512-98CF-7497F3DB7923}"/>
+              <c16:uniqueId val="{00000000-01DC-45A4-975D-20A33A3FD4AA}"/>
             </c:ext>
           </c:extLst>
         </c:ser>
         <c:ser>
           <c:idx val="2"/>
-          <c:order val="1"/>
+          <c:order val="2"/>
           <c:tx>
             <c:strRef>
               <c:f>Sheet3!$D$1</c:f>
               <c:strCache>
                 <c:ptCount val="1"/>
                 <c:pt idx="0">
-                  <c:v>Accuracy</c:v>
+                  <c:v>Sensitivity</c:v>
                 </c:pt>
               </c:strCache>
             </c:strRef>
@@ -400,9 +419,9 @@
             </c:numRef>
           </c:yVal>
           <c:smooth val="1"/>
-          <c:extLst xmlns:c16r2="http://schemas.microsoft.com/office/drawing/2015/06/chart">
+          <c:extLst>
             <c:ext xmlns:c16="http://schemas.microsoft.com/office/drawing/2014/chart" uri="{C3380CC4-5D6E-409C-BE32-E72D297353CC}">
-              <c16:uniqueId val="{00000001-8F9F-4512-98CF-7497F3DB7923}"/>
+              <c16:uniqueId val="{00000001-01DC-45A4-975D-20A33A3FD4AA}"/>
             </c:ext>
           </c:extLst>
         </c:ser>
@@ -414,9 +433,9 @@
           <c:showPercent val="0"/>
           <c:showBubbleSize val="0"/>
         </c:dLbls>
-        <c:axId val="40710912"/>
-        <c:axId val="40713216"/>
-        <c:extLst xmlns:c16r2="http://schemas.microsoft.com/office/drawing/2015/06/chart">
+        <c:axId val="1004845480"/>
+        <c:axId val="1004840232"/>
+        <c:extLst>
           <c:ext xmlns:c15="http://schemas.microsoft.com/office/drawing/2012/chart" uri="{02D57815-91ED-43cb-92C2-25804820EDAC}">
             <c15:filteredScatterSeries>
               <c15:ser>
@@ -538,7 +557,7 @@
                 <c:smooth val="1"/>
                 <c:extLst>
                   <c:ext xmlns:c16="http://schemas.microsoft.com/office/drawing/2014/chart" uri="{C3380CC4-5D6E-409C-BE32-E72D297353CC}">
-                    <c16:uniqueId val="{00000002-8F9F-4512-98CF-7497F3DB7923}"/>
+                    <c16:uniqueId val="{00000002-01DC-45A4-975D-20A33A3FD4AA}"/>
                   </c:ext>
                 </c:extLst>
               </c15:ser>
@@ -547,7 +566,7 @@
         </c:extLst>
       </c:scatterChart>
       <c:valAx>
-        <c:axId val="40710912"/>
+        <c:axId val="1004845480"/>
         <c:scaling>
           <c:orientation val="minMax"/>
         </c:scaling>
@@ -574,7 +593,7 @@
               <a:lstStyle/>
               <a:p>
                 <a:pPr>
-                  <a:defRPr sz="2000" b="0" i="0" u="none" strike="noStrike" kern="1200" baseline="0">
+                  <a:defRPr sz="1800" b="0" i="0" u="none" strike="noStrike" kern="1200" baseline="0">
                     <a:solidFill>
                       <a:schemeClr val="tx1">
                         <a:lumMod val="65000"/>
@@ -587,13 +606,12 @@
                   </a:defRPr>
                 </a:pPr>
                 <a:r>
-                  <a:rPr lang="en-US" sz="2000"/>
+                  <a:rPr lang="en-US" sz="1800"/>
                   <a:t>Emotions</a:t>
                 </a:r>
               </a:p>
             </c:rich>
           </c:tx>
-          <c:layout/>
           <c:overlay val="0"/>
           <c:spPr>
             <a:noFill/>
@@ -602,6 +620,26 @@
             </a:ln>
             <a:effectLst/>
           </c:spPr>
+          <c:txPr>
+            <a:bodyPr rot="0" spcFirstLastPara="1" vertOverflow="ellipsis" vert="horz" wrap="square" anchor="ctr" anchorCtr="1"/>
+            <a:lstStyle/>
+            <a:p>
+              <a:pPr>
+                <a:defRPr sz="1800" b="0" i="0" u="none" strike="noStrike" kern="1200" baseline="0">
+                  <a:solidFill>
+                    <a:schemeClr val="tx1">
+                      <a:lumMod val="65000"/>
+                      <a:lumOff val="35000"/>
+                    </a:schemeClr>
+                  </a:solidFill>
+                  <a:latin typeface="+mn-lt"/>
+                  <a:ea typeface="+mn-ea"/>
+                  <a:cs typeface="+mn-cs"/>
+                </a:defRPr>
+              </a:pPr>
+              <a:endParaRPr lang="en-US"/>
+            </a:p>
+          </c:txPr>
         </c:title>
         <c:numFmt formatCode="@" sourceLinked="0"/>
         <c:majorTickMark val="none"/>
@@ -640,12 +678,12 @@
             <a:endParaRPr lang="en-US"/>
           </a:p>
         </c:txPr>
-        <c:crossAx val="40713216"/>
+        <c:crossAx val="1004840232"/>
         <c:crosses val="autoZero"/>
         <c:crossBetween val="midCat"/>
       </c:valAx>
       <c:valAx>
-        <c:axId val="40713216"/>
+        <c:axId val="1004840232"/>
         <c:scaling>
           <c:orientation val="minMax"/>
         </c:scaling>
@@ -672,7 +710,7 @@
               <a:lstStyle/>
               <a:p>
                 <a:pPr>
-                  <a:defRPr sz="2000" b="0" i="0" u="none" strike="noStrike" kern="1200" baseline="0">
+                  <a:defRPr sz="1800" b="0" i="0" u="none" strike="noStrike" kern="1200" baseline="0">
                     <a:solidFill>
                       <a:schemeClr val="tx1">
                         <a:lumMod val="65000"/>
@@ -685,13 +723,12 @@
                   </a:defRPr>
                 </a:pPr>
                 <a:r>
-                  <a:rPr lang="en-US" sz="2000"/>
+                  <a:rPr lang="en-US" sz="1800"/>
                   <a:t>PPV Percentage</a:t>
                 </a:r>
               </a:p>
             </c:rich>
           </c:tx>
-          <c:layout/>
           <c:overlay val="0"/>
           <c:spPr>
             <a:noFill/>
@@ -700,6 +737,26 @@
             </a:ln>
             <a:effectLst/>
           </c:spPr>
+          <c:txPr>
+            <a:bodyPr rot="-5400000" spcFirstLastPara="1" vertOverflow="ellipsis" vert="horz" wrap="square" anchor="ctr" anchorCtr="1"/>
+            <a:lstStyle/>
+            <a:p>
+              <a:pPr>
+                <a:defRPr sz="1800" b="0" i="0" u="none" strike="noStrike" kern="1200" baseline="0">
+                  <a:solidFill>
+                    <a:schemeClr val="tx1">
+                      <a:lumMod val="65000"/>
+                      <a:lumOff val="35000"/>
+                    </a:schemeClr>
+                  </a:solidFill>
+                  <a:latin typeface="+mn-lt"/>
+                  <a:ea typeface="+mn-ea"/>
+                  <a:cs typeface="+mn-cs"/>
+                </a:defRPr>
+              </a:pPr>
+              <a:endParaRPr lang="en-US"/>
+            </a:p>
+          </c:txPr>
         </c:title>
         <c:numFmt formatCode="General" sourceLinked="1"/>
         <c:majorTickMark val="none"/>
@@ -738,7 +795,7 @@
             <a:endParaRPr lang="en-US"/>
           </a:p>
         </c:txPr>
-        <c:crossAx val="40710912"/>
+        <c:crossAx val="1004845480"/>
         <c:crosses val="autoZero"/>
         <c:crossBetween val="midCat"/>
       </c:valAx>
@@ -752,7 +809,6 @@
     </c:plotArea>
     <c:legend>
       <c:legendPos val="t"/>
-      <c:layout/>
       <c:overlay val="0"/>
       <c:spPr>
         <a:noFill/>
@@ -766,7 +822,7 @@
         <a:lstStyle/>
         <a:p>
           <a:pPr>
-            <a:defRPr sz="1800" b="0" i="0" u="none" strike="noStrike" kern="1200" baseline="0">
+            <a:defRPr sz="1600" b="0" i="0" u="none" strike="noStrike" kern="1200" baseline="0">
               <a:solidFill>
                 <a:schemeClr val="tx1">
                   <a:lumMod val="65000"/>
@@ -784,14 +840,14 @@
     </c:legend>
     <c:plotVisOnly val="1"/>
     <c:dispBlanksAs val="gap"/>
-    <c:showDLblsOverMax val="0"/>
-    <c:extLst xmlns:c16r2="http://schemas.microsoft.com/office/drawing/2015/06/chart">
+    <c:extLst>
       <c:ext xmlns:c16r3="http://schemas.microsoft.com/office/drawing/2017/03/chart" uri="{56B9EC1D-385E-4148-901F-78D8002777C0}">
         <c16r3:dataDisplayOptions16>
           <c16r3:dispNaAsBlank val="1"/>
         </c16r3:dataDisplayOptions16>
       </c:ext>
     </c:extLst>
+    <c:showDLblsOverMax val="0"/>
   </c:chart>
   <c:spPr>
     <a:noFill/>
@@ -810,7 +866,7 @@
       <a:endParaRPr lang="en-US"/>
     </a:p>
   </c:txPr>
-  <c:externalData r:id="rId1">
+  <c:externalData r:id="rId3">
     <c:autoUpdate val="0"/>
   </c:externalData>
 </c:chartSpace>
@@ -14134,7 +14190,7 @@
           <p:cNvPr id="2" name="Title 1">
             <a:extLst>
               <a:ext uri="{FF2B5EF4-FFF2-40B4-BE49-F238E27FC236}">
-                <a16:creationId xmlns="" xmlns:a16="http://schemas.microsoft.com/office/drawing/2014/main" id="{C8971EAA-0D3C-48DE-9FFF-6A535ABFC033}"/>
+                <a16:creationId xmlns:a16="http://schemas.microsoft.com/office/drawing/2014/main" id="{C8971EAA-0D3C-48DE-9FFF-6A535ABFC033}"/>
               </a:ext>
             </a:extLst>
           </p:cNvPr>
@@ -14168,7 +14224,7 @@
           <p:cNvPr id="5" name="Subtitle 4">
             <a:extLst>
               <a:ext uri="{FF2B5EF4-FFF2-40B4-BE49-F238E27FC236}">
-                <a16:creationId xmlns="" xmlns:a16="http://schemas.microsoft.com/office/drawing/2014/main" id="{46AD44FD-08F9-4FAD-9C48-D5370D6B5C4A}"/>
+                <a16:creationId xmlns:a16="http://schemas.microsoft.com/office/drawing/2014/main" id="{46AD44FD-08F9-4FAD-9C48-D5370D6B5C4A}"/>
               </a:ext>
             </a:extLst>
           </p:cNvPr>
@@ -14286,7 +14342,7 @@
           <p:cNvPr id="6" name="Picture 5">
             <a:extLst>
               <a:ext uri="{FF2B5EF4-FFF2-40B4-BE49-F238E27FC236}">
-                <a16:creationId xmlns="" xmlns:a16="http://schemas.microsoft.com/office/drawing/2014/main" id="{C04D2CE3-FADE-4444-BF01-5877D5BCC980}"/>
+                <a16:creationId xmlns:a16="http://schemas.microsoft.com/office/drawing/2014/main" id="{C04D2CE3-FADE-4444-BF01-5877D5BCC980}"/>
               </a:ext>
             </a:extLst>
           </p:cNvPr>
@@ -14316,7 +14372,7 @@
           <p:cNvPr id="7" name="Picture 6">
             <a:extLst>
               <a:ext uri="{FF2B5EF4-FFF2-40B4-BE49-F238E27FC236}">
-                <a16:creationId xmlns="" xmlns:a16="http://schemas.microsoft.com/office/drawing/2014/main" id="{2A8D4E12-6DAC-43E1-B8A5-DAB48EDC7D6E}"/>
+                <a16:creationId xmlns:a16="http://schemas.microsoft.com/office/drawing/2014/main" id="{2A8D4E12-6DAC-43E1-B8A5-DAB48EDC7D6E}"/>
               </a:ext>
             </a:extLst>
           </p:cNvPr>
@@ -14346,7 +14402,7 @@
           <p:cNvPr id="8" name="Picture 7">
             <a:extLst>
               <a:ext uri="{FF2B5EF4-FFF2-40B4-BE49-F238E27FC236}">
-                <a16:creationId xmlns="" xmlns:a16="http://schemas.microsoft.com/office/drawing/2014/main" id="{DEC9A47A-34DF-4FB6-877F-3C1541D6D98D}"/>
+                <a16:creationId xmlns:a16="http://schemas.microsoft.com/office/drawing/2014/main" id="{DEC9A47A-34DF-4FB6-877F-3C1541D6D98D}"/>
               </a:ext>
             </a:extLst>
           </p:cNvPr>
@@ -14376,7 +14432,7 @@
           <p:cNvPr id="9" name="Picture 8">
             <a:extLst>
               <a:ext uri="{FF2B5EF4-FFF2-40B4-BE49-F238E27FC236}">
-                <a16:creationId xmlns="" xmlns:a16="http://schemas.microsoft.com/office/drawing/2014/main" id="{75A97654-9ACF-43A2-BA5E-3ACE534F6BB1}"/>
+                <a16:creationId xmlns:a16="http://schemas.microsoft.com/office/drawing/2014/main" id="{75A97654-9ACF-43A2-BA5E-3ACE534F6BB1}"/>
               </a:ext>
             </a:extLst>
           </p:cNvPr>
@@ -14406,7 +14462,7 @@
           <p:cNvPr id="10" name="Picture 9">
             <a:extLst>
               <a:ext uri="{FF2B5EF4-FFF2-40B4-BE49-F238E27FC236}">
-                <a16:creationId xmlns="" xmlns:a16="http://schemas.microsoft.com/office/drawing/2014/main" id="{9B7E195B-B314-46BB-9947-09C095EEE81B}"/>
+                <a16:creationId xmlns:a16="http://schemas.microsoft.com/office/drawing/2014/main" id="{9B7E195B-B314-46BB-9947-09C095EEE81B}"/>
               </a:ext>
             </a:extLst>
           </p:cNvPr>
@@ -14436,7 +14492,7 @@
           <p:cNvPr id="11" name="Picture 10">
             <a:extLst>
               <a:ext uri="{FF2B5EF4-FFF2-40B4-BE49-F238E27FC236}">
-                <a16:creationId xmlns="" xmlns:a16="http://schemas.microsoft.com/office/drawing/2014/main" id="{EBF10B3E-7F59-4AE2-B659-45D4C2DBBC08}"/>
+                <a16:creationId xmlns:a16="http://schemas.microsoft.com/office/drawing/2014/main" id="{EBF10B3E-7F59-4AE2-B659-45D4C2DBBC08}"/>
               </a:ext>
             </a:extLst>
           </p:cNvPr>
@@ -14466,7 +14522,7 @@
           <p:cNvPr id="12" name="Picture 11">
             <a:extLst>
               <a:ext uri="{FF2B5EF4-FFF2-40B4-BE49-F238E27FC236}">
-                <a16:creationId xmlns="" xmlns:a16="http://schemas.microsoft.com/office/drawing/2014/main" id="{F3A2CC9D-FB19-4D63-894F-B0AE04B6056D}"/>
+                <a16:creationId xmlns:a16="http://schemas.microsoft.com/office/drawing/2014/main" id="{F3A2CC9D-FB19-4D63-894F-B0AE04B6056D}"/>
               </a:ext>
             </a:extLst>
           </p:cNvPr>
@@ -14496,7 +14552,7 @@
           <p:cNvPr id="14" name="TextBox 13">
             <a:extLst>
               <a:ext uri="{FF2B5EF4-FFF2-40B4-BE49-F238E27FC236}">
-                <a16:creationId xmlns="" xmlns:a16="http://schemas.microsoft.com/office/drawing/2014/main" id="{6F9E1177-B80E-4CEF-A256-343DFAE24982}"/>
+                <a16:creationId xmlns:a16="http://schemas.microsoft.com/office/drawing/2014/main" id="{6F9E1177-B80E-4CEF-A256-343DFAE24982}"/>
               </a:ext>
             </a:extLst>
           </p:cNvPr>
@@ -14531,7 +14587,7 @@
           <p:cNvPr id="15" name="Picture 14" descr="A close up of a person&#10;&#10;Description generated with high confidence">
             <a:extLst>
               <a:ext uri="{FF2B5EF4-FFF2-40B4-BE49-F238E27FC236}">
-                <a16:creationId xmlns="" xmlns:a16="http://schemas.microsoft.com/office/drawing/2014/main" id="{C07F32E3-A0FB-4A46-BE0A-1FE74250101C}"/>
+                <a16:creationId xmlns:a16="http://schemas.microsoft.com/office/drawing/2014/main" id="{C07F32E3-A0FB-4A46-BE0A-1FE74250101C}"/>
               </a:ext>
             </a:extLst>
           </p:cNvPr>
@@ -14561,7 +14617,7 @@
           <p:cNvPr id="17" name="Picture 16" descr="A picture containing photo&#10;&#10;Description generated with very high confidence">
             <a:extLst>
               <a:ext uri="{FF2B5EF4-FFF2-40B4-BE49-F238E27FC236}">
-                <a16:creationId xmlns="" xmlns:a16="http://schemas.microsoft.com/office/drawing/2014/main" id="{AC9148D0-C74F-44E4-B41D-29D4A2B0B123}"/>
+                <a16:creationId xmlns:a16="http://schemas.microsoft.com/office/drawing/2014/main" id="{AC9148D0-C74F-44E4-B41D-29D4A2B0B123}"/>
               </a:ext>
             </a:extLst>
           </p:cNvPr>
@@ -14591,7 +14647,7 @@
           <p:cNvPr id="19" name="Picture 18" descr="A person smiling for the camera&#10;&#10;Description generated with very high confidence">
             <a:extLst>
               <a:ext uri="{FF2B5EF4-FFF2-40B4-BE49-F238E27FC236}">
-                <a16:creationId xmlns="" xmlns:a16="http://schemas.microsoft.com/office/drawing/2014/main" id="{440C74F7-58B0-47AF-8450-BD45458548EB}"/>
+                <a16:creationId xmlns:a16="http://schemas.microsoft.com/office/drawing/2014/main" id="{440C74F7-58B0-47AF-8450-BD45458548EB}"/>
               </a:ext>
             </a:extLst>
           </p:cNvPr>
@@ -14621,7 +14677,7 @@
           <p:cNvPr id="21" name="Picture 20" descr="A close up of a person&#10;&#10;Description generated with high confidence">
             <a:extLst>
               <a:ext uri="{FF2B5EF4-FFF2-40B4-BE49-F238E27FC236}">
-                <a16:creationId xmlns="" xmlns:a16="http://schemas.microsoft.com/office/drawing/2014/main" id="{824AF9CE-D05D-4241-9C6B-8F54EB22F4D1}"/>
+                <a16:creationId xmlns:a16="http://schemas.microsoft.com/office/drawing/2014/main" id="{824AF9CE-D05D-4241-9C6B-8F54EB22F4D1}"/>
               </a:ext>
             </a:extLst>
           </p:cNvPr>
@@ -14651,7 +14707,7 @@
           <p:cNvPr id="23" name="Picture 22" descr="A person looking at the camera&#10;&#10;Description generated with high confidence">
             <a:extLst>
               <a:ext uri="{FF2B5EF4-FFF2-40B4-BE49-F238E27FC236}">
-                <a16:creationId xmlns="" xmlns:a16="http://schemas.microsoft.com/office/drawing/2014/main" id="{2AB9534A-DBFA-4E4A-88E1-F278008B7DED}"/>
+                <a16:creationId xmlns:a16="http://schemas.microsoft.com/office/drawing/2014/main" id="{2AB9534A-DBFA-4E4A-88E1-F278008B7DED}"/>
               </a:ext>
             </a:extLst>
           </p:cNvPr>
@@ -14681,7 +14737,7 @@
           <p:cNvPr id="25" name="Picture 24">
             <a:extLst>
               <a:ext uri="{FF2B5EF4-FFF2-40B4-BE49-F238E27FC236}">
-                <a16:creationId xmlns="" xmlns:a16="http://schemas.microsoft.com/office/drawing/2014/main" id="{5DBB82B8-ACFA-45D8-819C-DE282D2BDA35}"/>
+                <a16:creationId xmlns:a16="http://schemas.microsoft.com/office/drawing/2014/main" id="{5DBB82B8-ACFA-45D8-819C-DE282D2BDA35}"/>
               </a:ext>
             </a:extLst>
           </p:cNvPr>
@@ -14711,7 +14767,7 @@
           <p:cNvPr id="27" name="Picture 26" descr="A close up of a person&#10;&#10;Description generated with very high confidence">
             <a:extLst>
               <a:ext uri="{FF2B5EF4-FFF2-40B4-BE49-F238E27FC236}">
-                <a16:creationId xmlns="" xmlns:a16="http://schemas.microsoft.com/office/drawing/2014/main" id="{CA17BDC1-3074-4C0E-B8E3-594B12B22EB2}"/>
+                <a16:creationId xmlns:a16="http://schemas.microsoft.com/office/drawing/2014/main" id="{CA17BDC1-3074-4C0E-B8E3-594B12B22EB2}"/>
               </a:ext>
             </a:extLst>
           </p:cNvPr>
@@ -14746,13 +14802,6 @@
   <p:clrMapOvr>
     <a:masterClrMapping/>
   </p:clrMapOvr>
-  <p:timing>
-    <p:tnLst>
-      <p:par>
-        <p:cTn id="1" dur="indefinite" restart="never" nodeType="tmRoot"/>
-      </p:par>
-    </p:tnLst>
-  </p:timing>
 </p:sld>
 </file>
 
@@ -14873,20 +14922,15 @@
             <a:pPr lvl="1"/>
             <a:r>
               <a:rPr lang="en-IN" sz="1800" dirty="0"/>
-              <a:t>Balance the training set with random over-sampling: 43.83% </a:t>
-            </a:r>
-            <a:r>
-              <a:rPr lang="en-IN" sz="1800" dirty="0" smtClean="0"/>
-              <a:t>Accuracy</a:t>
+              <a:t>Balance the training set with random over-sampling: 43.83% Accuracy</a:t>
             </a:r>
           </a:p>
           <a:p>
             <a:pPr lvl="1"/>
             <a:r>
-              <a:rPr lang="en-IN" sz="1800" dirty="0" smtClean="0"/>
+              <a:rPr lang="en-IN" sz="1800" dirty="0"/>
               <a:t>50 iterations of random 80/20 split of training set (300 PCs): Accuracy varied 31.89% to 44.41%</a:t>
             </a:r>
-            <a:endParaRPr lang="en-IN" sz="1800" dirty="0"/>
           </a:p>
           <a:p>
             <a:pPr marL="0" indent="0">
@@ -14989,13 +15033,6 @@
   <p:clrMapOvr>
     <a:masterClrMapping/>
   </p:clrMapOvr>
-  <p:timing>
-    <p:tnLst>
-      <p:par>
-        <p:cTn id="1" dur="indefinite" restart="never" nodeType="tmRoot"/>
-      </p:par>
-    </p:tnLst>
-  </p:timing>
 </p:sld>
 </file>
 
@@ -15125,56 +15162,56 @@
                 <a:gridCol w="2037755">
                   <a:extLst>
                     <a:ext uri="{9D8B030D-6E8A-4147-A177-3AD203B41FA5}">
-                      <a16:colId xmlns="" xmlns:a16="http://schemas.microsoft.com/office/drawing/2014/main" val="20000"/>
+                      <a16:colId xmlns:a16="http://schemas.microsoft.com/office/drawing/2014/main" val="20000"/>
                     </a:ext>
                   </a:extLst>
                 </a:gridCol>
                 <a:gridCol w="1102989">
                   <a:extLst>
                     <a:ext uri="{9D8B030D-6E8A-4147-A177-3AD203B41FA5}">
-                      <a16:colId xmlns="" xmlns:a16="http://schemas.microsoft.com/office/drawing/2014/main" val="20001"/>
+                      <a16:colId xmlns:a16="http://schemas.microsoft.com/office/drawing/2014/main" val="20001"/>
                     </a:ext>
                   </a:extLst>
                 </a:gridCol>
                 <a:gridCol w="979094">
                   <a:extLst>
                     <a:ext uri="{9D8B030D-6E8A-4147-A177-3AD203B41FA5}">
-                      <a16:colId xmlns="" xmlns:a16="http://schemas.microsoft.com/office/drawing/2014/main" val="20002"/>
+                      <a16:colId xmlns:a16="http://schemas.microsoft.com/office/drawing/2014/main" val="20002"/>
                     </a:ext>
                   </a:extLst>
                 </a:gridCol>
                 <a:gridCol w="1072746">
                   <a:extLst>
                     <a:ext uri="{9D8B030D-6E8A-4147-A177-3AD203B41FA5}">
-                      <a16:colId xmlns="" xmlns:a16="http://schemas.microsoft.com/office/drawing/2014/main" val="20003"/>
+                      <a16:colId xmlns:a16="http://schemas.microsoft.com/office/drawing/2014/main" val="20003"/>
                     </a:ext>
                   </a:extLst>
                 </a:gridCol>
                 <a:gridCol w="1055718">
                   <a:extLst>
                     <a:ext uri="{9D8B030D-6E8A-4147-A177-3AD203B41FA5}">
-                      <a16:colId xmlns="" xmlns:a16="http://schemas.microsoft.com/office/drawing/2014/main" val="20004"/>
+                      <a16:colId xmlns:a16="http://schemas.microsoft.com/office/drawing/2014/main" val="20004"/>
                     </a:ext>
                   </a:extLst>
                 </a:gridCol>
                 <a:gridCol w="1013149">
                   <a:extLst>
                     <a:ext uri="{9D8B030D-6E8A-4147-A177-3AD203B41FA5}">
-                      <a16:colId xmlns="" xmlns:a16="http://schemas.microsoft.com/office/drawing/2014/main" val="20005"/>
+                      <a16:colId xmlns:a16="http://schemas.microsoft.com/office/drawing/2014/main" val="20005"/>
                     </a:ext>
                   </a:extLst>
                 </a:gridCol>
                 <a:gridCol w="1217481">
                   <a:extLst>
                     <a:ext uri="{9D8B030D-6E8A-4147-A177-3AD203B41FA5}">
-                      <a16:colId xmlns="" xmlns:a16="http://schemas.microsoft.com/office/drawing/2014/main" val="20006"/>
+                      <a16:colId xmlns:a16="http://schemas.microsoft.com/office/drawing/2014/main" val="20006"/>
                     </a:ext>
                   </a:extLst>
                 </a:gridCol>
                 <a:gridCol w="1194033">
                   <a:extLst>
                     <a:ext uri="{9D8B030D-6E8A-4147-A177-3AD203B41FA5}">
-                      <a16:colId xmlns="" xmlns:a16="http://schemas.microsoft.com/office/drawing/2014/main" val="20007"/>
+                      <a16:colId xmlns:a16="http://schemas.microsoft.com/office/drawing/2014/main" val="20007"/>
                     </a:ext>
                   </a:extLst>
                 </a:gridCol>
@@ -15290,7 +15327,7 @@
                 </a:tc>
                 <a:extLst>
                   <a:ext uri="{0D108BD9-81ED-4DB2-BD59-A6C34878D82A}">
-                    <a16:rowId xmlns="" xmlns:a16="http://schemas.microsoft.com/office/drawing/2014/main" val="10000"/>
+                    <a16:rowId xmlns:a16="http://schemas.microsoft.com/office/drawing/2014/main" val="10000"/>
                   </a:ext>
                 </a:extLst>
               </a:tr>
@@ -15408,7 +15445,7 @@
                 </a:tc>
                 <a:extLst>
                   <a:ext uri="{0D108BD9-81ED-4DB2-BD59-A6C34878D82A}">
-                    <a16:rowId xmlns="" xmlns:a16="http://schemas.microsoft.com/office/drawing/2014/main" val="10001"/>
+                    <a16:rowId xmlns:a16="http://schemas.microsoft.com/office/drawing/2014/main" val="10001"/>
                   </a:ext>
                 </a:extLst>
               </a:tr>
@@ -15563,7 +15600,7 @@
                 </a:tc>
                 <a:extLst>
                   <a:ext uri="{0D108BD9-81ED-4DB2-BD59-A6C34878D82A}">
-                    <a16:rowId xmlns="" xmlns:a16="http://schemas.microsoft.com/office/drawing/2014/main" val="10002"/>
+                    <a16:rowId xmlns:a16="http://schemas.microsoft.com/office/drawing/2014/main" val="10002"/>
                   </a:ext>
                 </a:extLst>
               </a:tr>
@@ -15576,7 +15613,7 @@
           <p:cNvPr id="7" name="TextBox 6">
             <a:extLst>
               <a:ext uri="{FF2B5EF4-FFF2-40B4-BE49-F238E27FC236}">
-                <a16:creationId xmlns="" xmlns:a16="http://schemas.microsoft.com/office/drawing/2014/main" id="{0C603B1F-1F97-3F47-A1FB-49F34A0EE4CD}"/>
+                <a16:creationId xmlns:a16="http://schemas.microsoft.com/office/drawing/2014/main" id="{0C603B1F-1F97-3F47-A1FB-49F34A0EE4CD}"/>
               </a:ext>
             </a:extLst>
           </p:cNvPr>
@@ -15600,12 +15637,8 @@
           <a:lstStyle/>
           <a:p>
             <a:r>
-              <a:rPr lang="en-US" sz="1600" dirty="0" smtClean="0"/>
-              <a:t>14% </a:t>
-            </a:r>
-            <a:r>
               <a:rPr lang="en-US" sz="1600" dirty="0"/>
-              <a:t>Accuracy on New Data</a:t>
+              <a:t>14% Accuracy on New Data</a:t>
             </a:r>
           </a:p>
         </p:txBody>
@@ -15674,13 +15707,6 @@
   <p:clrMapOvr>
     <a:masterClrMapping/>
   </p:clrMapOvr>
-  <p:timing>
-    <p:tnLst>
-      <p:par>
-        <p:cTn id="1" dur="indefinite" restart="never" nodeType="tmRoot"/>
-      </p:par>
-    </p:tnLst>
-  </p:timing>
 </p:sld>
 </file>
 
@@ -15733,7 +15759,7 @@
           <p:cNvPr id="7" name="Picture 2">
             <a:extLst>
               <a:ext uri="{FF2B5EF4-FFF2-40B4-BE49-F238E27FC236}">
-                <a16:creationId xmlns="" xmlns:a16="http://schemas.microsoft.com/office/drawing/2014/main" id="{B76E598F-1C59-4394-8340-986200DECB1E}"/>
+                <a16:creationId xmlns:a16="http://schemas.microsoft.com/office/drawing/2014/main" id="{B76E598F-1C59-4394-8340-986200DECB1E}"/>
               </a:ext>
             </a:extLst>
           </p:cNvPr>
@@ -15793,7 +15819,7 @@
           <p:cNvPr id="10" name="Content Placeholder 2">
             <a:extLst>
               <a:ext uri="{FF2B5EF4-FFF2-40B4-BE49-F238E27FC236}">
-                <a16:creationId xmlns="" xmlns:a16="http://schemas.microsoft.com/office/drawing/2014/main" id="{AD2387E2-7737-4B33-9C53-E4D7580B42D3}"/>
+                <a16:creationId xmlns:a16="http://schemas.microsoft.com/office/drawing/2014/main" id="{AD2387E2-7737-4B33-9C53-E4D7580B42D3}"/>
               </a:ext>
             </a:extLst>
           </p:cNvPr>
@@ -15877,13 +15903,6 @@
   <p:clrMapOvr>
     <a:masterClrMapping/>
   </p:clrMapOvr>
-  <p:timing>
-    <p:tnLst>
-      <p:par>
-        <p:cTn id="1" dur="indefinite" restart="never" nodeType="tmRoot"/>
-      </p:par>
-    </p:tnLst>
-  </p:timing>
 </p:sld>
 </file>
 
@@ -15978,13 +15997,6 @@
   <p:clrMapOvr>
     <a:masterClrMapping/>
   </p:clrMapOvr>
-  <p:timing>
-    <p:tnLst>
-      <p:par>
-        <p:cTn id="1" dur="indefinite" restart="never" nodeType="tmRoot"/>
-      </p:par>
-    </p:tnLst>
-  </p:timing>
 </p:sld>
 </file>
 
@@ -16061,42 +16073,42 @@
                 <a:gridCol w="1859335">
                   <a:extLst>
                     <a:ext uri="{9D8B030D-6E8A-4147-A177-3AD203B41FA5}">
-                      <a16:colId xmlns="" xmlns:a16="http://schemas.microsoft.com/office/drawing/2014/main" val="3550727435"/>
+                      <a16:colId xmlns:a16="http://schemas.microsoft.com/office/drawing/2014/main" val="3550727435"/>
                     </a:ext>
                   </a:extLst>
                 </a:gridCol>
                 <a:gridCol w="1618167">
                   <a:extLst>
                     <a:ext uri="{9D8B030D-6E8A-4147-A177-3AD203B41FA5}">
-                      <a16:colId xmlns="" xmlns:a16="http://schemas.microsoft.com/office/drawing/2014/main" val="3295678948"/>
+                      <a16:colId xmlns:a16="http://schemas.microsoft.com/office/drawing/2014/main" val="3295678948"/>
                     </a:ext>
                   </a:extLst>
                 </a:gridCol>
                 <a:gridCol w="1731670">
                   <a:extLst>
                     <a:ext uri="{9D8B030D-6E8A-4147-A177-3AD203B41FA5}">
-                      <a16:colId xmlns="" xmlns:a16="http://schemas.microsoft.com/office/drawing/2014/main" val="485902210"/>
+                      <a16:colId xmlns:a16="http://schemas.microsoft.com/office/drawing/2014/main" val="485902210"/>
                     </a:ext>
                   </a:extLst>
                 </a:gridCol>
                 <a:gridCol w="1669506">
                   <a:extLst>
                     <a:ext uri="{9D8B030D-6E8A-4147-A177-3AD203B41FA5}">
-                      <a16:colId xmlns="" xmlns:a16="http://schemas.microsoft.com/office/drawing/2014/main" val="20003"/>
+                      <a16:colId xmlns:a16="http://schemas.microsoft.com/office/drawing/2014/main" val="20003"/>
                     </a:ext>
                   </a:extLst>
                 </a:gridCol>
                 <a:gridCol w="1633986">
                   <a:extLst>
                     <a:ext uri="{9D8B030D-6E8A-4147-A177-3AD203B41FA5}">
-                      <a16:colId xmlns="" xmlns:a16="http://schemas.microsoft.com/office/drawing/2014/main" val="1751447481"/>
+                      <a16:colId xmlns:a16="http://schemas.microsoft.com/office/drawing/2014/main" val="1751447481"/>
                     </a:ext>
                   </a:extLst>
                 </a:gridCol>
                 <a:gridCol w="3374535">
                   <a:extLst>
                     <a:ext uri="{9D8B030D-6E8A-4147-A177-3AD203B41FA5}">
-                      <a16:colId xmlns="" xmlns:a16="http://schemas.microsoft.com/office/drawing/2014/main" val="788984757"/>
+                      <a16:colId xmlns:a16="http://schemas.microsoft.com/office/drawing/2014/main" val="788984757"/>
                     </a:ext>
                   </a:extLst>
                 </a:gridCol>
@@ -16176,7 +16188,7 @@
                 </a:tc>
                 <a:extLst>
                   <a:ext uri="{0D108BD9-81ED-4DB2-BD59-A6C34878D82A}">
-                    <a16:rowId xmlns="" xmlns:a16="http://schemas.microsoft.com/office/drawing/2014/main" val="418414485"/>
+                    <a16:rowId xmlns:a16="http://schemas.microsoft.com/office/drawing/2014/main" val="418414485"/>
                   </a:ext>
                 </a:extLst>
               </a:tr>
@@ -16292,7 +16304,7 @@
                 </a:tc>
                 <a:extLst>
                   <a:ext uri="{0D108BD9-81ED-4DB2-BD59-A6C34878D82A}">
-                    <a16:rowId xmlns="" xmlns:a16="http://schemas.microsoft.com/office/drawing/2014/main" val="10001"/>
+                    <a16:rowId xmlns:a16="http://schemas.microsoft.com/office/drawing/2014/main" val="10001"/>
                   </a:ext>
                 </a:extLst>
               </a:tr>
@@ -16403,7 +16415,7 @@
                 </a:tc>
                 <a:extLst>
                   <a:ext uri="{0D108BD9-81ED-4DB2-BD59-A6C34878D82A}">
-                    <a16:rowId xmlns="" xmlns:a16="http://schemas.microsoft.com/office/drawing/2014/main" val="2740143975"/>
+                    <a16:rowId xmlns:a16="http://schemas.microsoft.com/office/drawing/2014/main" val="2740143975"/>
                   </a:ext>
                 </a:extLst>
               </a:tr>
@@ -16487,24 +16499,13 @@
                           <a:ea typeface="+mn-ea"/>
                           <a:cs typeface="+mn-cs"/>
                         </a:rPr>
-                        <a:t>76.61</a:t>
-                      </a:r>
-                      <a:r>
-                        <a:rPr lang="en-IN" sz="1800" kern="1200" dirty="0" smtClean="0">
-                          <a:solidFill>
-                            <a:schemeClr val="tx1"/>
-                          </a:solidFill>
-                          <a:latin typeface="+mn-lt"/>
-                          <a:ea typeface="+mn-ea"/>
-                          <a:cs typeface="+mn-cs"/>
-                        </a:rPr>
-                        <a:t>%</a:t>
+                        <a:t>76.61%</a:t>
                       </a:r>
                     </a:p>
                     <a:p>
                       <a:pPr algn="ctr"/>
                       <a:r>
-                        <a:rPr lang="en-IN" sz="1800" kern="1200" dirty="0" smtClean="0">
+                        <a:rPr lang="en-IN" sz="1800" kern="1200" dirty="0">
                           <a:solidFill>
                             <a:schemeClr val="tx1"/>
                           </a:solidFill>
@@ -16514,14 +16515,6 @@
                         </a:rPr>
                         <a:t>(with 360 PCs)</a:t>
                       </a:r>
-                      <a:endParaRPr lang="en-IN" sz="1800" kern="1200" dirty="0">
-                        <a:solidFill>
-                          <a:schemeClr val="tx1"/>
-                        </a:solidFill>
-                        <a:latin typeface="+mn-lt"/>
-                        <a:ea typeface="+mn-ea"/>
-                        <a:cs typeface="+mn-cs"/>
-                      </a:endParaRPr>
                     </a:p>
                   </a:txBody>
                   <a:tcPr/>
@@ -16541,24 +16534,13 @@
                           <a:ea typeface="+mn-ea"/>
                           <a:cs typeface="+mn-cs"/>
                         </a:rPr>
-                        <a:t>44.25</a:t>
-                      </a:r>
-                      <a:r>
-                        <a:rPr lang="en-IN" sz="1800" kern="1200" dirty="0" smtClean="0">
-                          <a:solidFill>
-                            <a:schemeClr val="tx1"/>
-                          </a:solidFill>
-                          <a:latin typeface="+mn-lt"/>
-                          <a:ea typeface="+mn-ea"/>
-                          <a:cs typeface="+mn-cs"/>
-                        </a:rPr>
-                        <a:t>%</a:t>
+                        <a:t>44.25%</a:t>
                       </a:r>
                     </a:p>
                     <a:p>
                       <a:pPr algn="ctr"/>
                       <a:r>
-                        <a:rPr lang="en-IN" sz="1800" kern="1200" dirty="0" smtClean="0">
+                        <a:rPr lang="en-IN" sz="1800" kern="1200" dirty="0">
                           <a:solidFill>
                             <a:schemeClr val="tx1"/>
                           </a:solidFill>
@@ -16568,14 +16550,6 @@
                         </a:rPr>
                         <a:t>(with 360 PCs)</a:t>
                       </a:r>
-                      <a:endParaRPr lang="en-IN" sz="1800" kern="1200" dirty="0">
-                        <a:solidFill>
-                          <a:schemeClr val="tx1"/>
-                        </a:solidFill>
-                        <a:latin typeface="+mn-lt"/>
-                        <a:ea typeface="+mn-ea"/>
-                        <a:cs typeface="+mn-cs"/>
-                      </a:endParaRPr>
                     </a:p>
                   </a:txBody>
                   <a:tcPr/>
@@ -16595,18 +16569,7 @@
                           <a:ea typeface="+mn-ea"/>
                           <a:cs typeface="+mn-cs"/>
                         </a:rPr>
-                        <a:t>41.38</a:t>
-                      </a:r>
-                      <a:r>
-                        <a:rPr lang="en-IN" sz="1800" kern="1200" dirty="0" smtClean="0">
-                          <a:solidFill>
-                            <a:schemeClr val="tx1"/>
-                          </a:solidFill>
-                          <a:latin typeface="+mn-lt"/>
-                          <a:ea typeface="+mn-ea"/>
-                          <a:cs typeface="+mn-cs"/>
-                        </a:rPr>
-                        <a:t>%</a:t>
+                        <a:t>41.38%</a:t>
                       </a:r>
                     </a:p>
                     <a:p>
@@ -16628,7 +16591,7 @@
                         <a:defRPr/>
                       </a:pPr>
                       <a:r>
-                        <a:rPr lang="en-IN" sz="1800" kern="1200" dirty="0" smtClean="0">
+                        <a:rPr lang="en-IN" sz="1800" kern="1200" dirty="0">
                           <a:solidFill>
                             <a:schemeClr val="tx1"/>
                           </a:solidFill>
@@ -16644,7 +16607,7 @@
                 </a:tc>
                 <a:extLst>
                   <a:ext uri="{0D108BD9-81ED-4DB2-BD59-A6C34878D82A}">
-                    <a16:rowId xmlns="" xmlns:a16="http://schemas.microsoft.com/office/drawing/2014/main" val="4075877440"/>
+                    <a16:rowId xmlns:a16="http://schemas.microsoft.com/office/drawing/2014/main" val="4075877440"/>
                   </a:ext>
                 </a:extLst>
               </a:tr>
@@ -16755,7 +16718,7 @@
                 </a:tc>
                 <a:extLst>
                   <a:ext uri="{0D108BD9-81ED-4DB2-BD59-A6C34878D82A}">
-                    <a16:rowId xmlns="" xmlns:a16="http://schemas.microsoft.com/office/drawing/2014/main" val="541031661"/>
+                    <a16:rowId xmlns:a16="http://schemas.microsoft.com/office/drawing/2014/main" val="541031661"/>
                   </a:ext>
                 </a:extLst>
               </a:tr>
@@ -16810,7 +16773,7 @@
                     <a:p>
                       <a:pPr algn="ctr"/>
                       <a:r>
-                        <a:rPr lang="en-IN" dirty="0" smtClean="0">
+                        <a:rPr lang="en-IN" dirty="0">
                           <a:highlight>
                             <a:srgbClr val="FFFF00"/>
                           </a:highlight>
@@ -16837,7 +16800,7 @@
                         <a:defRPr/>
                       </a:pPr>
                       <a:r>
-                        <a:rPr lang="en-IN" sz="1800" kern="1200" dirty="0" smtClean="0">
+                        <a:rPr lang="en-IN" sz="1800" kern="1200" dirty="0">
                           <a:solidFill>
                             <a:schemeClr val="tx1"/>
                           </a:solidFill>
@@ -16858,7 +16821,7 @@
                     <a:p>
                       <a:pPr algn="ctr"/>
                       <a:r>
-                        <a:rPr lang="en-IN" dirty="0" smtClean="0">
+                        <a:rPr lang="en-IN" dirty="0">
                           <a:highlight>
                             <a:srgbClr val="FFFF00"/>
                           </a:highlight>
@@ -16885,7 +16848,7 @@
                         <a:defRPr/>
                       </a:pPr>
                       <a:r>
-                        <a:rPr lang="en-IN" sz="1800" kern="1200" dirty="0" smtClean="0">
+                        <a:rPr lang="en-IN" sz="1800" kern="1200" dirty="0">
                           <a:solidFill>
                             <a:schemeClr val="tx1"/>
                           </a:solidFill>
@@ -16906,25 +16869,20 @@
                     <a:p>
                       <a:pPr algn="ctr"/>
                       <a:r>
-                        <a:rPr lang="en-IN" dirty="0" smtClean="0">
+                        <a:rPr lang="en-IN" dirty="0">
                           <a:highlight>
                             <a:srgbClr val="FFFF00"/>
                           </a:highlight>
                         </a:rPr>
                         <a:t>N.A.</a:t>
                       </a:r>
-                      <a:endParaRPr lang="en-IN" dirty="0">
-                        <a:highlight>
-                          <a:srgbClr val="FFFF00"/>
-                        </a:highlight>
-                      </a:endParaRPr>
                     </a:p>
                   </a:txBody>
                   <a:tcPr/>
                 </a:tc>
                 <a:extLst>
                   <a:ext uri="{0D108BD9-81ED-4DB2-BD59-A6C34878D82A}">
-                    <a16:rowId xmlns="" xmlns:a16="http://schemas.microsoft.com/office/drawing/2014/main" val="1396813758"/>
+                    <a16:rowId xmlns:a16="http://schemas.microsoft.com/office/drawing/2014/main" val="1396813758"/>
                   </a:ext>
                 </a:extLst>
               </a:tr>
@@ -16937,7 +16895,7 @@
           <p:cNvPr id="3" name="Rectangle 2">
             <a:extLst>
               <a:ext uri="{FF2B5EF4-FFF2-40B4-BE49-F238E27FC236}">
-                <a16:creationId xmlns="" xmlns:a16="http://schemas.microsoft.com/office/drawing/2014/main" id="{6D24092D-9014-4601-A8E5-A4FB3F59660D}"/>
+                <a16:creationId xmlns:a16="http://schemas.microsoft.com/office/drawing/2014/main" id="{6D24092D-9014-4601-A8E5-A4FB3F59660D}"/>
               </a:ext>
             </a:extLst>
           </p:cNvPr>
@@ -16985,13 +16943,6 @@
   <p:clrMapOvr>
     <a:masterClrMapping/>
   </p:clrMapOvr>
-  <p:timing>
-    <p:tnLst>
-      <p:par>
-        <p:cTn id="1" dur="indefinite" restart="never" nodeType="tmRoot"/>
-      </p:par>
-    </p:tnLst>
-  </p:timing>
 </p:sld>
 </file>
 
@@ -17232,7 +17183,7 @@
           <p:cNvPr id="3" name="Rectangle 2">
             <a:extLst>
               <a:ext uri="{FF2B5EF4-FFF2-40B4-BE49-F238E27FC236}">
-                <a16:creationId xmlns="" xmlns:a16="http://schemas.microsoft.com/office/drawing/2014/main" id="{30B14E7A-8F0E-4DEC-9955-CEF62AB818B0}"/>
+                <a16:creationId xmlns:a16="http://schemas.microsoft.com/office/drawing/2014/main" id="{30B14E7A-8F0E-4DEC-9955-CEF62AB818B0}"/>
               </a:ext>
             </a:extLst>
           </p:cNvPr>
@@ -17280,13 +17231,6 @@
   <p:clrMapOvr>
     <a:masterClrMapping/>
   </p:clrMapOvr>
-  <p:timing>
-    <p:tnLst>
-      <p:par>
-        <p:cTn id="1" dur="indefinite" restart="never" nodeType="tmRoot"/>
-      </p:par>
-    </p:tnLst>
-  </p:timing>
 </p:sld>
 </file>
 
@@ -17312,7 +17256,7 @@
           <p:cNvPr id="2" name="Title 1">
             <a:extLst>
               <a:ext uri="{FF2B5EF4-FFF2-40B4-BE49-F238E27FC236}">
-                <a16:creationId xmlns="" xmlns:a16="http://schemas.microsoft.com/office/drawing/2014/main" id="{58293DE5-6A3F-4CB5-9B2D-B26F445310F7}"/>
+                <a16:creationId xmlns:a16="http://schemas.microsoft.com/office/drawing/2014/main" id="{58293DE5-6A3F-4CB5-9B2D-B26F445310F7}"/>
               </a:ext>
             </a:extLst>
           </p:cNvPr>
@@ -17343,17 +17287,9 @@
               </a:rPr>
               <a:t>https://www.kaggle.com/c/challenges-in-representation-learning-facial-expression-recognition-challenge/data</a:t>
             </a:r>
-            <a:r>
-              <a:rPr lang="en-US" sz="2000" cap="none" dirty="0"/>
-              <a:t/>
-            </a:r>
             <a:br>
               <a:rPr lang="en-US" sz="2000" cap="none" dirty="0"/>
             </a:br>
-            <a:r>
-              <a:rPr lang="en-US" sz="2000" cap="none" dirty="0"/>
-              <a:t/>
-            </a:r>
             <a:br>
               <a:rPr lang="en-US" sz="2000" cap="none" dirty="0"/>
             </a:br>
@@ -17370,7 +17306,7 @@
           <p:cNvPr id="3" name="Content Placeholder 2">
             <a:extLst>
               <a:ext uri="{FF2B5EF4-FFF2-40B4-BE49-F238E27FC236}">
-                <a16:creationId xmlns="" xmlns:a16="http://schemas.microsoft.com/office/drawing/2014/main" id="{AEF930C9-DE34-42D1-B51C-D4367365A454}"/>
+                <a16:creationId xmlns:a16="http://schemas.microsoft.com/office/drawing/2014/main" id="{AEF930C9-DE34-42D1-B51C-D4367365A454}"/>
               </a:ext>
             </a:extLst>
           </p:cNvPr>
@@ -17409,15 +17345,7 @@
             <a:pPr lvl="1"/>
             <a:r>
               <a:rPr lang="en-US" sz="1800" dirty="0"/>
-              <a:t>8</a:t>
-            </a:r>
-            <a:r>
-              <a:rPr lang="en-US" sz="1800" dirty="0" smtClean="0"/>
-              <a:t>0</a:t>
-            </a:r>
-            <a:r>
-              <a:rPr lang="en-US" sz="1800" dirty="0"/>
-              <a:t>% of complete set</a:t>
+              <a:t>80% of complete set</a:t>
             </a:r>
           </a:p>
           <a:p>
@@ -17454,7 +17382,7 @@
           <p:cNvPr id="4" name="Content Placeholder 3">
             <a:extLst>
               <a:ext uri="{FF2B5EF4-FFF2-40B4-BE49-F238E27FC236}">
-                <a16:creationId xmlns="" xmlns:a16="http://schemas.microsoft.com/office/drawing/2014/main" id="{B2018AEE-6A81-49B2-AD03-CBA865B5659F}"/>
+                <a16:creationId xmlns:a16="http://schemas.microsoft.com/office/drawing/2014/main" id="{B2018AEE-6A81-49B2-AD03-CBA865B5659F}"/>
               </a:ext>
             </a:extLst>
           </p:cNvPr>
@@ -17584,13 +17512,6 @@
   <p:clrMapOvr>
     <a:masterClrMapping/>
   </p:clrMapOvr>
-  <p:timing>
-    <p:tnLst>
-      <p:par>
-        <p:cTn id="1" dur="indefinite" restart="never" nodeType="tmRoot"/>
-      </p:par>
-    </p:tnLst>
-  </p:timing>
 </p:sld>
 </file>
 
@@ -17616,7 +17537,7 @@
           <p:cNvPr id="6" name="Picture 5">
             <a:extLst>
               <a:ext uri="{FF2B5EF4-FFF2-40B4-BE49-F238E27FC236}">
-                <a16:creationId xmlns="" xmlns:a16="http://schemas.microsoft.com/office/drawing/2014/main" id="{5D56938D-3BE8-CE48-AA21-BE82D471014E}"/>
+                <a16:creationId xmlns:a16="http://schemas.microsoft.com/office/drawing/2014/main" id="{5D56938D-3BE8-CE48-AA21-BE82D471014E}"/>
               </a:ext>
             </a:extLst>
           </p:cNvPr>
@@ -17646,7 +17567,7 @@
           <p:cNvPr id="7" name="TextBox 6">
             <a:extLst>
               <a:ext uri="{FF2B5EF4-FFF2-40B4-BE49-F238E27FC236}">
-                <a16:creationId xmlns="" xmlns:a16="http://schemas.microsoft.com/office/drawing/2014/main" id="{D915B283-25CC-1646-BC03-AAA3C5A9F1CF}"/>
+                <a16:creationId xmlns:a16="http://schemas.microsoft.com/office/drawing/2014/main" id="{D915B283-25CC-1646-BC03-AAA3C5A9F1CF}"/>
               </a:ext>
             </a:extLst>
           </p:cNvPr>
@@ -17681,7 +17602,7 @@
           <p:cNvPr id="8" name="TextBox 7">
             <a:extLst>
               <a:ext uri="{FF2B5EF4-FFF2-40B4-BE49-F238E27FC236}">
-                <a16:creationId xmlns="" xmlns:a16="http://schemas.microsoft.com/office/drawing/2014/main" id="{77363FA3-080C-7D46-AEA8-CC10D34C1207}"/>
+                <a16:creationId xmlns:a16="http://schemas.microsoft.com/office/drawing/2014/main" id="{77363FA3-080C-7D46-AEA8-CC10D34C1207}"/>
               </a:ext>
             </a:extLst>
           </p:cNvPr>
@@ -17716,7 +17637,7 @@
           <p:cNvPr id="9" name="Picture 8">
             <a:extLst>
               <a:ext uri="{FF2B5EF4-FFF2-40B4-BE49-F238E27FC236}">
-                <a16:creationId xmlns="" xmlns:a16="http://schemas.microsoft.com/office/drawing/2014/main" id="{FF582211-B22A-104F-8420-2A250CBCAA9E}"/>
+                <a16:creationId xmlns:a16="http://schemas.microsoft.com/office/drawing/2014/main" id="{FF582211-B22A-104F-8420-2A250CBCAA9E}"/>
               </a:ext>
             </a:extLst>
           </p:cNvPr>
@@ -17746,7 +17667,7 @@
           <p:cNvPr id="10" name="Picture 9">
             <a:extLst>
               <a:ext uri="{FF2B5EF4-FFF2-40B4-BE49-F238E27FC236}">
-                <a16:creationId xmlns="" xmlns:a16="http://schemas.microsoft.com/office/drawing/2014/main" id="{64C88E78-58A0-AA4F-8247-DD709B7A6D22}"/>
+                <a16:creationId xmlns:a16="http://schemas.microsoft.com/office/drawing/2014/main" id="{64C88E78-58A0-AA4F-8247-DD709B7A6D22}"/>
               </a:ext>
             </a:extLst>
           </p:cNvPr>
@@ -17776,7 +17697,7 @@
           <p:cNvPr id="11" name="Picture 10">
             <a:extLst>
               <a:ext uri="{FF2B5EF4-FFF2-40B4-BE49-F238E27FC236}">
-                <a16:creationId xmlns="" xmlns:a16="http://schemas.microsoft.com/office/drawing/2014/main" id="{58BB88A8-9BD7-0741-B3D1-AF9BD689186F}"/>
+                <a16:creationId xmlns:a16="http://schemas.microsoft.com/office/drawing/2014/main" id="{58BB88A8-9BD7-0741-B3D1-AF9BD689186F}"/>
               </a:ext>
             </a:extLst>
           </p:cNvPr>
@@ -17806,7 +17727,7 @@
           <p:cNvPr id="12" name="Picture 11">
             <a:extLst>
               <a:ext uri="{FF2B5EF4-FFF2-40B4-BE49-F238E27FC236}">
-                <a16:creationId xmlns="" xmlns:a16="http://schemas.microsoft.com/office/drawing/2014/main" id="{E7ACC8CD-4378-9048-8D98-21A2B9229B32}"/>
+                <a16:creationId xmlns:a16="http://schemas.microsoft.com/office/drawing/2014/main" id="{E7ACC8CD-4378-9048-8D98-21A2B9229B32}"/>
               </a:ext>
             </a:extLst>
           </p:cNvPr>
@@ -17836,7 +17757,7 @@
           <p:cNvPr id="13" name="Picture 12">
             <a:extLst>
               <a:ext uri="{FF2B5EF4-FFF2-40B4-BE49-F238E27FC236}">
-                <a16:creationId xmlns="" xmlns:a16="http://schemas.microsoft.com/office/drawing/2014/main" id="{8241D1AC-3E3B-4B48-BA98-D299381640D0}"/>
+                <a16:creationId xmlns:a16="http://schemas.microsoft.com/office/drawing/2014/main" id="{8241D1AC-3E3B-4B48-BA98-D299381640D0}"/>
               </a:ext>
             </a:extLst>
           </p:cNvPr>
@@ -17866,7 +17787,7 @@
           <p:cNvPr id="14" name="Picture 13">
             <a:extLst>
               <a:ext uri="{FF2B5EF4-FFF2-40B4-BE49-F238E27FC236}">
-                <a16:creationId xmlns="" xmlns:a16="http://schemas.microsoft.com/office/drawing/2014/main" id="{E0EA4702-2322-264D-A590-075F66A6A62D}"/>
+                <a16:creationId xmlns:a16="http://schemas.microsoft.com/office/drawing/2014/main" id="{E0EA4702-2322-264D-A590-075F66A6A62D}"/>
               </a:ext>
             </a:extLst>
           </p:cNvPr>
@@ -17896,7 +17817,7 @@
           <p:cNvPr id="15" name="TextBox 14">
             <a:extLst>
               <a:ext uri="{FF2B5EF4-FFF2-40B4-BE49-F238E27FC236}">
-                <a16:creationId xmlns="" xmlns:a16="http://schemas.microsoft.com/office/drawing/2014/main" id="{37F33105-3CB6-5448-993D-18286D514369}"/>
+                <a16:creationId xmlns:a16="http://schemas.microsoft.com/office/drawing/2014/main" id="{37F33105-3CB6-5448-993D-18286D514369}"/>
               </a:ext>
             </a:extLst>
           </p:cNvPr>
@@ -17935,7 +17856,7 @@
           <p:cNvPr id="16" name="TextBox 15">
             <a:extLst>
               <a:ext uri="{FF2B5EF4-FFF2-40B4-BE49-F238E27FC236}">
-                <a16:creationId xmlns="" xmlns:a16="http://schemas.microsoft.com/office/drawing/2014/main" id="{2D9E2BE1-00EA-4649-A03B-4CA2B529D5AD}"/>
+                <a16:creationId xmlns:a16="http://schemas.microsoft.com/office/drawing/2014/main" id="{2D9E2BE1-00EA-4649-A03B-4CA2B529D5AD}"/>
               </a:ext>
             </a:extLst>
           </p:cNvPr>
@@ -17974,7 +17895,7 @@
           <p:cNvPr id="17" name="TextBox 16">
             <a:extLst>
               <a:ext uri="{FF2B5EF4-FFF2-40B4-BE49-F238E27FC236}">
-                <a16:creationId xmlns="" xmlns:a16="http://schemas.microsoft.com/office/drawing/2014/main" id="{A97E85AB-C406-4348-9B0F-C64047D9B338}"/>
+                <a16:creationId xmlns:a16="http://schemas.microsoft.com/office/drawing/2014/main" id="{A97E85AB-C406-4348-9B0F-C64047D9B338}"/>
               </a:ext>
             </a:extLst>
           </p:cNvPr>
@@ -18013,7 +17934,7 @@
           <p:cNvPr id="2" name="Rectangle 1">
             <a:extLst>
               <a:ext uri="{FF2B5EF4-FFF2-40B4-BE49-F238E27FC236}">
-                <a16:creationId xmlns="" xmlns:a16="http://schemas.microsoft.com/office/drawing/2014/main" id="{E3222E19-2670-4835-9385-7B4B7C92EB90}"/>
+                <a16:creationId xmlns:a16="http://schemas.microsoft.com/office/drawing/2014/main" id="{E3222E19-2670-4835-9385-7B4B7C92EB90}"/>
               </a:ext>
             </a:extLst>
           </p:cNvPr>
@@ -18052,13 +17973,6 @@
   <p:clrMapOvr>
     <a:masterClrMapping/>
   </p:clrMapOvr>
-  <p:timing>
-    <p:tnLst>
-      <p:par>
-        <p:cTn id="1" dur="indefinite" restart="never" nodeType="tmRoot"/>
-      </p:par>
-    </p:tnLst>
-  </p:timing>
 </p:sld>
 </file>
 
@@ -18084,7 +17998,7 @@
           <p:cNvPr id="5" name="Title 1">
             <a:extLst>
               <a:ext uri="{FF2B5EF4-FFF2-40B4-BE49-F238E27FC236}">
-                <a16:creationId xmlns="" xmlns:a16="http://schemas.microsoft.com/office/drawing/2014/main" id="{B99B477F-0B4C-4A7D-8070-4D8823C41C4A}"/>
+                <a16:creationId xmlns:a16="http://schemas.microsoft.com/office/drawing/2014/main" id="{B99B477F-0B4C-4A7D-8070-4D8823C41C4A}"/>
               </a:ext>
             </a:extLst>
           </p:cNvPr>
@@ -18144,7 +18058,7 @@
           <p:cNvPr id="10" name="Content Placeholder 9">
             <a:extLst>
               <a:ext uri="{FF2B5EF4-FFF2-40B4-BE49-F238E27FC236}">
-                <a16:creationId xmlns="" xmlns:a16="http://schemas.microsoft.com/office/drawing/2014/main" id="{5D6A86AE-D427-4173-88E8-FCA663A174C3}"/>
+                <a16:creationId xmlns:a16="http://schemas.microsoft.com/office/drawing/2014/main" id="{5D6A86AE-D427-4173-88E8-FCA663A174C3}"/>
               </a:ext>
             </a:extLst>
           </p:cNvPr>
@@ -18153,12 +18067,16 @@
           </p:cNvGraphicFramePr>
           <p:nvPr>
             <p:ph sz="half" idx="1"/>
-            <p:extLst/>
+            <p:extLst>
+              <p:ext uri="{D42A27DB-BD31-4B8C-83A1-F6EECF244321}">
+                <p14:modId xmlns:p14="http://schemas.microsoft.com/office/powerpoint/2010/main" val="3351807846"/>
+              </p:ext>
+            </p:extLst>
           </p:nvPr>
         </p:nvGraphicFramePr>
         <p:xfrm>
-          <a:off x="124311" y="1494113"/>
-          <a:ext cx="5150055" cy="4069002"/>
+          <a:off x="0" y="1494112"/>
+          <a:ext cx="5353878" cy="4069002"/>
         </p:xfrm>
         <a:graphic>
           <a:graphicData uri="http://schemas.openxmlformats.org/drawingml/2006/table">
@@ -18167,38 +18085,38 @@
                 <a:tableStyleId>{5C22544A-7EE6-4342-B048-85BDC9FD1C3A}</a:tableStyleId>
               </a:tblPr>
               <a:tblGrid>
-                <a:gridCol w="1359932">
+                <a:gridCol w="1338470">
                   <a:extLst>
                     <a:ext uri="{9D8B030D-6E8A-4147-A177-3AD203B41FA5}">
-                      <a16:colId xmlns="" xmlns:a16="http://schemas.microsoft.com/office/drawing/2014/main" val="3783705459"/>
+                      <a16:colId xmlns:a16="http://schemas.microsoft.com/office/drawing/2014/main" val="3783705459"/>
                     </a:ext>
                   </a:extLst>
                 </a:gridCol>
-                <a:gridCol w="808383">
+                <a:gridCol w="834887">
                   <a:extLst>
                     <a:ext uri="{9D8B030D-6E8A-4147-A177-3AD203B41FA5}">
-                      <a16:colId xmlns="" xmlns:a16="http://schemas.microsoft.com/office/drawing/2014/main" val="842042690"/>
+                      <a16:colId xmlns:a16="http://schemas.microsoft.com/office/drawing/2014/main" val="842042690"/>
                     </a:ext>
                   </a:extLst>
                 </a:gridCol>
-                <a:gridCol w="924400">
+                <a:gridCol w="821634">
                   <a:extLst>
                     <a:ext uri="{9D8B030D-6E8A-4147-A177-3AD203B41FA5}">
-                      <a16:colId xmlns="" xmlns:a16="http://schemas.microsoft.com/office/drawing/2014/main" val="517438777"/>
+                      <a16:colId xmlns:a16="http://schemas.microsoft.com/office/drawing/2014/main" val="517438777"/>
                     </a:ext>
                   </a:extLst>
                 </a:gridCol>
-                <a:gridCol w="1089931">
+                <a:gridCol w="1219200">
                   <a:extLst>
                     <a:ext uri="{9D8B030D-6E8A-4147-A177-3AD203B41FA5}">
-                      <a16:colId xmlns="" xmlns:a16="http://schemas.microsoft.com/office/drawing/2014/main" val="605560446"/>
+                      <a16:colId xmlns:a16="http://schemas.microsoft.com/office/drawing/2014/main" val="605560446"/>
                     </a:ext>
                   </a:extLst>
                 </a:gridCol>
-                <a:gridCol w="967409">
+                <a:gridCol w="1139687">
                   <a:extLst>
                     <a:ext uri="{9D8B030D-6E8A-4147-A177-3AD203B41FA5}">
-                      <a16:colId xmlns="" xmlns:a16="http://schemas.microsoft.com/office/drawing/2014/main" val="2444413373"/>
+                      <a16:colId xmlns:a16="http://schemas.microsoft.com/office/drawing/2014/main" val="2444413373"/>
                     </a:ext>
                   </a:extLst>
                 </a:gridCol>
@@ -18250,7 +18168,7 @@
                     <a:p>
                       <a:r>
                         <a:rPr lang="en-US" dirty="0"/>
-                        <a:t>Accuracy</a:t>
+                        <a:t>Sensitivity</a:t>
                       </a:r>
                     </a:p>
                   </a:txBody>
@@ -18271,7 +18189,7 @@
                 </a:tc>
                 <a:extLst>
                   <a:ext uri="{0D108BD9-81ED-4DB2-BD59-A6C34878D82A}">
-                    <a16:rowId xmlns="" xmlns:a16="http://schemas.microsoft.com/office/drawing/2014/main" val="2449312198"/>
+                    <a16:rowId xmlns:a16="http://schemas.microsoft.com/office/drawing/2014/main" val="2449312198"/>
                   </a:ext>
                 </a:extLst>
               </a:tr>
@@ -18351,7 +18269,7 @@
                 </a:tc>
                 <a:extLst>
                   <a:ext uri="{0D108BD9-81ED-4DB2-BD59-A6C34878D82A}">
-                    <a16:rowId xmlns="" xmlns:a16="http://schemas.microsoft.com/office/drawing/2014/main" val="3917471711"/>
+                    <a16:rowId xmlns:a16="http://schemas.microsoft.com/office/drawing/2014/main" val="3917471711"/>
                   </a:ext>
                 </a:extLst>
               </a:tr>
@@ -18431,7 +18349,7 @@
                 </a:tc>
                 <a:extLst>
                   <a:ext uri="{0D108BD9-81ED-4DB2-BD59-A6C34878D82A}">
-                    <a16:rowId xmlns="" xmlns:a16="http://schemas.microsoft.com/office/drawing/2014/main" val="2138382457"/>
+                    <a16:rowId xmlns:a16="http://schemas.microsoft.com/office/drawing/2014/main" val="2138382457"/>
                   </a:ext>
                 </a:extLst>
               </a:tr>
@@ -18511,7 +18429,7 @@
                 </a:tc>
                 <a:extLst>
                   <a:ext uri="{0D108BD9-81ED-4DB2-BD59-A6C34878D82A}">
-                    <a16:rowId xmlns="" xmlns:a16="http://schemas.microsoft.com/office/drawing/2014/main" val="828003314"/>
+                    <a16:rowId xmlns:a16="http://schemas.microsoft.com/office/drawing/2014/main" val="828003314"/>
                   </a:ext>
                 </a:extLst>
               </a:tr>
@@ -18591,7 +18509,7 @@
                 </a:tc>
                 <a:extLst>
                   <a:ext uri="{0D108BD9-81ED-4DB2-BD59-A6C34878D82A}">
-                    <a16:rowId xmlns="" xmlns:a16="http://schemas.microsoft.com/office/drawing/2014/main" val="1909103786"/>
+                    <a16:rowId xmlns:a16="http://schemas.microsoft.com/office/drawing/2014/main" val="1909103786"/>
                   </a:ext>
                 </a:extLst>
               </a:tr>
@@ -18671,7 +18589,7 @@
                 </a:tc>
                 <a:extLst>
                   <a:ext uri="{0D108BD9-81ED-4DB2-BD59-A6C34878D82A}">
-                    <a16:rowId xmlns="" xmlns:a16="http://schemas.microsoft.com/office/drawing/2014/main" val="1026246193"/>
+                    <a16:rowId xmlns:a16="http://schemas.microsoft.com/office/drawing/2014/main" val="1026246193"/>
                   </a:ext>
                 </a:extLst>
               </a:tr>
@@ -18751,7 +18669,7 @@
                 </a:tc>
                 <a:extLst>
                   <a:ext uri="{0D108BD9-81ED-4DB2-BD59-A6C34878D82A}">
-                    <a16:rowId xmlns="" xmlns:a16="http://schemas.microsoft.com/office/drawing/2014/main" val="3862785627"/>
+                    <a16:rowId xmlns:a16="http://schemas.microsoft.com/office/drawing/2014/main" val="3862785627"/>
                   </a:ext>
                 </a:extLst>
               </a:tr>
@@ -18831,35 +18749,11 @@
                 </a:tc>
                 <a:extLst>
                   <a:ext uri="{0D108BD9-81ED-4DB2-BD59-A6C34878D82A}">
-                    <a16:rowId xmlns="" xmlns:a16="http://schemas.microsoft.com/office/drawing/2014/main" val="424314168"/>
+                    <a16:rowId xmlns:a16="http://schemas.microsoft.com/office/drawing/2014/main" val="424314168"/>
                   </a:ext>
                 </a:extLst>
               </a:tr>
             </a:tbl>
-          </a:graphicData>
-        </a:graphic>
-      </p:graphicFrame>
-      <p:graphicFrame>
-        <p:nvGraphicFramePr>
-          <p:cNvPr id="8" name="Chart 7">
-            <a:extLst>
-              <a:ext uri="{FF2B5EF4-FFF2-40B4-BE49-F238E27FC236}">
-                <a16:creationId xmlns="" xmlns:a16="http://schemas.microsoft.com/office/drawing/2014/main" id="{9E688850-28F2-489F-976F-A42EEF4C4843}"/>
-              </a:ext>
-            </a:extLst>
-          </p:cNvPr>
-          <p:cNvGraphicFramePr>
-            <a:graphicFrameLocks/>
-          </p:cNvGraphicFramePr>
-          <p:nvPr/>
-        </p:nvGraphicFramePr>
-        <p:xfrm>
-          <a:off x="5512903" y="1494112"/>
-          <a:ext cx="6554785" cy="4069001"/>
-        </p:xfrm>
-        <a:graphic>
-          <a:graphicData uri="http://schemas.openxmlformats.org/drawingml/2006/chart">
-            <c:chart xmlns:c="http://schemas.openxmlformats.org/drawingml/2006/chart" xmlns:r="http://schemas.openxmlformats.org/officeDocument/2006/relationships" r:id="rId2"/>
           </a:graphicData>
         </a:graphic>
       </p:graphicFrame>
@@ -18868,7 +18762,7 @@
           <p:cNvPr id="9" name="Title 1">
             <a:extLst>
               <a:ext uri="{FF2B5EF4-FFF2-40B4-BE49-F238E27FC236}">
-                <a16:creationId xmlns="" xmlns:a16="http://schemas.microsoft.com/office/drawing/2014/main" id="{FEBE41B7-7353-46C9-9FA8-81E2B315AE1F}"/>
+                <a16:creationId xmlns:a16="http://schemas.microsoft.com/office/drawing/2014/main" id="{FEBE41B7-7353-46C9-9FA8-81E2B315AE1F}"/>
               </a:ext>
             </a:extLst>
           </p:cNvPr>
@@ -18917,6 +18811,36 @@
           </a:p>
         </p:txBody>
       </p:sp>
+      <p:graphicFrame>
+        <p:nvGraphicFramePr>
+          <p:cNvPr id="6" name="Chart 5">
+            <a:extLst>
+              <a:ext uri="{FF2B5EF4-FFF2-40B4-BE49-F238E27FC236}">
+                <a16:creationId xmlns:a16="http://schemas.microsoft.com/office/drawing/2014/main" id="{9E688850-28F2-489F-976F-A42EEF4C4843}"/>
+              </a:ext>
+            </a:extLst>
+          </p:cNvPr>
+          <p:cNvGraphicFramePr>
+            <a:graphicFrameLocks/>
+          </p:cNvGraphicFramePr>
+          <p:nvPr>
+            <p:extLst>
+              <p:ext uri="{D42A27DB-BD31-4B8C-83A1-F6EECF244321}">
+                <p14:modId xmlns:p14="http://schemas.microsoft.com/office/powerpoint/2010/main" val="1763806358"/>
+              </p:ext>
+            </p:extLst>
+          </p:nvPr>
+        </p:nvGraphicFramePr>
+        <p:xfrm>
+          <a:off x="5652052" y="1494112"/>
+          <a:ext cx="6102626" cy="4069001"/>
+        </p:xfrm>
+        <a:graphic>
+          <a:graphicData uri="http://schemas.openxmlformats.org/drawingml/2006/chart">
+            <c:chart xmlns:c="http://schemas.openxmlformats.org/drawingml/2006/chart" xmlns:r="http://schemas.openxmlformats.org/officeDocument/2006/relationships" r:id="rId2"/>
+          </a:graphicData>
+        </a:graphic>
+      </p:graphicFrame>
     </p:spTree>
     <p:extLst>
       <p:ext uri="{BB962C8B-B14F-4D97-AF65-F5344CB8AC3E}">
@@ -18927,13 +18851,6 @@
   <p:clrMapOvr>
     <a:masterClrMapping/>
   </p:clrMapOvr>
-  <p:timing>
-    <p:tnLst>
-      <p:par>
-        <p:cTn id="1" dur="indefinite" restart="never" nodeType="tmRoot"/>
-      </p:par>
-    </p:tnLst>
-  </p:timing>
 </p:sld>
 </file>
 
@@ -18959,7 +18876,7 @@
           <p:cNvPr id="2" name="Title 1">
             <a:extLst>
               <a:ext uri="{FF2B5EF4-FFF2-40B4-BE49-F238E27FC236}">
-                <a16:creationId xmlns="" xmlns:a16="http://schemas.microsoft.com/office/drawing/2014/main" id="{3BB733D1-7FBB-48C7-A6BD-F5EB626F366D}"/>
+                <a16:creationId xmlns:a16="http://schemas.microsoft.com/office/drawing/2014/main" id="{3BB733D1-7FBB-48C7-A6BD-F5EB626F366D}"/>
               </a:ext>
             </a:extLst>
           </p:cNvPr>
@@ -19001,7 +18918,7 @@
           <p:cNvPr id="3" name="Content Placeholder 2">
             <a:extLst>
               <a:ext uri="{FF2B5EF4-FFF2-40B4-BE49-F238E27FC236}">
-                <a16:creationId xmlns="" xmlns:a16="http://schemas.microsoft.com/office/drawing/2014/main" id="{F02F2CBD-4339-4157-BB42-3B1DDAC0E7B1}"/>
+                <a16:creationId xmlns:a16="http://schemas.microsoft.com/office/drawing/2014/main" id="{F02F2CBD-4339-4157-BB42-3B1DDAC0E7B1}"/>
               </a:ext>
             </a:extLst>
           </p:cNvPr>
@@ -19040,7 +18957,7 @@
           <p:cNvPr id="27" name="Content Placeholder 26">
             <a:extLst>
               <a:ext uri="{FF2B5EF4-FFF2-40B4-BE49-F238E27FC236}">
-                <a16:creationId xmlns="" xmlns:a16="http://schemas.microsoft.com/office/drawing/2014/main" id="{A88BA9CF-19EF-4963-88AD-58682BBABEAB}"/>
+                <a16:creationId xmlns:a16="http://schemas.microsoft.com/office/drawing/2014/main" id="{A88BA9CF-19EF-4963-88AD-58682BBABEAB}"/>
               </a:ext>
             </a:extLst>
           </p:cNvPr>
@@ -19072,7 +18989,7 @@
           <p:cNvPr id="5" name="Picture 2">
             <a:extLst>
               <a:ext uri="{FF2B5EF4-FFF2-40B4-BE49-F238E27FC236}">
-                <a16:creationId xmlns="" xmlns:a16="http://schemas.microsoft.com/office/drawing/2014/main" id="{0BAD14BD-27E8-41D6-9B1A-0403F310BCD2}"/>
+                <a16:creationId xmlns:a16="http://schemas.microsoft.com/office/drawing/2014/main" id="{0BAD14BD-27E8-41D6-9B1A-0403F310BCD2}"/>
               </a:ext>
             </a:extLst>
           </p:cNvPr>
@@ -19119,7 +19036,7 @@
           <p:cNvPr id="7" name="Title 1">
             <a:extLst>
               <a:ext uri="{FF2B5EF4-FFF2-40B4-BE49-F238E27FC236}">
-                <a16:creationId xmlns="" xmlns:a16="http://schemas.microsoft.com/office/drawing/2014/main" id="{075EAB31-FB4F-49F3-A379-A3422927C8A3}"/>
+                <a16:creationId xmlns:a16="http://schemas.microsoft.com/office/drawing/2014/main" id="{075EAB31-FB4F-49F3-A379-A3422927C8A3}"/>
               </a:ext>
             </a:extLst>
           </p:cNvPr>
@@ -19178,13 +19095,6 @@
   <p:clrMapOvr>
     <a:masterClrMapping/>
   </p:clrMapOvr>
-  <p:timing>
-    <p:tnLst>
-      <p:par>
-        <p:cTn id="1" dur="indefinite" restart="never" nodeType="tmRoot"/>
-      </p:par>
-    </p:tnLst>
-  </p:timing>
 </p:sld>
 </file>
 
@@ -19226,16 +19136,12 @@
           <a:lstStyle/>
           <a:p>
             <a:r>
-              <a:rPr lang="en-IN" dirty="0" err="1" smtClean="0"/>
+              <a:rPr lang="en-IN" dirty="0" err="1"/>
               <a:t>LogiSTIC</a:t>
             </a:r>
             <a:r>
-              <a:rPr lang="en-IN" dirty="0" smtClean="0"/>
-              <a:t> </a:t>
-            </a:r>
-            <a:r>
               <a:rPr lang="en-IN" dirty="0"/>
-              <a:t>regression</a:t>
+              <a:t> regression</a:t>
             </a:r>
           </a:p>
         </p:txBody>
@@ -19282,7 +19188,7 @@
           <p:cNvPr id="5" name="Content Placeholder 4">
             <a:extLst>
               <a:ext uri="{FF2B5EF4-FFF2-40B4-BE49-F238E27FC236}">
-                <a16:creationId xmlns="" xmlns:a16="http://schemas.microsoft.com/office/drawing/2014/main" id="{CEA01515-E5CF-4375-887A-C99FA93FB9F3}"/>
+                <a16:creationId xmlns:a16="http://schemas.microsoft.com/office/drawing/2014/main" id="{CEA01515-E5CF-4375-887A-C99FA93FB9F3}"/>
               </a:ext>
             </a:extLst>
           </p:cNvPr>
@@ -19324,13 +19230,6 @@
   <p:clrMapOvr>
     <a:masterClrMapping/>
   </p:clrMapOvr>
-  <p:timing>
-    <p:tnLst>
-      <p:par>
-        <p:cTn id="1" dur="indefinite" restart="never" nodeType="tmRoot"/>
-      </p:par>
-    </p:tnLst>
-  </p:timing>
 </p:sld>
 </file>
 
@@ -19356,7 +19255,7 @@
           <p:cNvPr id="2" name="Title 1">
             <a:extLst>
               <a:ext uri="{FF2B5EF4-FFF2-40B4-BE49-F238E27FC236}">
-                <a16:creationId xmlns="" xmlns:a16="http://schemas.microsoft.com/office/drawing/2014/main" id="{DACA88CE-21C6-4B0E-A7F8-45202789E753}"/>
+                <a16:creationId xmlns:a16="http://schemas.microsoft.com/office/drawing/2014/main" id="{DACA88CE-21C6-4B0E-A7F8-45202789E753}"/>
               </a:ext>
             </a:extLst>
           </p:cNvPr>
@@ -19386,10 +19285,6 @@
             <a:br>
               <a:rPr lang="en-US" sz="1100" dirty="0"/>
             </a:br>
-            <a:r>
-              <a:rPr lang="en-US" dirty="0"/>
-              <a:t/>
-            </a:r>
             <a:br>
               <a:rPr lang="en-US" dirty="0"/>
             </a:br>
@@ -19405,7 +19300,7 @@
           <p:cNvPr id="11" name="Content Placeholder 10">
             <a:extLst>
               <a:ext uri="{FF2B5EF4-FFF2-40B4-BE49-F238E27FC236}">
-                <a16:creationId xmlns="" xmlns:a16="http://schemas.microsoft.com/office/drawing/2014/main" id="{C9D5AF68-48D5-4964-B0F7-EDAD0AF4E91B}"/>
+                <a16:creationId xmlns:a16="http://schemas.microsoft.com/office/drawing/2014/main" id="{C9D5AF68-48D5-4964-B0F7-EDAD0AF4E91B}"/>
               </a:ext>
             </a:extLst>
           </p:cNvPr>
@@ -19446,7 +19341,7 @@
           <p:cNvPr id="95" name="TextBox 94">
             <a:extLst>
               <a:ext uri="{FF2B5EF4-FFF2-40B4-BE49-F238E27FC236}">
-                <a16:creationId xmlns="" xmlns:a16="http://schemas.microsoft.com/office/drawing/2014/main" id="{36250FDF-D265-4116-B257-821CB85249D1}"/>
+                <a16:creationId xmlns:a16="http://schemas.microsoft.com/office/drawing/2014/main" id="{36250FDF-D265-4116-B257-821CB85249D1}"/>
               </a:ext>
             </a:extLst>
           </p:cNvPr>
@@ -19481,7 +19376,7 @@
           <p:cNvPr id="1026" name="Picture 2">
             <a:extLst>
               <a:ext uri="{FF2B5EF4-FFF2-40B4-BE49-F238E27FC236}">
-                <a16:creationId xmlns="" xmlns:a16="http://schemas.microsoft.com/office/drawing/2014/main" id="{84928578-FD19-42E7-9C50-8CCB85A604C6}"/>
+                <a16:creationId xmlns:a16="http://schemas.microsoft.com/office/drawing/2014/main" id="{84928578-FD19-42E7-9C50-8CCB85A604C6}"/>
               </a:ext>
             </a:extLst>
           </p:cNvPr>
@@ -19528,7 +19423,7 @@
           <p:cNvPr id="98" name="TextBox 97">
             <a:extLst>
               <a:ext uri="{FF2B5EF4-FFF2-40B4-BE49-F238E27FC236}">
-                <a16:creationId xmlns="" xmlns:a16="http://schemas.microsoft.com/office/drawing/2014/main" id="{52C55EC9-4C6E-4C8C-B14B-8A8595706254}"/>
+                <a16:creationId xmlns:a16="http://schemas.microsoft.com/office/drawing/2014/main" id="{52C55EC9-4C6E-4C8C-B14B-8A8595706254}"/>
               </a:ext>
             </a:extLst>
           </p:cNvPr>
@@ -19563,7 +19458,7 @@
           <p:cNvPr id="1032" name="Picture 8">
             <a:extLst>
               <a:ext uri="{FF2B5EF4-FFF2-40B4-BE49-F238E27FC236}">
-                <a16:creationId xmlns="" xmlns:a16="http://schemas.microsoft.com/office/drawing/2014/main" id="{93A0FFA9-C998-417C-9222-B1BFE76E1C43}"/>
+                <a16:creationId xmlns:a16="http://schemas.microsoft.com/office/drawing/2014/main" id="{93A0FFA9-C998-417C-9222-B1BFE76E1C43}"/>
               </a:ext>
             </a:extLst>
           </p:cNvPr>
@@ -19610,7 +19505,7 @@
           <p:cNvPr id="1034" name="Picture 10">
             <a:extLst>
               <a:ext uri="{FF2B5EF4-FFF2-40B4-BE49-F238E27FC236}">
-                <a16:creationId xmlns="" xmlns:a16="http://schemas.microsoft.com/office/drawing/2014/main" id="{B015BE2C-8D5D-4D65-91E1-2F618FF8008A}"/>
+                <a16:creationId xmlns:a16="http://schemas.microsoft.com/office/drawing/2014/main" id="{B015BE2C-8D5D-4D65-91E1-2F618FF8008A}"/>
               </a:ext>
             </a:extLst>
           </p:cNvPr>
@@ -19657,7 +19552,7 @@
           <p:cNvPr id="102" name="TextBox 101">
             <a:extLst>
               <a:ext uri="{FF2B5EF4-FFF2-40B4-BE49-F238E27FC236}">
-                <a16:creationId xmlns="" xmlns:a16="http://schemas.microsoft.com/office/drawing/2014/main" id="{9AEF156E-97E4-4AA2-BFCE-4CAA07D0DB51}"/>
+                <a16:creationId xmlns:a16="http://schemas.microsoft.com/office/drawing/2014/main" id="{9AEF156E-97E4-4AA2-BFCE-4CAA07D0DB51}"/>
               </a:ext>
             </a:extLst>
           </p:cNvPr>
@@ -19692,7 +19587,7 @@
           <p:cNvPr id="1036" name="Picture 12">
             <a:extLst>
               <a:ext uri="{FF2B5EF4-FFF2-40B4-BE49-F238E27FC236}">
-                <a16:creationId xmlns="" xmlns:a16="http://schemas.microsoft.com/office/drawing/2014/main" id="{782BFC45-43D6-46F2-96F4-600B5F61AA22}"/>
+                <a16:creationId xmlns:a16="http://schemas.microsoft.com/office/drawing/2014/main" id="{782BFC45-43D6-46F2-96F4-600B5F61AA22}"/>
               </a:ext>
             </a:extLst>
           </p:cNvPr>
@@ -19739,7 +19634,7 @@
           <p:cNvPr id="104" name="TextBox 103">
             <a:extLst>
               <a:ext uri="{FF2B5EF4-FFF2-40B4-BE49-F238E27FC236}">
-                <a16:creationId xmlns="" xmlns:a16="http://schemas.microsoft.com/office/drawing/2014/main" id="{5DB10A30-A1B8-4EFE-B7C1-3FB48DB2977E}"/>
+                <a16:creationId xmlns:a16="http://schemas.microsoft.com/office/drawing/2014/main" id="{5DB10A30-A1B8-4EFE-B7C1-3FB48DB2977E}"/>
               </a:ext>
             </a:extLst>
           </p:cNvPr>
@@ -19774,7 +19669,7 @@
           <p:cNvPr id="1038" name="Picture 14">
             <a:extLst>
               <a:ext uri="{FF2B5EF4-FFF2-40B4-BE49-F238E27FC236}">
-                <a16:creationId xmlns="" xmlns:a16="http://schemas.microsoft.com/office/drawing/2014/main" id="{A10E9C77-1432-44F2-86E0-4E7F4B45E32F}"/>
+                <a16:creationId xmlns:a16="http://schemas.microsoft.com/office/drawing/2014/main" id="{A10E9C77-1432-44F2-86E0-4E7F4B45E32F}"/>
               </a:ext>
             </a:extLst>
           </p:cNvPr>
@@ -19821,7 +19716,7 @@
           <p:cNvPr id="106" name="TextBox 105">
             <a:extLst>
               <a:ext uri="{FF2B5EF4-FFF2-40B4-BE49-F238E27FC236}">
-                <a16:creationId xmlns="" xmlns:a16="http://schemas.microsoft.com/office/drawing/2014/main" id="{9FBDCC94-59CF-421F-B3FA-56E0818EB7ED}"/>
+                <a16:creationId xmlns:a16="http://schemas.microsoft.com/office/drawing/2014/main" id="{9FBDCC94-59CF-421F-B3FA-56E0818EB7ED}"/>
               </a:ext>
             </a:extLst>
           </p:cNvPr>
@@ -19856,7 +19751,7 @@
           <p:cNvPr id="1040" name="Picture 16">
             <a:extLst>
               <a:ext uri="{FF2B5EF4-FFF2-40B4-BE49-F238E27FC236}">
-                <a16:creationId xmlns="" xmlns:a16="http://schemas.microsoft.com/office/drawing/2014/main" id="{DA046BF2-8A42-4DFC-9BF7-2251A2C4231C}"/>
+                <a16:creationId xmlns:a16="http://schemas.microsoft.com/office/drawing/2014/main" id="{DA046BF2-8A42-4DFC-9BF7-2251A2C4231C}"/>
               </a:ext>
             </a:extLst>
           </p:cNvPr>
@@ -19903,7 +19798,7 @@
           <p:cNvPr id="108" name="TextBox 107">
             <a:extLst>
               <a:ext uri="{FF2B5EF4-FFF2-40B4-BE49-F238E27FC236}">
-                <a16:creationId xmlns="" xmlns:a16="http://schemas.microsoft.com/office/drawing/2014/main" id="{CEB30713-83E9-4CCD-A210-85ABFD7AB932}"/>
+                <a16:creationId xmlns:a16="http://schemas.microsoft.com/office/drawing/2014/main" id="{CEB30713-83E9-4CCD-A210-85ABFD7AB932}"/>
               </a:ext>
             </a:extLst>
           </p:cNvPr>
@@ -19938,7 +19833,7 @@
           <p:cNvPr id="1042" name="Picture 18">
             <a:extLst>
               <a:ext uri="{FF2B5EF4-FFF2-40B4-BE49-F238E27FC236}">
-                <a16:creationId xmlns="" xmlns:a16="http://schemas.microsoft.com/office/drawing/2014/main" id="{ADF0DF46-7F16-470B-B518-2F1FADB4A966}"/>
+                <a16:creationId xmlns:a16="http://schemas.microsoft.com/office/drawing/2014/main" id="{ADF0DF46-7F16-470B-B518-2F1FADB4A966}"/>
               </a:ext>
             </a:extLst>
           </p:cNvPr>
@@ -19985,7 +19880,7 @@
           <p:cNvPr id="149" name="TextBox 148">
             <a:extLst>
               <a:ext uri="{FF2B5EF4-FFF2-40B4-BE49-F238E27FC236}">
-                <a16:creationId xmlns="" xmlns:a16="http://schemas.microsoft.com/office/drawing/2014/main" id="{68522CFD-107C-4247-9728-4A68E195B408}"/>
+                <a16:creationId xmlns:a16="http://schemas.microsoft.com/office/drawing/2014/main" id="{68522CFD-107C-4247-9728-4A68E195B408}"/>
               </a:ext>
             </a:extLst>
           </p:cNvPr>
@@ -20020,7 +19915,7 @@
           <p:cNvPr id="1048" name="Picture 24">
             <a:extLst>
               <a:ext uri="{FF2B5EF4-FFF2-40B4-BE49-F238E27FC236}">
-                <a16:creationId xmlns="" xmlns:a16="http://schemas.microsoft.com/office/drawing/2014/main" id="{847D86FF-DE63-4D48-A212-1EA7D13D003F}"/>
+                <a16:creationId xmlns:a16="http://schemas.microsoft.com/office/drawing/2014/main" id="{847D86FF-DE63-4D48-A212-1EA7D13D003F}"/>
               </a:ext>
             </a:extLst>
           </p:cNvPr>
@@ -20067,7 +19962,7 @@
           <p:cNvPr id="1052" name="Picture 28">
             <a:extLst>
               <a:ext uri="{FF2B5EF4-FFF2-40B4-BE49-F238E27FC236}">
-                <a16:creationId xmlns="" xmlns:a16="http://schemas.microsoft.com/office/drawing/2014/main" id="{CBC2979F-211D-417C-A3D0-1D5B996F727F}"/>
+                <a16:creationId xmlns:a16="http://schemas.microsoft.com/office/drawing/2014/main" id="{CBC2979F-211D-417C-A3D0-1D5B996F727F}"/>
               </a:ext>
             </a:extLst>
           </p:cNvPr>
@@ -20114,7 +20009,7 @@
           <p:cNvPr id="20" name="Content Placeholder 10">
             <a:extLst>
               <a:ext uri="{FF2B5EF4-FFF2-40B4-BE49-F238E27FC236}">
-                <a16:creationId xmlns="" xmlns:a16="http://schemas.microsoft.com/office/drawing/2014/main" id="{4CA7FA2E-56EA-4B26-9F0F-657A4E28F0D9}"/>
+                <a16:creationId xmlns:a16="http://schemas.microsoft.com/office/drawing/2014/main" id="{4CA7FA2E-56EA-4B26-9F0F-657A4E28F0D9}"/>
               </a:ext>
             </a:extLst>
           </p:cNvPr>
@@ -20353,13 +20248,6 @@
   <p:clrMapOvr>
     <a:masterClrMapping/>
   </p:clrMapOvr>
-  <p:timing>
-    <p:tnLst>
-      <p:par>
-        <p:cTn id="1" dur="indefinite" restart="never" nodeType="tmRoot"/>
-      </p:par>
-    </p:tnLst>
-  </p:timing>
 </p:sld>
 </file>
 
@@ -20390,7 +20278,7 @@
           <p:cNvPr id="2" name="Title 1">
             <a:extLst>
               <a:ext uri="{FF2B5EF4-FFF2-40B4-BE49-F238E27FC236}">
-                <a16:creationId xmlns="" xmlns:a16="http://schemas.microsoft.com/office/drawing/2014/main" id="{DACA88CE-21C6-4B0E-A7F8-45202789E753}"/>
+                <a16:creationId xmlns:a16="http://schemas.microsoft.com/office/drawing/2014/main" id="{DACA88CE-21C6-4B0E-A7F8-45202789E753}"/>
               </a:ext>
             </a:extLst>
           </p:cNvPr>
@@ -20425,7 +20313,7 @@
           <p:cNvPr id="11" name="Content Placeholder 10">
             <a:extLst>
               <a:ext uri="{FF2B5EF4-FFF2-40B4-BE49-F238E27FC236}">
-                <a16:creationId xmlns="" xmlns:a16="http://schemas.microsoft.com/office/drawing/2014/main" id="{C9D5AF68-48D5-4964-B0F7-EDAD0AF4E91B}"/>
+                <a16:creationId xmlns:a16="http://schemas.microsoft.com/office/drawing/2014/main" id="{C9D5AF68-48D5-4964-B0F7-EDAD0AF4E91B}"/>
               </a:ext>
             </a:extLst>
           </p:cNvPr>
@@ -20486,7 +20374,7 @@
           <p:cNvPr id="9" name="Content Placeholder 5">
             <a:extLst>
               <a:ext uri="{FF2B5EF4-FFF2-40B4-BE49-F238E27FC236}">
-                <a16:creationId xmlns="" xmlns:a16="http://schemas.microsoft.com/office/drawing/2014/main" id="{F6ABF9AC-1FAF-4D9A-A63D-4850602B059C}"/>
+                <a16:creationId xmlns:a16="http://schemas.microsoft.com/office/drawing/2014/main" id="{F6ABF9AC-1FAF-4D9A-A63D-4850602B059C}"/>
               </a:ext>
             </a:extLst>
           </p:cNvPr>
@@ -20516,7 +20404,7 @@
           <p:cNvPr id="89" name="Title 1">
             <a:extLst>
               <a:ext uri="{FF2B5EF4-FFF2-40B4-BE49-F238E27FC236}">
-                <a16:creationId xmlns="" xmlns:a16="http://schemas.microsoft.com/office/drawing/2014/main" id="{4F0242D0-8432-47F4-9A71-222DBA46FE63}"/>
+                <a16:creationId xmlns:a16="http://schemas.microsoft.com/office/drawing/2014/main" id="{4F0242D0-8432-47F4-9A71-222DBA46FE63}"/>
               </a:ext>
             </a:extLst>
           </p:cNvPr>
@@ -20575,7 +20463,7 @@
           <p:cNvPr id="3" name="Rectangle 2">
             <a:extLst>
               <a:ext uri="{FF2B5EF4-FFF2-40B4-BE49-F238E27FC236}">
-                <a16:creationId xmlns="" xmlns:a16="http://schemas.microsoft.com/office/drawing/2014/main" id="{E41DDA01-81FC-4E63-875C-A7BE23B0077D}"/>
+                <a16:creationId xmlns:a16="http://schemas.microsoft.com/office/drawing/2014/main" id="{E41DDA01-81FC-4E63-875C-A7BE23B0077D}"/>
               </a:ext>
             </a:extLst>
           </p:cNvPr>
@@ -20619,13 +20507,6 @@
   <p:clrMapOvr>
     <a:overrideClrMapping bg1="lt1" tx1="dk1" bg2="lt2" tx2="dk2" accent1="accent1" accent2="accent2" accent3="accent3" accent4="accent4" accent5="accent5" accent6="accent6" hlink="hlink" folHlink="folHlink"/>
   </p:clrMapOvr>
-  <p:timing>
-    <p:tnLst>
-      <p:par>
-        <p:cTn id="1" dur="indefinite" restart="never" nodeType="tmRoot"/>
-      </p:par>
-    </p:tnLst>
-  </p:timing>
 </p:sld>
 </file>
 
@@ -20651,7 +20532,7 @@
           <p:cNvPr id="2" name="Title 1">
             <a:extLst>
               <a:ext uri="{FF2B5EF4-FFF2-40B4-BE49-F238E27FC236}">
-                <a16:creationId xmlns="" xmlns:a16="http://schemas.microsoft.com/office/drawing/2014/main" id="{C55C24C6-B163-4227-BDFA-DB2684557434}"/>
+                <a16:creationId xmlns:a16="http://schemas.microsoft.com/office/drawing/2014/main" id="{C55C24C6-B163-4227-BDFA-DB2684557434}"/>
               </a:ext>
             </a:extLst>
           </p:cNvPr>
@@ -20684,7 +20565,7 @@
           <p:cNvPr id="7" name="TextBox 6">
             <a:extLst>
               <a:ext uri="{FF2B5EF4-FFF2-40B4-BE49-F238E27FC236}">
-                <a16:creationId xmlns="" xmlns:a16="http://schemas.microsoft.com/office/drawing/2014/main" id="{8D0767D8-301B-0741-A1B6-F8297F8239C8}"/>
+                <a16:creationId xmlns:a16="http://schemas.microsoft.com/office/drawing/2014/main" id="{8D0767D8-301B-0741-A1B6-F8297F8239C8}"/>
               </a:ext>
             </a:extLst>
           </p:cNvPr>
@@ -20734,7 +20615,7 @@
           <p:cNvPr id="4" name="Picture 3">
             <a:extLst>
               <a:ext uri="{FF2B5EF4-FFF2-40B4-BE49-F238E27FC236}">
-                <a16:creationId xmlns="" xmlns:a16="http://schemas.microsoft.com/office/drawing/2014/main" id="{52C56562-CF38-2D43-BDA9-EEE249A4623B}"/>
+                <a16:creationId xmlns:a16="http://schemas.microsoft.com/office/drawing/2014/main" id="{52C56562-CF38-2D43-BDA9-EEE249A4623B}"/>
               </a:ext>
             </a:extLst>
           </p:cNvPr>
@@ -20764,7 +20645,7 @@
           <p:cNvPr id="6" name="TextBox 5">
             <a:extLst>
               <a:ext uri="{FF2B5EF4-FFF2-40B4-BE49-F238E27FC236}">
-                <a16:creationId xmlns="" xmlns:a16="http://schemas.microsoft.com/office/drawing/2014/main" id="{0C603B1F-1F97-3F47-A1FB-49F34A0EE4CD}"/>
+                <a16:creationId xmlns:a16="http://schemas.microsoft.com/office/drawing/2014/main" id="{0C603B1F-1F97-3F47-A1FB-49F34A0EE4CD}"/>
               </a:ext>
             </a:extLst>
           </p:cNvPr>
@@ -20799,7 +20680,7 @@
           <p:cNvPr id="8" name="Picture 7">
             <a:extLst>
               <a:ext uri="{FF2B5EF4-FFF2-40B4-BE49-F238E27FC236}">
-                <a16:creationId xmlns="" xmlns:a16="http://schemas.microsoft.com/office/drawing/2014/main" id="{4F12DBDF-1060-474A-8A8F-FCC1497E6E0D}"/>
+                <a16:creationId xmlns:a16="http://schemas.microsoft.com/office/drawing/2014/main" id="{4F12DBDF-1060-474A-8A8F-FCC1497E6E0D}"/>
               </a:ext>
             </a:extLst>
           </p:cNvPr>
@@ -20829,7 +20710,7 @@
           <p:cNvPr id="9" name="TextBox 8">
             <a:extLst>
               <a:ext uri="{FF2B5EF4-FFF2-40B4-BE49-F238E27FC236}">
-                <a16:creationId xmlns="" xmlns:a16="http://schemas.microsoft.com/office/drawing/2014/main" id="{0C67FCF7-2BF8-C14B-B7D9-A01E4568A068}"/>
+                <a16:creationId xmlns:a16="http://schemas.microsoft.com/office/drawing/2014/main" id="{0C67FCF7-2BF8-C14B-B7D9-A01E4568A068}"/>
               </a:ext>
             </a:extLst>
           </p:cNvPr>
@@ -20870,7 +20751,7 @@
           <p:cNvPr id="11" name="Picture 10">
             <a:extLst>
               <a:ext uri="{FF2B5EF4-FFF2-40B4-BE49-F238E27FC236}">
-                <a16:creationId xmlns="" xmlns:a16="http://schemas.microsoft.com/office/drawing/2014/main" id="{3CEEFBBA-2F68-E84C-A33A-83887726A5C4}"/>
+                <a16:creationId xmlns:a16="http://schemas.microsoft.com/office/drawing/2014/main" id="{3CEEFBBA-2F68-E84C-A33A-83887726A5C4}"/>
               </a:ext>
             </a:extLst>
           </p:cNvPr>
@@ -20900,7 +20781,7 @@
           <p:cNvPr id="12" name="TextBox 11">
             <a:extLst>
               <a:ext uri="{FF2B5EF4-FFF2-40B4-BE49-F238E27FC236}">
-                <a16:creationId xmlns="" xmlns:a16="http://schemas.microsoft.com/office/drawing/2014/main" id="{0DFC4A9A-4943-CB4C-ADFB-D51C461B19C8}"/>
+                <a16:creationId xmlns:a16="http://schemas.microsoft.com/office/drawing/2014/main" id="{0DFC4A9A-4943-CB4C-ADFB-D51C461B19C8}"/>
               </a:ext>
             </a:extLst>
           </p:cNvPr>
@@ -20946,13 +20827,6 @@
   <p:clrMapOvr>
     <a:masterClrMapping/>
   </p:clrMapOvr>
-  <p:timing>
-    <p:tnLst>
-      <p:par>
-        <p:cTn id="1" dur="indefinite" restart="never" nodeType="tmRoot"/>
-      </p:par>
-    </p:tnLst>
-  </p:timing>
 </p:sld>
 </file>
 
@@ -21201,7 +21075,7 @@
   <a:extraClrSchemeLst/>
   <a:extLst>
     <a:ext uri="{05A4C25C-085E-4340-85A3-A5531E510DB2}">
-      <thm15:themeFamily xmlns="" xmlns:thm15="http://schemas.microsoft.com/office/thememl/2012/main" name="Circuit" id="{0AC2F7E7-15F5-431C-B2A2-456FE929F56C}" vid="{0911B802-464C-4241-8DD9-B60FF88E379F}"/>
+      <thm15:themeFamily xmlns:thm15="http://schemas.microsoft.com/office/thememl/2012/main" name="Circuit" id="{0AC2F7E7-15F5-431C-B2A2-456FE929F56C}" vid="{0911B802-464C-4241-8DD9-B60FF88E379F}"/>
     </a:ext>
   </a:extLst>
 </a:theme>
@@ -21462,7 +21336,7 @@
   <a:extraClrSchemeLst/>
   <a:extLst>
     <a:ext uri="{05A4C25C-085E-4340-85A3-A5531E510DB2}">
-      <thm15:themeFamily xmlns="" xmlns:thm15="http://schemas.microsoft.com/office/thememl/2012/main" name="Office Theme" id="{62F939B6-93AF-4DB8-9C6B-D6C7DFDC589F}" vid="{4A3C46E8-61CC-4603-A589-7422A47A8E4A}"/>
+      <thm15:themeFamily xmlns:thm15="http://schemas.microsoft.com/office/thememl/2012/main" name="Office Theme" id="{62F939B6-93AF-4DB8-9C6B-D6C7DFDC589F}" vid="{4A3C46E8-61CC-4603-A589-7422A47A8E4A}"/>
     </a:ext>
   </a:extLst>
 </a:theme>

--- a/Final Project 04082019.pptx
+++ b/Final Project 04082019.pptx
@@ -14577,7 +14577,7 @@
           <a:p>
             <a:r>
               <a:rPr lang="en-US" sz="2600" dirty="0"/>
-              <a:t>0=Angry,      1=Disgust,   2=Fear, 3=Happy, 4=Sad, 5=Surprise, 6=Neutral</a:t>
+              <a:t>0=Angry,      1=Disgust,   2=Fear,       3=Happy,    4=Sad,      5=Surprise, 6=Neutral</a:t>
             </a:r>
           </a:p>
         </p:txBody>

--- a/Final Project 04082019.pptx
+++ b/Final Project 04082019.pptx
@@ -123,7 +123,7 @@
   </p:defaultTextStyle>
   <p:extLst>
     <p:ext uri="{EFAFB233-063F-42B5-8137-9DF3F51BA10A}">
-      <p15:sldGuideLst xmlns:p15="http://schemas.microsoft.com/office/powerpoint/2012/main">
+      <p15:sldGuideLst xmlns:p15="http://schemas.microsoft.com/office/powerpoint/2012/main" xmlns="">
         <p15:guide id="1" orient="horz" pos="2160">
           <p15:clr>
             <a:srgbClr val="A4A3A4"/>
@@ -141,7 +141,7 @@
 </file>
 
 <file path=ppt/charts/chart1.xml><?xml version="1.0" encoding="utf-8"?>
-<c:chartSpace xmlns:c="http://schemas.openxmlformats.org/drawingml/2006/chart" xmlns:a="http://schemas.openxmlformats.org/drawingml/2006/main" xmlns:r="http://schemas.openxmlformats.org/officeDocument/2006/relationships" xmlns:c16r2="http://schemas.microsoft.com/office/drawing/2015/06/chart">
+<c:chartSpace xmlns:c="http://schemas.openxmlformats.org/drawingml/2006/chart" xmlns:a="http://schemas.openxmlformats.org/drawingml/2006/main" xmlns:r="http://schemas.openxmlformats.org/officeDocument/2006/relationships">
   <c:date1904 val="0"/>
   <c:lang val="en-US"/>
   <c:roundedCorners val="0"/>
@@ -180,6 +180,7 @@
           </a:p>
         </c:rich>
       </c:tx>
+      <c:layout/>
       <c:overlay val="0"/>
       <c:spPr>
         <a:noFill/>
@@ -188,26 +189,6 @@
         </a:ln>
         <a:effectLst/>
       </c:spPr>
-      <c:txPr>
-        <a:bodyPr rot="0" spcFirstLastPara="1" vertOverflow="ellipsis" vert="horz" wrap="square" anchor="ctr" anchorCtr="1"/>
-        <a:lstStyle/>
-        <a:p>
-          <a:pPr>
-            <a:defRPr sz="2000" b="0" i="0" u="none" strike="noStrike" kern="1200" spc="0" baseline="0">
-              <a:solidFill>
-                <a:schemeClr val="tx1">
-                  <a:lumMod val="65000"/>
-                  <a:lumOff val="35000"/>
-                </a:schemeClr>
-              </a:solidFill>
-              <a:latin typeface="+mn-lt"/>
-              <a:ea typeface="+mn-ea"/>
-              <a:cs typeface="+mn-cs"/>
-            </a:defRPr>
-          </a:pPr>
-          <a:endParaRPr lang="en-US"/>
-        </a:p>
-      </c:txPr>
     </c:title>
     <c:autoTitleDeleted val="0"/>
     <c:plotArea>
@@ -217,7 +198,7 @@
         <c:varyColors val="0"/>
         <c:ser>
           <c:idx val="1"/>
-          <c:order val="1"/>
+          <c:order val="0"/>
           <c:tx>
             <c:strRef>
               <c:f>Sheet3!$C$1</c:f>
@@ -314,7 +295,7 @@
             </c:numRef>
           </c:yVal>
           <c:smooth val="1"/>
-          <c:extLst>
+          <c:extLst xmlns:c16r2="http://schemas.microsoft.com/office/drawing/2015/06/chart">
             <c:ext xmlns:c16="http://schemas.microsoft.com/office/drawing/2014/chart" uri="{C3380CC4-5D6E-409C-BE32-E72D297353CC}">
               <c16:uniqueId val="{00000000-01DC-45A4-975D-20A33A3FD4AA}"/>
             </c:ext>
@@ -322,7 +303,7 @@
         </c:ser>
         <c:ser>
           <c:idx val="2"/>
-          <c:order val="2"/>
+          <c:order val="1"/>
           <c:tx>
             <c:strRef>
               <c:f>Sheet3!$D$1</c:f>
@@ -419,7 +400,7 @@
             </c:numRef>
           </c:yVal>
           <c:smooth val="1"/>
-          <c:extLst>
+          <c:extLst xmlns:c16r2="http://schemas.microsoft.com/office/drawing/2015/06/chart">
             <c:ext xmlns:c16="http://schemas.microsoft.com/office/drawing/2014/chart" uri="{C3380CC4-5D6E-409C-BE32-E72D297353CC}">
               <c16:uniqueId val="{00000001-01DC-45A4-975D-20A33A3FD4AA}"/>
             </c:ext>
@@ -433,9 +414,9 @@
           <c:showPercent val="0"/>
           <c:showBubbleSize val="0"/>
         </c:dLbls>
-        <c:axId val="1004845480"/>
-        <c:axId val="1004840232"/>
-        <c:extLst>
+        <c:axId val="68441216"/>
+        <c:axId val="68443520"/>
+        <c:extLst xmlns:c16r2="http://schemas.microsoft.com/office/drawing/2015/06/chart">
           <c:ext xmlns:c15="http://schemas.microsoft.com/office/drawing/2012/chart" uri="{02D57815-91ED-43cb-92C2-25804820EDAC}">
             <c15:filteredScatterSeries>
               <c15:ser>
@@ -566,7 +547,7 @@
         </c:extLst>
       </c:scatterChart>
       <c:valAx>
-        <c:axId val="1004845480"/>
+        <c:axId val="68441216"/>
         <c:scaling>
           <c:orientation val="minMax"/>
         </c:scaling>
@@ -612,6 +593,7 @@
               </a:p>
             </c:rich>
           </c:tx>
+          <c:layout/>
           <c:overlay val="0"/>
           <c:spPr>
             <a:noFill/>
@@ -620,26 +602,6 @@
             </a:ln>
             <a:effectLst/>
           </c:spPr>
-          <c:txPr>
-            <a:bodyPr rot="0" spcFirstLastPara="1" vertOverflow="ellipsis" vert="horz" wrap="square" anchor="ctr" anchorCtr="1"/>
-            <a:lstStyle/>
-            <a:p>
-              <a:pPr>
-                <a:defRPr sz="1800" b="0" i="0" u="none" strike="noStrike" kern="1200" baseline="0">
-                  <a:solidFill>
-                    <a:schemeClr val="tx1">
-                      <a:lumMod val="65000"/>
-                      <a:lumOff val="35000"/>
-                    </a:schemeClr>
-                  </a:solidFill>
-                  <a:latin typeface="+mn-lt"/>
-                  <a:ea typeface="+mn-ea"/>
-                  <a:cs typeface="+mn-cs"/>
-                </a:defRPr>
-              </a:pPr>
-              <a:endParaRPr lang="en-US"/>
-            </a:p>
-          </c:txPr>
         </c:title>
         <c:numFmt formatCode="@" sourceLinked="0"/>
         <c:majorTickMark val="none"/>
@@ -678,12 +640,12 @@
             <a:endParaRPr lang="en-US"/>
           </a:p>
         </c:txPr>
-        <c:crossAx val="1004840232"/>
+        <c:crossAx val="68443520"/>
         <c:crosses val="autoZero"/>
         <c:crossBetween val="midCat"/>
       </c:valAx>
       <c:valAx>
-        <c:axId val="1004840232"/>
+        <c:axId val="68443520"/>
         <c:scaling>
           <c:orientation val="minMax"/>
         </c:scaling>
@@ -729,6 +691,7 @@
               </a:p>
             </c:rich>
           </c:tx>
+          <c:layout/>
           <c:overlay val="0"/>
           <c:spPr>
             <a:noFill/>
@@ -737,26 +700,6 @@
             </a:ln>
             <a:effectLst/>
           </c:spPr>
-          <c:txPr>
-            <a:bodyPr rot="-5400000" spcFirstLastPara="1" vertOverflow="ellipsis" vert="horz" wrap="square" anchor="ctr" anchorCtr="1"/>
-            <a:lstStyle/>
-            <a:p>
-              <a:pPr>
-                <a:defRPr sz="1800" b="0" i="0" u="none" strike="noStrike" kern="1200" baseline="0">
-                  <a:solidFill>
-                    <a:schemeClr val="tx1">
-                      <a:lumMod val="65000"/>
-                      <a:lumOff val="35000"/>
-                    </a:schemeClr>
-                  </a:solidFill>
-                  <a:latin typeface="+mn-lt"/>
-                  <a:ea typeface="+mn-ea"/>
-                  <a:cs typeface="+mn-cs"/>
-                </a:defRPr>
-              </a:pPr>
-              <a:endParaRPr lang="en-US"/>
-            </a:p>
-          </c:txPr>
         </c:title>
         <c:numFmt formatCode="General" sourceLinked="1"/>
         <c:majorTickMark val="none"/>
@@ -795,7 +738,7 @@
             <a:endParaRPr lang="en-US"/>
           </a:p>
         </c:txPr>
-        <c:crossAx val="1004845480"/>
+        <c:crossAx val="68441216"/>
         <c:crosses val="autoZero"/>
         <c:crossBetween val="midCat"/>
       </c:valAx>
@@ -809,6 +752,7 @@
     </c:plotArea>
     <c:legend>
       <c:legendPos val="t"/>
+      <c:layout/>
       <c:overlay val="0"/>
       <c:spPr>
         <a:noFill/>
@@ -840,14 +784,14 @@
     </c:legend>
     <c:plotVisOnly val="1"/>
     <c:dispBlanksAs val="gap"/>
-    <c:extLst>
+    <c:showDLblsOverMax val="0"/>
+    <c:extLst xmlns:c16r2="http://schemas.microsoft.com/office/drawing/2015/06/chart">
       <c:ext xmlns:c16r3="http://schemas.microsoft.com/office/drawing/2017/03/chart" uri="{56B9EC1D-385E-4148-901F-78D8002777C0}">
         <c16r3:dataDisplayOptions16>
           <c16r3:dispNaAsBlank val="1"/>
         </c16r3:dataDisplayOptions16>
       </c:ext>
     </c:extLst>
-    <c:showDLblsOverMax val="0"/>
   </c:chart>
   <c:spPr>
     <a:noFill/>
@@ -866,7 +810,7 @@
       <a:endParaRPr lang="en-US"/>
     </a:p>
   </c:txPr>
-  <c:externalData r:id="rId3">
+  <c:externalData r:id="rId1">
     <c:autoUpdate val="0"/>
   </c:externalData>
 </c:chartSpace>
@@ -14190,7 +14134,7 @@
           <p:cNvPr id="2" name="Title 1">
             <a:extLst>
               <a:ext uri="{FF2B5EF4-FFF2-40B4-BE49-F238E27FC236}">
-                <a16:creationId xmlns:a16="http://schemas.microsoft.com/office/drawing/2014/main" id="{C8971EAA-0D3C-48DE-9FFF-6A535ABFC033}"/>
+                <a16:creationId xmlns:a16="http://schemas.microsoft.com/office/drawing/2014/main" xmlns="" id="{C8971EAA-0D3C-48DE-9FFF-6A535ABFC033}"/>
               </a:ext>
             </a:extLst>
           </p:cNvPr>
@@ -14224,7 +14168,7 @@
           <p:cNvPr id="5" name="Subtitle 4">
             <a:extLst>
               <a:ext uri="{FF2B5EF4-FFF2-40B4-BE49-F238E27FC236}">
-                <a16:creationId xmlns:a16="http://schemas.microsoft.com/office/drawing/2014/main" id="{46AD44FD-08F9-4FAD-9C48-D5370D6B5C4A}"/>
+                <a16:creationId xmlns:a16="http://schemas.microsoft.com/office/drawing/2014/main" xmlns="" id="{46AD44FD-08F9-4FAD-9C48-D5370D6B5C4A}"/>
               </a:ext>
             </a:extLst>
           </p:cNvPr>
@@ -14342,7 +14286,7 @@
           <p:cNvPr id="6" name="Picture 5">
             <a:extLst>
               <a:ext uri="{FF2B5EF4-FFF2-40B4-BE49-F238E27FC236}">
-                <a16:creationId xmlns:a16="http://schemas.microsoft.com/office/drawing/2014/main" id="{C04D2CE3-FADE-4444-BF01-5877D5BCC980}"/>
+                <a16:creationId xmlns:a16="http://schemas.microsoft.com/office/drawing/2014/main" xmlns="" id="{C04D2CE3-FADE-4444-BF01-5877D5BCC980}"/>
               </a:ext>
             </a:extLst>
           </p:cNvPr>
@@ -14372,7 +14316,7 @@
           <p:cNvPr id="7" name="Picture 6">
             <a:extLst>
               <a:ext uri="{FF2B5EF4-FFF2-40B4-BE49-F238E27FC236}">
-                <a16:creationId xmlns:a16="http://schemas.microsoft.com/office/drawing/2014/main" id="{2A8D4E12-6DAC-43E1-B8A5-DAB48EDC7D6E}"/>
+                <a16:creationId xmlns:a16="http://schemas.microsoft.com/office/drawing/2014/main" xmlns="" id="{2A8D4E12-6DAC-43E1-B8A5-DAB48EDC7D6E}"/>
               </a:ext>
             </a:extLst>
           </p:cNvPr>
@@ -14402,7 +14346,7 @@
           <p:cNvPr id="8" name="Picture 7">
             <a:extLst>
               <a:ext uri="{FF2B5EF4-FFF2-40B4-BE49-F238E27FC236}">
-                <a16:creationId xmlns:a16="http://schemas.microsoft.com/office/drawing/2014/main" id="{DEC9A47A-34DF-4FB6-877F-3C1541D6D98D}"/>
+                <a16:creationId xmlns:a16="http://schemas.microsoft.com/office/drawing/2014/main" xmlns="" id="{DEC9A47A-34DF-4FB6-877F-3C1541D6D98D}"/>
               </a:ext>
             </a:extLst>
           </p:cNvPr>
@@ -14432,7 +14376,7 @@
           <p:cNvPr id="9" name="Picture 8">
             <a:extLst>
               <a:ext uri="{FF2B5EF4-FFF2-40B4-BE49-F238E27FC236}">
-                <a16:creationId xmlns:a16="http://schemas.microsoft.com/office/drawing/2014/main" id="{75A97654-9ACF-43A2-BA5E-3ACE534F6BB1}"/>
+                <a16:creationId xmlns:a16="http://schemas.microsoft.com/office/drawing/2014/main" xmlns="" id="{75A97654-9ACF-43A2-BA5E-3ACE534F6BB1}"/>
               </a:ext>
             </a:extLst>
           </p:cNvPr>
@@ -14462,7 +14406,7 @@
           <p:cNvPr id="10" name="Picture 9">
             <a:extLst>
               <a:ext uri="{FF2B5EF4-FFF2-40B4-BE49-F238E27FC236}">
-                <a16:creationId xmlns:a16="http://schemas.microsoft.com/office/drawing/2014/main" id="{9B7E195B-B314-46BB-9947-09C095EEE81B}"/>
+                <a16:creationId xmlns:a16="http://schemas.microsoft.com/office/drawing/2014/main" xmlns="" id="{9B7E195B-B314-46BB-9947-09C095EEE81B}"/>
               </a:ext>
             </a:extLst>
           </p:cNvPr>
@@ -14492,7 +14436,7 @@
           <p:cNvPr id="11" name="Picture 10">
             <a:extLst>
               <a:ext uri="{FF2B5EF4-FFF2-40B4-BE49-F238E27FC236}">
-                <a16:creationId xmlns:a16="http://schemas.microsoft.com/office/drawing/2014/main" id="{EBF10B3E-7F59-4AE2-B659-45D4C2DBBC08}"/>
+                <a16:creationId xmlns:a16="http://schemas.microsoft.com/office/drawing/2014/main" xmlns="" id="{EBF10B3E-7F59-4AE2-B659-45D4C2DBBC08}"/>
               </a:ext>
             </a:extLst>
           </p:cNvPr>
@@ -14522,7 +14466,7 @@
           <p:cNvPr id="12" name="Picture 11">
             <a:extLst>
               <a:ext uri="{FF2B5EF4-FFF2-40B4-BE49-F238E27FC236}">
-                <a16:creationId xmlns:a16="http://schemas.microsoft.com/office/drawing/2014/main" id="{F3A2CC9D-FB19-4D63-894F-B0AE04B6056D}"/>
+                <a16:creationId xmlns:a16="http://schemas.microsoft.com/office/drawing/2014/main" xmlns="" id="{F3A2CC9D-FB19-4D63-894F-B0AE04B6056D}"/>
               </a:ext>
             </a:extLst>
           </p:cNvPr>
@@ -14552,7 +14496,7 @@
           <p:cNvPr id="14" name="TextBox 13">
             <a:extLst>
               <a:ext uri="{FF2B5EF4-FFF2-40B4-BE49-F238E27FC236}">
-                <a16:creationId xmlns:a16="http://schemas.microsoft.com/office/drawing/2014/main" id="{6F9E1177-B80E-4CEF-A256-343DFAE24982}"/>
+                <a16:creationId xmlns:a16="http://schemas.microsoft.com/office/drawing/2014/main" xmlns="" id="{6F9E1177-B80E-4CEF-A256-343DFAE24982}"/>
               </a:ext>
             </a:extLst>
           </p:cNvPr>
@@ -14587,7 +14531,7 @@
           <p:cNvPr id="15" name="Picture 14" descr="A close up of a person&#10;&#10;Description generated with high confidence">
             <a:extLst>
               <a:ext uri="{FF2B5EF4-FFF2-40B4-BE49-F238E27FC236}">
-                <a16:creationId xmlns:a16="http://schemas.microsoft.com/office/drawing/2014/main" id="{C07F32E3-A0FB-4A46-BE0A-1FE74250101C}"/>
+                <a16:creationId xmlns:a16="http://schemas.microsoft.com/office/drawing/2014/main" xmlns="" id="{C07F32E3-A0FB-4A46-BE0A-1FE74250101C}"/>
               </a:ext>
             </a:extLst>
           </p:cNvPr>
@@ -14617,7 +14561,7 @@
           <p:cNvPr id="17" name="Picture 16" descr="A picture containing photo&#10;&#10;Description generated with very high confidence">
             <a:extLst>
               <a:ext uri="{FF2B5EF4-FFF2-40B4-BE49-F238E27FC236}">
-                <a16:creationId xmlns:a16="http://schemas.microsoft.com/office/drawing/2014/main" id="{AC9148D0-C74F-44E4-B41D-29D4A2B0B123}"/>
+                <a16:creationId xmlns:a16="http://schemas.microsoft.com/office/drawing/2014/main" xmlns="" id="{AC9148D0-C74F-44E4-B41D-29D4A2B0B123}"/>
               </a:ext>
             </a:extLst>
           </p:cNvPr>
@@ -14647,7 +14591,7 @@
           <p:cNvPr id="19" name="Picture 18" descr="A person smiling for the camera&#10;&#10;Description generated with very high confidence">
             <a:extLst>
               <a:ext uri="{FF2B5EF4-FFF2-40B4-BE49-F238E27FC236}">
-                <a16:creationId xmlns:a16="http://schemas.microsoft.com/office/drawing/2014/main" id="{440C74F7-58B0-47AF-8450-BD45458548EB}"/>
+                <a16:creationId xmlns:a16="http://schemas.microsoft.com/office/drawing/2014/main" xmlns="" id="{440C74F7-58B0-47AF-8450-BD45458548EB}"/>
               </a:ext>
             </a:extLst>
           </p:cNvPr>
@@ -14677,7 +14621,7 @@
           <p:cNvPr id="21" name="Picture 20" descr="A close up of a person&#10;&#10;Description generated with high confidence">
             <a:extLst>
               <a:ext uri="{FF2B5EF4-FFF2-40B4-BE49-F238E27FC236}">
-                <a16:creationId xmlns:a16="http://schemas.microsoft.com/office/drawing/2014/main" id="{824AF9CE-D05D-4241-9C6B-8F54EB22F4D1}"/>
+                <a16:creationId xmlns:a16="http://schemas.microsoft.com/office/drawing/2014/main" xmlns="" id="{824AF9CE-D05D-4241-9C6B-8F54EB22F4D1}"/>
               </a:ext>
             </a:extLst>
           </p:cNvPr>
@@ -14707,7 +14651,7 @@
           <p:cNvPr id="23" name="Picture 22" descr="A person looking at the camera&#10;&#10;Description generated with high confidence">
             <a:extLst>
               <a:ext uri="{FF2B5EF4-FFF2-40B4-BE49-F238E27FC236}">
-                <a16:creationId xmlns:a16="http://schemas.microsoft.com/office/drawing/2014/main" id="{2AB9534A-DBFA-4E4A-88E1-F278008B7DED}"/>
+                <a16:creationId xmlns:a16="http://schemas.microsoft.com/office/drawing/2014/main" xmlns="" id="{2AB9534A-DBFA-4E4A-88E1-F278008B7DED}"/>
               </a:ext>
             </a:extLst>
           </p:cNvPr>
@@ -14737,7 +14681,7 @@
           <p:cNvPr id="25" name="Picture 24">
             <a:extLst>
               <a:ext uri="{FF2B5EF4-FFF2-40B4-BE49-F238E27FC236}">
-                <a16:creationId xmlns:a16="http://schemas.microsoft.com/office/drawing/2014/main" id="{5DBB82B8-ACFA-45D8-819C-DE282D2BDA35}"/>
+                <a16:creationId xmlns:a16="http://schemas.microsoft.com/office/drawing/2014/main" xmlns="" id="{5DBB82B8-ACFA-45D8-819C-DE282D2BDA35}"/>
               </a:ext>
             </a:extLst>
           </p:cNvPr>
@@ -14767,7 +14711,7 @@
           <p:cNvPr id="27" name="Picture 26" descr="A close up of a person&#10;&#10;Description generated with very high confidence">
             <a:extLst>
               <a:ext uri="{FF2B5EF4-FFF2-40B4-BE49-F238E27FC236}">
-                <a16:creationId xmlns:a16="http://schemas.microsoft.com/office/drawing/2014/main" id="{CA17BDC1-3074-4C0E-B8E3-594B12B22EB2}"/>
+                <a16:creationId xmlns:a16="http://schemas.microsoft.com/office/drawing/2014/main" xmlns="" id="{CA17BDC1-3074-4C0E-B8E3-594B12B22EB2}"/>
               </a:ext>
             </a:extLst>
           </p:cNvPr>
@@ -14802,6 +14746,13 @@
   <p:clrMapOvr>
     <a:masterClrMapping/>
   </p:clrMapOvr>
+  <p:timing>
+    <p:tnLst>
+      <p:par>
+        <p:cTn id="1" dur="indefinite" restart="never" nodeType="tmRoot"/>
+      </p:par>
+    </p:tnLst>
+  </p:timing>
 </p:sld>
 </file>
 
@@ -14861,74 +14812,74 @@
         </p:nvSpPr>
         <p:spPr>
           <a:xfrm>
-            <a:off x="869205" y="991307"/>
-            <a:ext cx="8765126" cy="2700902"/>
+            <a:off x="869203" y="786211"/>
+            <a:ext cx="9727581" cy="2717569"/>
           </a:xfrm>
         </p:spPr>
         <p:txBody>
           <a:bodyPr>
-            <a:normAutofit fontScale="92500" lnSpcReduction="20000"/>
+            <a:noAutofit/>
           </a:bodyPr>
           <a:lstStyle/>
           <a:p>
             <a:r>
-              <a:rPr lang="en-IN" sz="1800" dirty="0"/>
+              <a:rPr lang="en-IN" sz="1700" dirty="0"/>
               <a:t>Accuracy with original 2304 components, </a:t>
             </a:r>
             <a:r>
-              <a:rPr lang="en-IN" sz="1800" b="1" dirty="0"/>
+              <a:rPr lang="en-IN" sz="1700" b="1" dirty="0"/>
               <a:t>18.86%</a:t>
             </a:r>
             <a:r>
-              <a:rPr lang="en-IN" sz="1800" dirty="0"/>
+              <a:rPr lang="en-IN" sz="1700" dirty="0"/>
               <a:t> Accuracy</a:t>
             </a:r>
           </a:p>
           <a:p>
             <a:r>
-              <a:rPr lang="en-IN" sz="1800" dirty="0"/>
+              <a:rPr lang="en-IN" sz="1700" dirty="0"/>
               <a:t>PCA 360 PCs, </a:t>
             </a:r>
             <a:r>
-              <a:rPr lang="en-IN" sz="1800" b="1" dirty="0"/>
+              <a:rPr lang="en-IN" sz="1700" b="1" dirty="0"/>
               <a:t>44.25% </a:t>
             </a:r>
             <a:r>
-              <a:rPr lang="en-IN" sz="1800" dirty="0"/>
+              <a:rPr lang="en-IN" sz="1700" dirty="0"/>
               <a:t>Accuracy</a:t>
             </a:r>
           </a:p>
           <a:p>
             <a:r>
-              <a:rPr lang="en-IN" sz="1800" dirty="0"/>
+              <a:rPr lang="en-IN" sz="1700" dirty="0"/>
               <a:t>Other approaches, using 360 PCs</a:t>
             </a:r>
           </a:p>
           <a:p>
             <a:pPr lvl="1"/>
             <a:r>
-              <a:rPr lang="en-IN" sz="1800" dirty="0"/>
+              <a:rPr lang="en-IN" sz="1700" dirty="0"/>
               <a:t>Augmented dataset with 3, 6 &amp; 10 degree rotations: 41.38% Accuracy</a:t>
             </a:r>
           </a:p>
           <a:p>
             <a:pPr lvl="1"/>
             <a:r>
-              <a:rPr lang="en-IN" sz="1800" dirty="0"/>
+              <a:rPr lang="en-IN" sz="1700" dirty="0"/>
               <a:t>Augmented dataset with 3 &amp; 6 degree rotations: 42.46% Accuracy</a:t>
             </a:r>
           </a:p>
           <a:p>
             <a:pPr lvl="1"/>
             <a:r>
-              <a:rPr lang="en-IN" sz="1800" dirty="0"/>
+              <a:rPr lang="en-IN" sz="1700" dirty="0"/>
               <a:t>Balance the training set with random over-sampling: 43.83% Accuracy</a:t>
             </a:r>
           </a:p>
           <a:p>
             <a:pPr lvl="1"/>
             <a:r>
-              <a:rPr lang="en-IN" sz="1800" dirty="0"/>
+              <a:rPr lang="en-IN" sz="1700" dirty="0"/>
               <a:t>50 iterations of random 80/20 split of training set (300 PCs): Accuracy varied 31.89% to 44.41%</a:t>
             </a:r>
           </a:p>
@@ -14936,7 +14887,7 @@
             <a:pPr marL="0" indent="0">
               <a:buNone/>
             </a:pPr>
-            <a:endParaRPr lang="en-IN" sz="1800" dirty="0"/>
+            <a:endParaRPr lang="en-IN" sz="1700" dirty="0"/>
           </a:p>
         </p:txBody>
       </p:sp>
@@ -14963,7 +14914,7 @@
         </p:blipFill>
         <p:spPr bwMode="auto">
           <a:xfrm>
-            <a:off x="4023199" y="3341406"/>
+            <a:off x="4023199" y="3589240"/>
             <a:ext cx="6197351" cy="3221295"/>
           </a:xfrm>
           <a:prstGeom prst="rect">
@@ -15002,8 +14953,8 @@
         </p:nvSpPr>
         <p:spPr>
           <a:xfrm>
-            <a:off x="1742629" y="4468237"/>
-            <a:ext cx="2034612" cy="1077218"/>
+            <a:off x="1870819" y="4690433"/>
+            <a:ext cx="2034612" cy="954107"/>
           </a:xfrm>
           <a:prstGeom prst="rect">
             <a:avLst/>
@@ -15016,8 +14967,9 @@
           </a:bodyPr>
           <a:lstStyle/>
           <a:p>
-            <a:r>
-              <a:rPr lang="en-US" sz="1600" dirty="0"/>
+            <a:pPr algn="r"/>
+            <a:r>
+              <a:rPr lang="en-US" sz="1400" dirty="0"/>
               <a:t>Scatter plot across the first two PCs, with each class shown in a separate plot</a:t>
             </a:r>
           </a:p>
@@ -15033,6 +14985,13 @@
   <p:clrMapOvr>
     <a:masterClrMapping/>
   </p:clrMapOvr>
+  <p:timing>
+    <p:tnLst>
+      <p:par>
+        <p:cTn id="1" dur="indefinite" restart="never" nodeType="tmRoot"/>
+      </p:par>
+    </p:tnLst>
+  </p:timing>
 </p:sld>
 </file>
 
@@ -15103,7 +15062,7 @@
         </p:blipFill>
         <p:spPr bwMode="auto">
           <a:xfrm>
-            <a:off x="3187580" y="4055600"/>
+            <a:off x="2640636" y="4106876"/>
             <a:ext cx="7797502" cy="2685903"/>
           </a:xfrm>
           <a:prstGeom prst="rect">
@@ -15162,56 +15121,56 @@
                 <a:gridCol w="2037755">
                   <a:extLst>
                     <a:ext uri="{9D8B030D-6E8A-4147-A177-3AD203B41FA5}">
-                      <a16:colId xmlns:a16="http://schemas.microsoft.com/office/drawing/2014/main" val="20000"/>
+                      <a16:colId xmlns:a16="http://schemas.microsoft.com/office/drawing/2014/main" xmlns="" val="20000"/>
                     </a:ext>
                   </a:extLst>
                 </a:gridCol>
                 <a:gridCol w="1102989">
                   <a:extLst>
                     <a:ext uri="{9D8B030D-6E8A-4147-A177-3AD203B41FA5}">
-                      <a16:colId xmlns:a16="http://schemas.microsoft.com/office/drawing/2014/main" val="20001"/>
+                      <a16:colId xmlns:a16="http://schemas.microsoft.com/office/drawing/2014/main" xmlns="" val="20001"/>
                     </a:ext>
                   </a:extLst>
                 </a:gridCol>
                 <a:gridCol w="979094">
                   <a:extLst>
                     <a:ext uri="{9D8B030D-6E8A-4147-A177-3AD203B41FA5}">
-                      <a16:colId xmlns:a16="http://schemas.microsoft.com/office/drawing/2014/main" val="20002"/>
+                      <a16:colId xmlns:a16="http://schemas.microsoft.com/office/drawing/2014/main" xmlns="" val="20002"/>
                     </a:ext>
                   </a:extLst>
                 </a:gridCol>
                 <a:gridCol w="1072746">
                   <a:extLst>
                     <a:ext uri="{9D8B030D-6E8A-4147-A177-3AD203B41FA5}">
-                      <a16:colId xmlns:a16="http://schemas.microsoft.com/office/drawing/2014/main" val="20003"/>
+                      <a16:colId xmlns:a16="http://schemas.microsoft.com/office/drawing/2014/main" xmlns="" val="20003"/>
                     </a:ext>
                   </a:extLst>
                 </a:gridCol>
                 <a:gridCol w="1055718">
                   <a:extLst>
                     <a:ext uri="{9D8B030D-6E8A-4147-A177-3AD203B41FA5}">
-                      <a16:colId xmlns:a16="http://schemas.microsoft.com/office/drawing/2014/main" val="20004"/>
+                      <a16:colId xmlns:a16="http://schemas.microsoft.com/office/drawing/2014/main" xmlns="" val="20004"/>
                     </a:ext>
                   </a:extLst>
                 </a:gridCol>
                 <a:gridCol w="1013149">
                   <a:extLst>
                     <a:ext uri="{9D8B030D-6E8A-4147-A177-3AD203B41FA5}">
-                      <a16:colId xmlns:a16="http://schemas.microsoft.com/office/drawing/2014/main" val="20005"/>
+                      <a16:colId xmlns:a16="http://schemas.microsoft.com/office/drawing/2014/main" xmlns="" val="20005"/>
                     </a:ext>
                   </a:extLst>
                 </a:gridCol>
                 <a:gridCol w="1217481">
                   <a:extLst>
                     <a:ext uri="{9D8B030D-6E8A-4147-A177-3AD203B41FA5}">
-                      <a16:colId xmlns:a16="http://schemas.microsoft.com/office/drawing/2014/main" val="20006"/>
+                      <a16:colId xmlns:a16="http://schemas.microsoft.com/office/drawing/2014/main" xmlns="" val="20006"/>
                     </a:ext>
                   </a:extLst>
                 </a:gridCol>
                 <a:gridCol w="1194033">
                   <a:extLst>
                     <a:ext uri="{9D8B030D-6E8A-4147-A177-3AD203B41FA5}">
-                      <a16:colId xmlns:a16="http://schemas.microsoft.com/office/drawing/2014/main" val="20007"/>
+                      <a16:colId xmlns:a16="http://schemas.microsoft.com/office/drawing/2014/main" xmlns="" val="20007"/>
                     </a:ext>
                   </a:extLst>
                 </a:gridCol>
@@ -15327,7 +15286,7 @@
                 </a:tc>
                 <a:extLst>
                   <a:ext uri="{0D108BD9-81ED-4DB2-BD59-A6C34878D82A}">
-                    <a16:rowId xmlns:a16="http://schemas.microsoft.com/office/drawing/2014/main" val="10000"/>
+                    <a16:rowId xmlns:a16="http://schemas.microsoft.com/office/drawing/2014/main" xmlns="" val="10000"/>
                   </a:ext>
                 </a:extLst>
               </a:tr>
@@ -15445,7 +15404,7 @@
                 </a:tc>
                 <a:extLst>
                   <a:ext uri="{0D108BD9-81ED-4DB2-BD59-A6C34878D82A}">
-                    <a16:rowId xmlns:a16="http://schemas.microsoft.com/office/drawing/2014/main" val="10001"/>
+                    <a16:rowId xmlns:a16="http://schemas.microsoft.com/office/drawing/2014/main" xmlns="" val="10001"/>
                   </a:ext>
                 </a:extLst>
               </a:tr>
@@ -15600,7 +15559,7 @@
                 </a:tc>
                 <a:extLst>
                   <a:ext uri="{0D108BD9-81ED-4DB2-BD59-A6C34878D82A}">
-                    <a16:rowId xmlns:a16="http://schemas.microsoft.com/office/drawing/2014/main" val="10002"/>
+                    <a16:rowId xmlns:a16="http://schemas.microsoft.com/office/drawing/2014/main" xmlns="" val="10002"/>
                   </a:ext>
                 </a:extLst>
               </a:tr>
@@ -15613,7 +15572,7 @@
           <p:cNvPr id="7" name="TextBox 6">
             <a:extLst>
               <a:ext uri="{FF2B5EF4-FFF2-40B4-BE49-F238E27FC236}">
-                <a16:creationId xmlns:a16="http://schemas.microsoft.com/office/drawing/2014/main" id="{0C603B1F-1F97-3F47-A1FB-49F34A0EE4CD}"/>
+                <a16:creationId xmlns:a16="http://schemas.microsoft.com/office/drawing/2014/main" xmlns="" id="{0C603B1F-1F97-3F47-A1FB-49F34A0EE4CD}"/>
               </a:ext>
             </a:extLst>
           </p:cNvPr>
@@ -15622,8 +15581,8 @@
         </p:nvSpPr>
         <p:spPr>
           <a:xfrm>
-            <a:off x="1037110" y="5143384"/>
-            <a:ext cx="2082108" cy="584775"/>
+            <a:off x="1093857" y="5271574"/>
+            <a:ext cx="1495514" cy="523220"/>
           </a:xfrm>
           <a:prstGeom prst="rect">
             <a:avLst/>
@@ -15636,8 +15595,9 @@
           </a:bodyPr>
           <a:lstStyle/>
           <a:p>
-            <a:r>
-              <a:rPr lang="en-US" sz="1600" dirty="0"/>
+            <a:pPr algn="r"/>
+            <a:r>
+              <a:rPr lang="en-US" sz="1400" dirty="0"/>
               <a:t>14% Accuracy on New Data</a:t>
             </a:r>
           </a:p>
@@ -15697,6 +15657,60 @@
           </a:extLst>
         </p:spPr>
       </p:pic>
+      <p:pic>
+        <p:nvPicPr>
+          <p:cNvPr id="1027" name="Picture 3"/>
+          <p:cNvPicPr>
+            <a:picLocks noChangeAspect="1" noChangeArrowheads="1"/>
+          </p:cNvPicPr>
+          <p:nvPr/>
+        </p:nvPicPr>
+        <p:blipFill>
+          <a:blip r:embed="rId4">
+            <a:extLst>
+              <a:ext uri="{28A0092B-C50C-407E-A947-70E740481C1C}">
+                <a14:useLocalDpi xmlns:a14="http://schemas.microsoft.com/office/drawing/2010/main" val="0"/>
+              </a:ext>
+            </a:extLst>
+          </a:blip>
+          <a:srcRect/>
+          <a:stretch>
+            <a:fillRect/>
+          </a:stretch>
+        </p:blipFill>
+        <p:spPr bwMode="auto">
+          <a:xfrm>
+            <a:off x="3042302" y="1782213"/>
+            <a:ext cx="7751036" cy="2157398"/>
+          </a:xfrm>
+          <a:prstGeom prst="rect">
+            <a:avLst/>
+          </a:prstGeom>
+          <a:noFill/>
+          <a:ln>
+            <a:noFill/>
+          </a:ln>
+          <a:extLst>
+            <a:ext uri="{909E8E84-426E-40DD-AFC4-6F175D3DCCD1}">
+              <a14:hiddenFill xmlns:a14="http://schemas.microsoft.com/office/drawing/2010/main">
+                <a:solidFill>
+                  <a:schemeClr val="accent1"/>
+                </a:solidFill>
+              </a14:hiddenFill>
+            </a:ext>
+            <a:ext uri="{91240B29-F687-4F45-9708-019B960494DF}">
+              <a14:hiddenLine xmlns:a14="http://schemas.microsoft.com/office/drawing/2010/main" w="9525">
+                <a:solidFill>
+                  <a:schemeClr val="tx1"/>
+                </a:solidFill>
+                <a:miter lim="800000"/>
+                <a:headEnd/>
+                <a:tailEnd/>
+              </a14:hiddenLine>
+            </a:ext>
+          </a:extLst>
+        </p:spPr>
+      </p:pic>
     </p:spTree>
     <p:extLst>
       <p:ext uri="{BB962C8B-B14F-4D97-AF65-F5344CB8AC3E}">
@@ -15707,6 +15721,13 @@
   <p:clrMapOvr>
     <a:masterClrMapping/>
   </p:clrMapOvr>
+  <p:timing>
+    <p:tnLst>
+      <p:par>
+        <p:cTn id="1" dur="indefinite" restart="never" nodeType="tmRoot"/>
+      </p:par>
+    </p:tnLst>
+  </p:timing>
 </p:sld>
 </file>
 
@@ -15759,7 +15780,7 @@
           <p:cNvPr id="7" name="Picture 2">
             <a:extLst>
               <a:ext uri="{FF2B5EF4-FFF2-40B4-BE49-F238E27FC236}">
-                <a16:creationId xmlns:a16="http://schemas.microsoft.com/office/drawing/2014/main" id="{B76E598F-1C59-4394-8340-986200DECB1E}"/>
+                <a16:creationId xmlns:a16="http://schemas.microsoft.com/office/drawing/2014/main" xmlns="" id="{B76E598F-1C59-4394-8340-986200DECB1E}"/>
               </a:ext>
             </a:extLst>
           </p:cNvPr>
@@ -15819,7 +15840,7 @@
           <p:cNvPr id="10" name="Content Placeholder 2">
             <a:extLst>
               <a:ext uri="{FF2B5EF4-FFF2-40B4-BE49-F238E27FC236}">
-                <a16:creationId xmlns:a16="http://schemas.microsoft.com/office/drawing/2014/main" id="{AD2387E2-7737-4B33-9C53-E4D7580B42D3}"/>
+                <a16:creationId xmlns:a16="http://schemas.microsoft.com/office/drawing/2014/main" xmlns="" id="{AD2387E2-7737-4B33-9C53-E4D7580B42D3}"/>
               </a:ext>
             </a:extLst>
           </p:cNvPr>
@@ -15903,6 +15924,13 @@
   <p:clrMapOvr>
     <a:masterClrMapping/>
   </p:clrMapOvr>
+  <p:timing>
+    <p:tnLst>
+      <p:par>
+        <p:cTn id="1" dur="indefinite" restart="never" nodeType="tmRoot"/>
+      </p:par>
+    </p:tnLst>
+  </p:timing>
 </p:sld>
 </file>
 
@@ -15997,6 +16025,13 @@
   <p:clrMapOvr>
     <a:masterClrMapping/>
   </p:clrMapOvr>
+  <p:timing>
+    <p:tnLst>
+      <p:par>
+        <p:cTn id="1" dur="indefinite" restart="never" nodeType="tmRoot"/>
+      </p:par>
+    </p:tnLst>
+  </p:timing>
 </p:sld>
 </file>
 
@@ -16054,14 +16089,14 @@
             <p:ph sz="half" idx="1"/>
             <p:extLst>
               <p:ext uri="{D42A27DB-BD31-4B8C-83A1-F6EECF244321}">
-                <p14:modId xmlns:p14="http://schemas.microsoft.com/office/powerpoint/2010/main" val="4155952213"/>
+                <p14:modId xmlns:p14="http://schemas.microsoft.com/office/powerpoint/2010/main" val="4247221350"/>
               </p:ext>
             </p:extLst>
           </p:nvPr>
         </p:nvGraphicFramePr>
         <p:xfrm>
-          <a:off x="0" y="965219"/>
-          <a:ext cx="11887199" cy="5358669"/>
+          <a:off x="290557" y="965219"/>
+          <a:ext cx="11596642" cy="5241763"/>
         </p:xfrm>
         <a:graphic>
           <a:graphicData uri="http://schemas.openxmlformats.org/drawingml/2006/table">
@@ -16070,45 +16105,45 @@
                 <a:tableStyleId>{BC89EF96-8CEA-46FF-86C4-4CE0E7609802}</a:tableStyleId>
               </a:tblPr>
               <a:tblGrid>
-                <a:gridCol w="1859335">
+                <a:gridCol w="1813887">
                   <a:extLst>
                     <a:ext uri="{9D8B030D-6E8A-4147-A177-3AD203B41FA5}">
-                      <a16:colId xmlns:a16="http://schemas.microsoft.com/office/drawing/2014/main" val="3550727435"/>
+                      <a16:colId xmlns:a16="http://schemas.microsoft.com/office/drawing/2014/main" xmlns="" val="3550727435"/>
                     </a:ext>
                   </a:extLst>
                 </a:gridCol>
-                <a:gridCol w="1618167">
+                <a:gridCol w="1578615">
                   <a:extLst>
                     <a:ext uri="{9D8B030D-6E8A-4147-A177-3AD203B41FA5}">
-                      <a16:colId xmlns:a16="http://schemas.microsoft.com/office/drawing/2014/main" val="3295678948"/>
+                      <a16:colId xmlns:a16="http://schemas.microsoft.com/office/drawing/2014/main" xmlns="" val="3295678948"/>
                     </a:ext>
                   </a:extLst>
                 </a:gridCol>
-                <a:gridCol w="1731670">
+                <a:gridCol w="1689343">
                   <a:extLst>
                     <a:ext uri="{9D8B030D-6E8A-4147-A177-3AD203B41FA5}">
-                      <a16:colId xmlns:a16="http://schemas.microsoft.com/office/drawing/2014/main" val="485902210"/>
+                      <a16:colId xmlns:a16="http://schemas.microsoft.com/office/drawing/2014/main" xmlns="" val="485902210"/>
                     </a:ext>
                   </a:extLst>
                 </a:gridCol>
-                <a:gridCol w="1669506">
+                <a:gridCol w="1628699">
                   <a:extLst>
                     <a:ext uri="{9D8B030D-6E8A-4147-A177-3AD203B41FA5}">
-                      <a16:colId xmlns:a16="http://schemas.microsoft.com/office/drawing/2014/main" val="20003"/>
+                      <a16:colId xmlns:a16="http://schemas.microsoft.com/office/drawing/2014/main" xmlns="" val="20003"/>
                     </a:ext>
                   </a:extLst>
                 </a:gridCol>
-                <a:gridCol w="1633986">
+                <a:gridCol w="1594046">
                   <a:extLst>
                     <a:ext uri="{9D8B030D-6E8A-4147-A177-3AD203B41FA5}">
-                      <a16:colId xmlns:a16="http://schemas.microsoft.com/office/drawing/2014/main" val="1751447481"/>
+                      <a16:colId xmlns:a16="http://schemas.microsoft.com/office/drawing/2014/main" xmlns="" val="1751447481"/>
                     </a:ext>
                   </a:extLst>
                 </a:gridCol>
-                <a:gridCol w="3374535">
+                <a:gridCol w="3292052">
                   <a:extLst>
                     <a:ext uri="{9D8B030D-6E8A-4147-A177-3AD203B41FA5}">
-                      <a16:colId xmlns:a16="http://schemas.microsoft.com/office/drawing/2014/main" val="788984757"/>
+                      <a16:colId xmlns:a16="http://schemas.microsoft.com/office/drawing/2014/main" xmlns="" val="788984757"/>
                     </a:ext>
                   </a:extLst>
                 </a:gridCol>
@@ -16188,7 +16223,7 @@
                 </a:tc>
                 <a:extLst>
                   <a:ext uri="{0D108BD9-81ED-4DB2-BD59-A6C34878D82A}">
-                    <a16:rowId xmlns:a16="http://schemas.microsoft.com/office/drawing/2014/main" val="418414485"/>
+                    <a16:rowId xmlns:a16="http://schemas.microsoft.com/office/drawing/2014/main" xmlns="" val="418414485"/>
                   </a:ext>
                 </a:extLst>
               </a:tr>
@@ -16304,7 +16339,7 @@
                 </a:tc>
                 <a:extLst>
                   <a:ext uri="{0D108BD9-81ED-4DB2-BD59-A6C34878D82A}">
-                    <a16:rowId xmlns:a16="http://schemas.microsoft.com/office/drawing/2014/main" val="10001"/>
+                    <a16:rowId xmlns:a16="http://schemas.microsoft.com/office/drawing/2014/main" xmlns="" val="10001"/>
                   </a:ext>
                 </a:extLst>
               </a:tr>
@@ -16415,7 +16450,7 @@
                 </a:tc>
                 <a:extLst>
                   <a:ext uri="{0D108BD9-81ED-4DB2-BD59-A6C34878D82A}">
-                    <a16:rowId xmlns:a16="http://schemas.microsoft.com/office/drawing/2014/main" val="2740143975"/>
+                    <a16:rowId xmlns:a16="http://schemas.microsoft.com/office/drawing/2014/main" xmlns="" val="2740143975"/>
                   </a:ext>
                 </a:extLst>
               </a:tr>
@@ -16505,7 +16540,7 @@
                     <a:p>
                       <a:pPr algn="ctr"/>
                       <a:r>
-                        <a:rPr lang="en-IN" sz="1800" kern="1200" dirty="0">
+                        <a:rPr lang="en-IN" sz="1400" kern="1200" dirty="0">
                           <a:solidFill>
                             <a:schemeClr val="tx1"/>
                           </a:solidFill>
@@ -16540,7 +16575,7 @@
                     <a:p>
                       <a:pPr algn="ctr"/>
                       <a:r>
-                        <a:rPr lang="en-IN" sz="1800" kern="1200" dirty="0">
+                        <a:rPr lang="en-IN" sz="1400" kern="1200" dirty="0">
                           <a:solidFill>
                             <a:schemeClr val="tx1"/>
                           </a:solidFill>
@@ -16591,7 +16626,7 @@
                         <a:defRPr/>
                       </a:pPr>
                       <a:r>
-                        <a:rPr lang="en-IN" sz="1800" kern="1200" dirty="0">
+                        <a:rPr lang="en-IN" sz="1400" kern="1200" dirty="0">
                           <a:solidFill>
                             <a:schemeClr val="tx1"/>
                           </a:solidFill>
@@ -16607,7 +16642,7 @@
                 </a:tc>
                 <a:extLst>
                   <a:ext uri="{0D108BD9-81ED-4DB2-BD59-A6C34878D82A}">
-                    <a16:rowId xmlns:a16="http://schemas.microsoft.com/office/drawing/2014/main" val="4075877440"/>
+                    <a16:rowId xmlns:a16="http://schemas.microsoft.com/office/drawing/2014/main" xmlns="" val="4075877440"/>
                   </a:ext>
                 </a:extLst>
               </a:tr>
@@ -16718,7 +16753,7 @@
                 </a:tc>
                 <a:extLst>
                   <a:ext uri="{0D108BD9-81ED-4DB2-BD59-A6C34878D82A}">
-                    <a16:rowId xmlns:a16="http://schemas.microsoft.com/office/drawing/2014/main" val="541031661"/>
+                    <a16:rowId xmlns:a16="http://schemas.microsoft.com/office/drawing/2014/main" xmlns="" val="541031661"/>
                   </a:ext>
                 </a:extLst>
               </a:tr>
@@ -16773,13 +16808,24 @@
                     <a:p>
                       <a:pPr algn="ctr"/>
                       <a:r>
-                        <a:rPr lang="en-IN" dirty="0">
-                          <a:highlight>
-                            <a:srgbClr val="FFFF00"/>
-                          </a:highlight>
+                        <a:rPr lang="en-IN" sz="1800" kern="1200" dirty="0" smtClean="0">
+                          <a:solidFill>
+                            <a:schemeClr val="tx1"/>
+                          </a:solidFill>
+                          <a:latin typeface="+mn-lt"/>
+                          <a:ea typeface="+mn-ea"/>
+                          <a:cs typeface="+mn-cs"/>
                         </a:rPr>
-                        <a:t>42.34%</a:t>
+                        <a:t>53.78%</a:t>
                       </a:r>
+                      <a:endParaRPr lang="en-IN" sz="1800" kern="1200" dirty="0">
+                        <a:solidFill>
+                          <a:schemeClr val="tx1"/>
+                        </a:solidFill>
+                        <a:latin typeface="+mn-lt"/>
+                        <a:ea typeface="+mn-ea"/>
+                        <a:cs typeface="+mn-cs"/>
+                      </a:endParaRPr>
                     </a:p>
                     <a:p>
                       <a:pPr marL="0" marR="0" indent="0" algn="ctr" defTabSz="914400" rtl="0" eaLnBrk="1" fontAlgn="auto" latinLnBrk="0" hangingPunct="1">
@@ -16800,7 +16846,7 @@
                         <a:defRPr/>
                       </a:pPr>
                       <a:r>
-                        <a:rPr lang="en-IN" sz="1800" kern="1200" dirty="0">
+                        <a:rPr lang="en-IN" sz="1400" kern="1200" dirty="0">
                           <a:solidFill>
                             <a:schemeClr val="tx1"/>
                           </a:solidFill>
@@ -16810,6 +16856,14 @@
                         </a:rPr>
                         <a:t>(with 360 PCs, not normalized)</a:t>
                       </a:r>
+                      <a:endParaRPr lang="en-IN" sz="1800" kern="1200" dirty="0">
+                        <a:solidFill>
+                          <a:schemeClr val="tx1"/>
+                        </a:solidFill>
+                        <a:latin typeface="+mn-lt"/>
+                        <a:ea typeface="+mn-ea"/>
+                        <a:cs typeface="+mn-cs"/>
+                      </a:endParaRPr>
                     </a:p>
                   </a:txBody>
                   <a:tcPr/>
@@ -16821,13 +16875,24 @@
                     <a:p>
                       <a:pPr algn="ctr"/>
                       <a:r>
-                        <a:rPr lang="en-IN" dirty="0">
-                          <a:highlight>
-                            <a:srgbClr val="FFFF00"/>
-                          </a:highlight>
+                        <a:rPr lang="en-IN" sz="1800" kern="1200" dirty="0" smtClean="0">
+                          <a:solidFill>
+                            <a:schemeClr val="tx1"/>
+                          </a:solidFill>
+                          <a:latin typeface="+mn-lt"/>
+                          <a:ea typeface="+mn-ea"/>
+                          <a:cs typeface="+mn-cs"/>
                         </a:rPr>
-                        <a:t>38.23%</a:t>
+                        <a:t>34.55%</a:t>
                       </a:r>
+                      <a:endParaRPr lang="en-IN" sz="1800" kern="1200" dirty="0">
+                        <a:solidFill>
+                          <a:schemeClr val="tx1"/>
+                        </a:solidFill>
+                        <a:latin typeface="+mn-lt"/>
+                        <a:ea typeface="+mn-ea"/>
+                        <a:cs typeface="+mn-cs"/>
+                      </a:endParaRPr>
                     </a:p>
                     <a:p>
                       <a:pPr marL="0" marR="0" indent="0" algn="ctr" defTabSz="914400" rtl="0" eaLnBrk="1" fontAlgn="auto" latinLnBrk="0" hangingPunct="1">
@@ -16848,7 +16913,7 @@
                         <a:defRPr/>
                       </a:pPr>
                       <a:r>
-                        <a:rPr lang="en-IN" sz="1800" kern="1200" dirty="0">
+                        <a:rPr lang="en-IN" sz="1400" kern="1200" dirty="0">
                           <a:solidFill>
                             <a:schemeClr val="tx1"/>
                           </a:solidFill>
@@ -16858,6 +16923,14 @@
                         </a:rPr>
                         <a:t>(with 360 PCs, not normalized)</a:t>
                       </a:r>
+                      <a:endParaRPr lang="en-IN" sz="1800" kern="1200" dirty="0">
+                        <a:solidFill>
+                          <a:schemeClr val="tx1"/>
+                        </a:solidFill>
+                        <a:latin typeface="+mn-lt"/>
+                        <a:ea typeface="+mn-ea"/>
+                        <a:cs typeface="+mn-cs"/>
+                      </a:endParaRPr>
                     </a:p>
                   </a:txBody>
                   <a:tcPr/>
@@ -16869,10 +16942,13 @@
                     <a:p>
                       <a:pPr algn="ctr"/>
                       <a:r>
-                        <a:rPr lang="en-IN" dirty="0">
-                          <a:highlight>
-                            <a:srgbClr val="FFFF00"/>
-                          </a:highlight>
+                        <a:rPr lang="en-IN" sz="1800" kern="1200" dirty="0">
+                          <a:solidFill>
+                            <a:schemeClr val="tx1"/>
+                          </a:solidFill>
+                          <a:latin typeface="+mn-lt"/>
+                          <a:ea typeface="+mn-ea"/>
+                          <a:cs typeface="+mn-cs"/>
                         </a:rPr>
                         <a:t>N.A.</a:t>
                       </a:r>
@@ -16882,7 +16958,7 @@
                 </a:tc>
                 <a:extLst>
                   <a:ext uri="{0D108BD9-81ED-4DB2-BD59-A6C34878D82A}">
-                    <a16:rowId xmlns:a16="http://schemas.microsoft.com/office/drawing/2014/main" val="1396813758"/>
+                    <a16:rowId xmlns:a16="http://schemas.microsoft.com/office/drawing/2014/main" xmlns="" val="1396813758"/>
                   </a:ext>
                 </a:extLst>
               </a:tr>
@@ -16895,7 +16971,7 @@
           <p:cNvPr id="3" name="Rectangle 2">
             <a:extLst>
               <a:ext uri="{FF2B5EF4-FFF2-40B4-BE49-F238E27FC236}">
-                <a16:creationId xmlns:a16="http://schemas.microsoft.com/office/drawing/2014/main" id="{6D24092D-9014-4601-A8E5-A4FB3F59660D}"/>
+                <a16:creationId xmlns:a16="http://schemas.microsoft.com/office/drawing/2014/main" xmlns="" id="{6D24092D-9014-4601-A8E5-A4FB3F59660D}"/>
               </a:ext>
             </a:extLst>
           </p:cNvPr>
@@ -16943,6 +17019,13 @@
   <p:clrMapOvr>
     <a:masterClrMapping/>
   </p:clrMapOvr>
+  <p:timing>
+    <p:tnLst>
+      <p:par>
+        <p:cTn id="1" dur="indefinite" restart="never" nodeType="tmRoot"/>
+      </p:par>
+    </p:tnLst>
+  </p:timing>
 </p:sld>
 </file>
 
@@ -17183,7 +17266,7 @@
           <p:cNvPr id="3" name="Rectangle 2">
             <a:extLst>
               <a:ext uri="{FF2B5EF4-FFF2-40B4-BE49-F238E27FC236}">
-                <a16:creationId xmlns:a16="http://schemas.microsoft.com/office/drawing/2014/main" id="{30B14E7A-8F0E-4DEC-9955-CEF62AB818B0}"/>
+                <a16:creationId xmlns:a16="http://schemas.microsoft.com/office/drawing/2014/main" xmlns="" id="{30B14E7A-8F0E-4DEC-9955-CEF62AB818B0}"/>
               </a:ext>
             </a:extLst>
           </p:cNvPr>
@@ -17231,6 +17314,13 @@
   <p:clrMapOvr>
     <a:masterClrMapping/>
   </p:clrMapOvr>
+  <p:timing>
+    <p:tnLst>
+      <p:par>
+        <p:cTn id="1" dur="indefinite" restart="never" nodeType="tmRoot"/>
+      </p:par>
+    </p:tnLst>
+  </p:timing>
 </p:sld>
 </file>
 
@@ -17256,7 +17346,7 @@
           <p:cNvPr id="2" name="Title 1">
             <a:extLst>
               <a:ext uri="{FF2B5EF4-FFF2-40B4-BE49-F238E27FC236}">
-                <a16:creationId xmlns:a16="http://schemas.microsoft.com/office/drawing/2014/main" id="{58293DE5-6A3F-4CB5-9B2D-B26F445310F7}"/>
+                <a16:creationId xmlns:a16="http://schemas.microsoft.com/office/drawing/2014/main" xmlns="" id="{58293DE5-6A3F-4CB5-9B2D-B26F445310F7}"/>
               </a:ext>
             </a:extLst>
           </p:cNvPr>
@@ -17287,9 +17377,17 @@
               </a:rPr>
               <a:t>https://www.kaggle.com/c/challenges-in-representation-learning-facial-expression-recognition-challenge/data</a:t>
             </a:r>
+            <a:r>
+              <a:rPr lang="en-US" sz="2000" cap="none" dirty="0"/>
+              <a:t/>
+            </a:r>
             <a:br>
               <a:rPr lang="en-US" sz="2000" cap="none" dirty="0"/>
             </a:br>
+            <a:r>
+              <a:rPr lang="en-US" sz="2000" cap="none" dirty="0"/>
+              <a:t/>
+            </a:r>
             <a:br>
               <a:rPr lang="en-US" sz="2000" cap="none" dirty="0"/>
             </a:br>
@@ -17306,7 +17404,7 @@
           <p:cNvPr id="3" name="Content Placeholder 2">
             <a:extLst>
               <a:ext uri="{FF2B5EF4-FFF2-40B4-BE49-F238E27FC236}">
-                <a16:creationId xmlns:a16="http://schemas.microsoft.com/office/drawing/2014/main" id="{AEF930C9-DE34-42D1-B51C-D4367365A454}"/>
+                <a16:creationId xmlns:a16="http://schemas.microsoft.com/office/drawing/2014/main" xmlns="" id="{AEF930C9-DE34-42D1-B51C-D4367365A454}"/>
               </a:ext>
             </a:extLst>
           </p:cNvPr>
@@ -17382,7 +17480,7 @@
           <p:cNvPr id="4" name="Content Placeholder 3">
             <a:extLst>
               <a:ext uri="{FF2B5EF4-FFF2-40B4-BE49-F238E27FC236}">
-                <a16:creationId xmlns:a16="http://schemas.microsoft.com/office/drawing/2014/main" id="{B2018AEE-6A81-49B2-AD03-CBA865B5659F}"/>
+                <a16:creationId xmlns:a16="http://schemas.microsoft.com/office/drawing/2014/main" xmlns="" id="{B2018AEE-6A81-49B2-AD03-CBA865B5659F}"/>
               </a:ext>
             </a:extLst>
           </p:cNvPr>
@@ -17537,7 +17635,7 @@
           <p:cNvPr id="6" name="Picture 5">
             <a:extLst>
               <a:ext uri="{FF2B5EF4-FFF2-40B4-BE49-F238E27FC236}">
-                <a16:creationId xmlns:a16="http://schemas.microsoft.com/office/drawing/2014/main" id="{5D56938D-3BE8-CE48-AA21-BE82D471014E}"/>
+                <a16:creationId xmlns:a16="http://schemas.microsoft.com/office/drawing/2014/main" xmlns="" id="{5D56938D-3BE8-CE48-AA21-BE82D471014E}"/>
               </a:ext>
             </a:extLst>
           </p:cNvPr>
@@ -17567,7 +17665,7 @@
           <p:cNvPr id="7" name="TextBox 6">
             <a:extLst>
               <a:ext uri="{FF2B5EF4-FFF2-40B4-BE49-F238E27FC236}">
-                <a16:creationId xmlns:a16="http://schemas.microsoft.com/office/drawing/2014/main" id="{D915B283-25CC-1646-BC03-AAA3C5A9F1CF}"/>
+                <a16:creationId xmlns:a16="http://schemas.microsoft.com/office/drawing/2014/main" xmlns="" id="{D915B283-25CC-1646-BC03-AAA3C5A9F1CF}"/>
               </a:ext>
             </a:extLst>
           </p:cNvPr>
@@ -17602,7 +17700,7 @@
           <p:cNvPr id="8" name="TextBox 7">
             <a:extLst>
               <a:ext uri="{FF2B5EF4-FFF2-40B4-BE49-F238E27FC236}">
-                <a16:creationId xmlns:a16="http://schemas.microsoft.com/office/drawing/2014/main" id="{77363FA3-080C-7D46-AEA8-CC10D34C1207}"/>
+                <a16:creationId xmlns:a16="http://schemas.microsoft.com/office/drawing/2014/main" xmlns="" id="{77363FA3-080C-7D46-AEA8-CC10D34C1207}"/>
               </a:ext>
             </a:extLst>
           </p:cNvPr>
@@ -17637,7 +17735,7 @@
           <p:cNvPr id="9" name="Picture 8">
             <a:extLst>
               <a:ext uri="{FF2B5EF4-FFF2-40B4-BE49-F238E27FC236}">
-                <a16:creationId xmlns:a16="http://schemas.microsoft.com/office/drawing/2014/main" id="{FF582211-B22A-104F-8420-2A250CBCAA9E}"/>
+                <a16:creationId xmlns:a16="http://schemas.microsoft.com/office/drawing/2014/main" xmlns="" id="{FF582211-B22A-104F-8420-2A250CBCAA9E}"/>
               </a:ext>
             </a:extLst>
           </p:cNvPr>
@@ -17667,7 +17765,7 @@
           <p:cNvPr id="10" name="Picture 9">
             <a:extLst>
               <a:ext uri="{FF2B5EF4-FFF2-40B4-BE49-F238E27FC236}">
-                <a16:creationId xmlns:a16="http://schemas.microsoft.com/office/drawing/2014/main" id="{64C88E78-58A0-AA4F-8247-DD709B7A6D22}"/>
+                <a16:creationId xmlns:a16="http://schemas.microsoft.com/office/drawing/2014/main" xmlns="" id="{64C88E78-58A0-AA4F-8247-DD709B7A6D22}"/>
               </a:ext>
             </a:extLst>
           </p:cNvPr>
@@ -17697,7 +17795,7 @@
           <p:cNvPr id="11" name="Picture 10">
             <a:extLst>
               <a:ext uri="{FF2B5EF4-FFF2-40B4-BE49-F238E27FC236}">
-                <a16:creationId xmlns:a16="http://schemas.microsoft.com/office/drawing/2014/main" id="{58BB88A8-9BD7-0741-B3D1-AF9BD689186F}"/>
+                <a16:creationId xmlns:a16="http://schemas.microsoft.com/office/drawing/2014/main" xmlns="" id="{58BB88A8-9BD7-0741-B3D1-AF9BD689186F}"/>
               </a:ext>
             </a:extLst>
           </p:cNvPr>
@@ -17727,7 +17825,7 @@
           <p:cNvPr id="12" name="Picture 11">
             <a:extLst>
               <a:ext uri="{FF2B5EF4-FFF2-40B4-BE49-F238E27FC236}">
-                <a16:creationId xmlns:a16="http://schemas.microsoft.com/office/drawing/2014/main" id="{E7ACC8CD-4378-9048-8D98-21A2B9229B32}"/>
+                <a16:creationId xmlns:a16="http://schemas.microsoft.com/office/drawing/2014/main" xmlns="" id="{E7ACC8CD-4378-9048-8D98-21A2B9229B32}"/>
               </a:ext>
             </a:extLst>
           </p:cNvPr>
@@ -17757,7 +17855,7 @@
           <p:cNvPr id="13" name="Picture 12">
             <a:extLst>
               <a:ext uri="{FF2B5EF4-FFF2-40B4-BE49-F238E27FC236}">
-                <a16:creationId xmlns:a16="http://schemas.microsoft.com/office/drawing/2014/main" id="{8241D1AC-3E3B-4B48-BA98-D299381640D0}"/>
+                <a16:creationId xmlns:a16="http://schemas.microsoft.com/office/drawing/2014/main" xmlns="" id="{8241D1AC-3E3B-4B48-BA98-D299381640D0}"/>
               </a:ext>
             </a:extLst>
           </p:cNvPr>
@@ -17787,7 +17885,7 @@
           <p:cNvPr id="14" name="Picture 13">
             <a:extLst>
               <a:ext uri="{FF2B5EF4-FFF2-40B4-BE49-F238E27FC236}">
-                <a16:creationId xmlns:a16="http://schemas.microsoft.com/office/drawing/2014/main" id="{E0EA4702-2322-264D-A590-075F66A6A62D}"/>
+                <a16:creationId xmlns:a16="http://schemas.microsoft.com/office/drawing/2014/main" xmlns="" id="{E0EA4702-2322-264D-A590-075F66A6A62D}"/>
               </a:ext>
             </a:extLst>
           </p:cNvPr>
@@ -17817,7 +17915,7 @@
           <p:cNvPr id="15" name="TextBox 14">
             <a:extLst>
               <a:ext uri="{FF2B5EF4-FFF2-40B4-BE49-F238E27FC236}">
-                <a16:creationId xmlns:a16="http://schemas.microsoft.com/office/drawing/2014/main" id="{37F33105-3CB6-5448-993D-18286D514369}"/>
+                <a16:creationId xmlns:a16="http://schemas.microsoft.com/office/drawing/2014/main" xmlns="" id="{37F33105-3CB6-5448-993D-18286D514369}"/>
               </a:ext>
             </a:extLst>
           </p:cNvPr>
@@ -17856,7 +17954,7 @@
           <p:cNvPr id="16" name="TextBox 15">
             <a:extLst>
               <a:ext uri="{FF2B5EF4-FFF2-40B4-BE49-F238E27FC236}">
-                <a16:creationId xmlns:a16="http://schemas.microsoft.com/office/drawing/2014/main" id="{2D9E2BE1-00EA-4649-A03B-4CA2B529D5AD}"/>
+                <a16:creationId xmlns:a16="http://schemas.microsoft.com/office/drawing/2014/main" xmlns="" id="{2D9E2BE1-00EA-4649-A03B-4CA2B529D5AD}"/>
               </a:ext>
             </a:extLst>
           </p:cNvPr>
@@ -17895,7 +17993,7 @@
           <p:cNvPr id="17" name="TextBox 16">
             <a:extLst>
               <a:ext uri="{FF2B5EF4-FFF2-40B4-BE49-F238E27FC236}">
-                <a16:creationId xmlns:a16="http://schemas.microsoft.com/office/drawing/2014/main" id="{A97E85AB-C406-4348-9B0F-C64047D9B338}"/>
+                <a16:creationId xmlns:a16="http://schemas.microsoft.com/office/drawing/2014/main" xmlns="" id="{A97E85AB-C406-4348-9B0F-C64047D9B338}"/>
               </a:ext>
             </a:extLst>
           </p:cNvPr>
@@ -17934,7 +18032,7 @@
           <p:cNvPr id="2" name="Rectangle 1">
             <a:extLst>
               <a:ext uri="{FF2B5EF4-FFF2-40B4-BE49-F238E27FC236}">
-                <a16:creationId xmlns:a16="http://schemas.microsoft.com/office/drawing/2014/main" id="{E3222E19-2670-4835-9385-7B4B7C92EB90}"/>
+                <a16:creationId xmlns:a16="http://schemas.microsoft.com/office/drawing/2014/main" xmlns="" id="{E3222E19-2670-4835-9385-7B4B7C92EB90}"/>
               </a:ext>
             </a:extLst>
           </p:cNvPr>
@@ -17998,7 +18096,7 @@
           <p:cNvPr id="5" name="Title 1">
             <a:extLst>
               <a:ext uri="{FF2B5EF4-FFF2-40B4-BE49-F238E27FC236}">
-                <a16:creationId xmlns:a16="http://schemas.microsoft.com/office/drawing/2014/main" id="{B99B477F-0B4C-4A7D-8070-4D8823C41C4A}"/>
+                <a16:creationId xmlns:a16="http://schemas.microsoft.com/office/drawing/2014/main" xmlns="" id="{B99B477F-0B4C-4A7D-8070-4D8823C41C4A}"/>
               </a:ext>
             </a:extLst>
           </p:cNvPr>
@@ -18058,7 +18156,7 @@
           <p:cNvPr id="10" name="Content Placeholder 9">
             <a:extLst>
               <a:ext uri="{FF2B5EF4-FFF2-40B4-BE49-F238E27FC236}">
-                <a16:creationId xmlns:a16="http://schemas.microsoft.com/office/drawing/2014/main" id="{5D6A86AE-D427-4173-88E8-FCA663A174C3}"/>
+                <a16:creationId xmlns:a16="http://schemas.microsoft.com/office/drawing/2014/main" xmlns="" id="{5D6A86AE-D427-4173-88E8-FCA663A174C3}"/>
               </a:ext>
             </a:extLst>
           </p:cNvPr>
@@ -18088,35 +18186,35 @@
                 <a:gridCol w="1338470">
                   <a:extLst>
                     <a:ext uri="{9D8B030D-6E8A-4147-A177-3AD203B41FA5}">
-                      <a16:colId xmlns:a16="http://schemas.microsoft.com/office/drawing/2014/main" val="3783705459"/>
+                      <a16:colId xmlns:a16="http://schemas.microsoft.com/office/drawing/2014/main" xmlns="" val="3783705459"/>
                     </a:ext>
                   </a:extLst>
                 </a:gridCol>
                 <a:gridCol w="834887">
                   <a:extLst>
                     <a:ext uri="{9D8B030D-6E8A-4147-A177-3AD203B41FA5}">
-                      <a16:colId xmlns:a16="http://schemas.microsoft.com/office/drawing/2014/main" val="842042690"/>
+                      <a16:colId xmlns:a16="http://schemas.microsoft.com/office/drawing/2014/main" xmlns="" val="842042690"/>
                     </a:ext>
                   </a:extLst>
                 </a:gridCol>
                 <a:gridCol w="821634">
                   <a:extLst>
                     <a:ext uri="{9D8B030D-6E8A-4147-A177-3AD203B41FA5}">
-                      <a16:colId xmlns:a16="http://schemas.microsoft.com/office/drawing/2014/main" val="517438777"/>
+                      <a16:colId xmlns:a16="http://schemas.microsoft.com/office/drawing/2014/main" xmlns="" val="517438777"/>
                     </a:ext>
                   </a:extLst>
                 </a:gridCol>
                 <a:gridCol w="1219200">
                   <a:extLst>
                     <a:ext uri="{9D8B030D-6E8A-4147-A177-3AD203B41FA5}">
-                      <a16:colId xmlns:a16="http://schemas.microsoft.com/office/drawing/2014/main" val="605560446"/>
+                      <a16:colId xmlns:a16="http://schemas.microsoft.com/office/drawing/2014/main" xmlns="" val="605560446"/>
                     </a:ext>
                   </a:extLst>
                 </a:gridCol>
                 <a:gridCol w="1139687">
                   <a:extLst>
                     <a:ext uri="{9D8B030D-6E8A-4147-A177-3AD203B41FA5}">
-                      <a16:colId xmlns:a16="http://schemas.microsoft.com/office/drawing/2014/main" val="2444413373"/>
+                      <a16:colId xmlns:a16="http://schemas.microsoft.com/office/drawing/2014/main" xmlns="" val="2444413373"/>
                     </a:ext>
                   </a:extLst>
                 </a:gridCol>
@@ -18189,7 +18287,7 @@
                 </a:tc>
                 <a:extLst>
                   <a:ext uri="{0D108BD9-81ED-4DB2-BD59-A6C34878D82A}">
-                    <a16:rowId xmlns:a16="http://schemas.microsoft.com/office/drawing/2014/main" val="2449312198"/>
+                    <a16:rowId xmlns:a16="http://schemas.microsoft.com/office/drawing/2014/main" xmlns="" val="2449312198"/>
                   </a:ext>
                 </a:extLst>
               </a:tr>
@@ -18269,7 +18367,7 @@
                 </a:tc>
                 <a:extLst>
                   <a:ext uri="{0D108BD9-81ED-4DB2-BD59-A6C34878D82A}">
-                    <a16:rowId xmlns:a16="http://schemas.microsoft.com/office/drawing/2014/main" val="3917471711"/>
+                    <a16:rowId xmlns:a16="http://schemas.microsoft.com/office/drawing/2014/main" xmlns="" val="3917471711"/>
                   </a:ext>
                 </a:extLst>
               </a:tr>
@@ -18349,7 +18447,7 @@
                 </a:tc>
                 <a:extLst>
                   <a:ext uri="{0D108BD9-81ED-4DB2-BD59-A6C34878D82A}">
-                    <a16:rowId xmlns:a16="http://schemas.microsoft.com/office/drawing/2014/main" val="2138382457"/>
+                    <a16:rowId xmlns:a16="http://schemas.microsoft.com/office/drawing/2014/main" xmlns="" val="2138382457"/>
                   </a:ext>
                 </a:extLst>
               </a:tr>
@@ -18429,7 +18527,7 @@
                 </a:tc>
                 <a:extLst>
                   <a:ext uri="{0D108BD9-81ED-4DB2-BD59-A6C34878D82A}">
-                    <a16:rowId xmlns:a16="http://schemas.microsoft.com/office/drawing/2014/main" val="828003314"/>
+                    <a16:rowId xmlns:a16="http://schemas.microsoft.com/office/drawing/2014/main" xmlns="" val="828003314"/>
                   </a:ext>
                 </a:extLst>
               </a:tr>
@@ -18509,7 +18607,7 @@
                 </a:tc>
                 <a:extLst>
                   <a:ext uri="{0D108BD9-81ED-4DB2-BD59-A6C34878D82A}">
-                    <a16:rowId xmlns:a16="http://schemas.microsoft.com/office/drawing/2014/main" val="1909103786"/>
+                    <a16:rowId xmlns:a16="http://schemas.microsoft.com/office/drawing/2014/main" xmlns="" val="1909103786"/>
                   </a:ext>
                 </a:extLst>
               </a:tr>
@@ -18589,7 +18687,7 @@
                 </a:tc>
                 <a:extLst>
                   <a:ext uri="{0D108BD9-81ED-4DB2-BD59-A6C34878D82A}">
-                    <a16:rowId xmlns:a16="http://schemas.microsoft.com/office/drawing/2014/main" val="1026246193"/>
+                    <a16:rowId xmlns:a16="http://schemas.microsoft.com/office/drawing/2014/main" xmlns="" val="1026246193"/>
                   </a:ext>
                 </a:extLst>
               </a:tr>
@@ -18669,7 +18767,7 @@
                 </a:tc>
                 <a:extLst>
                   <a:ext uri="{0D108BD9-81ED-4DB2-BD59-A6C34878D82A}">
-                    <a16:rowId xmlns:a16="http://schemas.microsoft.com/office/drawing/2014/main" val="3862785627"/>
+                    <a16:rowId xmlns:a16="http://schemas.microsoft.com/office/drawing/2014/main" xmlns="" val="3862785627"/>
                   </a:ext>
                 </a:extLst>
               </a:tr>
@@ -18749,7 +18847,7 @@
                 </a:tc>
                 <a:extLst>
                   <a:ext uri="{0D108BD9-81ED-4DB2-BD59-A6C34878D82A}">
-                    <a16:rowId xmlns:a16="http://schemas.microsoft.com/office/drawing/2014/main" val="424314168"/>
+                    <a16:rowId xmlns:a16="http://schemas.microsoft.com/office/drawing/2014/main" xmlns="" val="424314168"/>
                   </a:ext>
                 </a:extLst>
               </a:tr>
@@ -18762,7 +18860,7 @@
           <p:cNvPr id="9" name="Title 1">
             <a:extLst>
               <a:ext uri="{FF2B5EF4-FFF2-40B4-BE49-F238E27FC236}">
-                <a16:creationId xmlns:a16="http://schemas.microsoft.com/office/drawing/2014/main" id="{FEBE41B7-7353-46C9-9FA8-81E2B315AE1F}"/>
+                <a16:creationId xmlns:a16="http://schemas.microsoft.com/office/drawing/2014/main" xmlns="" id="{FEBE41B7-7353-46C9-9FA8-81E2B315AE1F}"/>
               </a:ext>
             </a:extLst>
           </p:cNvPr>
@@ -18816,7 +18914,7 @@
           <p:cNvPr id="6" name="Chart 5">
             <a:extLst>
               <a:ext uri="{FF2B5EF4-FFF2-40B4-BE49-F238E27FC236}">
-                <a16:creationId xmlns:a16="http://schemas.microsoft.com/office/drawing/2014/main" id="{9E688850-28F2-489F-976F-A42EEF4C4843}"/>
+                <a16:creationId xmlns:a16="http://schemas.microsoft.com/office/drawing/2014/main" xmlns="" id="{9E688850-28F2-489F-976F-A42EEF4C4843}"/>
               </a:ext>
             </a:extLst>
           </p:cNvPr>
@@ -18876,7 +18974,7 @@
           <p:cNvPr id="2" name="Title 1">
             <a:extLst>
               <a:ext uri="{FF2B5EF4-FFF2-40B4-BE49-F238E27FC236}">
-                <a16:creationId xmlns:a16="http://schemas.microsoft.com/office/drawing/2014/main" id="{3BB733D1-7FBB-48C7-A6BD-F5EB626F366D}"/>
+                <a16:creationId xmlns:a16="http://schemas.microsoft.com/office/drawing/2014/main" xmlns="" id="{3BB733D1-7FBB-48C7-A6BD-F5EB626F366D}"/>
               </a:ext>
             </a:extLst>
           </p:cNvPr>
@@ -18918,7 +19016,7 @@
           <p:cNvPr id="3" name="Content Placeholder 2">
             <a:extLst>
               <a:ext uri="{FF2B5EF4-FFF2-40B4-BE49-F238E27FC236}">
-                <a16:creationId xmlns:a16="http://schemas.microsoft.com/office/drawing/2014/main" id="{F02F2CBD-4339-4157-BB42-3B1DDAC0E7B1}"/>
+                <a16:creationId xmlns:a16="http://schemas.microsoft.com/office/drawing/2014/main" xmlns="" id="{F02F2CBD-4339-4157-BB42-3B1DDAC0E7B1}"/>
               </a:ext>
             </a:extLst>
           </p:cNvPr>
@@ -18957,7 +19055,7 @@
           <p:cNvPr id="27" name="Content Placeholder 26">
             <a:extLst>
               <a:ext uri="{FF2B5EF4-FFF2-40B4-BE49-F238E27FC236}">
-                <a16:creationId xmlns:a16="http://schemas.microsoft.com/office/drawing/2014/main" id="{A88BA9CF-19EF-4963-88AD-58682BBABEAB}"/>
+                <a16:creationId xmlns:a16="http://schemas.microsoft.com/office/drawing/2014/main" xmlns="" id="{A88BA9CF-19EF-4963-88AD-58682BBABEAB}"/>
               </a:ext>
             </a:extLst>
           </p:cNvPr>
@@ -18989,7 +19087,7 @@
           <p:cNvPr id="5" name="Picture 2">
             <a:extLst>
               <a:ext uri="{FF2B5EF4-FFF2-40B4-BE49-F238E27FC236}">
-                <a16:creationId xmlns:a16="http://schemas.microsoft.com/office/drawing/2014/main" id="{0BAD14BD-27E8-41D6-9B1A-0403F310BCD2}"/>
+                <a16:creationId xmlns:a16="http://schemas.microsoft.com/office/drawing/2014/main" xmlns="" id="{0BAD14BD-27E8-41D6-9B1A-0403F310BCD2}"/>
               </a:ext>
             </a:extLst>
           </p:cNvPr>
@@ -19036,7 +19134,7 @@
           <p:cNvPr id="7" name="Title 1">
             <a:extLst>
               <a:ext uri="{FF2B5EF4-FFF2-40B4-BE49-F238E27FC236}">
-                <a16:creationId xmlns:a16="http://schemas.microsoft.com/office/drawing/2014/main" id="{075EAB31-FB4F-49F3-A379-A3422927C8A3}"/>
+                <a16:creationId xmlns:a16="http://schemas.microsoft.com/office/drawing/2014/main" xmlns="" id="{075EAB31-FB4F-49F3-A379-A3422927C8A3}"/>
               </a:ext>
             </a:extLst>
           </p:cNvPr>
@@ -19188,7 +19286,7 @@
           <p:cNvPr id="5" name="Content Placeholder 4">
             <a:extLst>
               <a:ext uri="{FF2B5EF4-FFF2-40B4-BE49-F238E27FC236}">
-                <a16:creationId xmlns:a16="http://schemas.microsoft.com/office/drawing/2014/main" id="{CEA01515-E5CF-4375-887A-C99FA93FB9F3}"/>
+                <a16:creationId xmlns:a16="http://schemas.microsoft.com/office/drawing/2014/main" xmlns="" id="{CEA01515-E5CF-4375-887A-C99FA93FB9F3}"/>
               </a:ext>
             </a:extLst>
           </p:cNvPr>
@@ -19255,7 +19353,7 @@
           <p:cNvPr id="2" name="Title 1">
             <a:extLst>
               <a:ext uri="{FF2B5EF4-FFF2-40B4-BE49-F238E27FC236}">
-                <a16:creationId xmlns:a16="http://schemas.microsoft.com/office/drawing/2014/main" id="{DACA88CE-21C6-4B0E-A7F8-45202789E753}"/>
+                <a16:creationId xmlns:a16="http://schemas.microsoft.com/office/drawing/2014/main" xmlns="" id="{DACA88CE-21C6-4B0E-A7F8-45202789E753}"/>
               </a:ext>
             </a:extLst>
           </p:cNvPr>
@@ -19285,6 +19383,10 @@
             <a:br>
               <a:rPr lang="en-US" sz="1100" dirty="0"/>
             </a:br>
+            <a:r>
+              <a:rPr lang="en-US" dirty="0"/>
+              <a:t/>
+            </a:r>
             <a:br>
               <a:rPr lang="en-US" dirty="0"/>
             </a:br>
@@ -19300,7 +19402,7 @@
           <p:cNvPr id="11" name="Content Placeholder 10">
             <a:extLst>
               <a:ext uri="{FF2B5EF4-FFF2-40B4-BE49-F238E27FC236}">
-                <a16:creationId xmlns:a16="http://schemas.microsoft.com/office/drawing/2014/main" id="{C9D5AF68-48D5-4964-B0F7-EDAD0AF4E91B}"/>
+                <a16:creationId xmlns:a16="http://schemas.microsoft.com/office/drawing/2014/main" xmlns="" id="{C9D5AF68-48D5-4964-B0F7-EDAD0AF4E91B}"/>
               </a:ext>
             </a:extLst>
           </p:cNvPr>
@@ -19341,7 +19443,7 @@
           <p:cNvPr id="95" name="TextBox 94">
             <a:extLst>
               <a:ext uri="{FF2B5EF4-FFF2-40B4-BE49-F238E27FC236}">
-                <a16:creationId xmlns:a16="http://schemas.microsoft.com/office/drawing/2014/main" id="{36250FDF-D265-4116-B257-821CB85249D1}"/>
+                <a16:creationId xmlns:a16="http://schemas.microsoft.com/office/drawing/2014/main" xmlns="" id="{36250FDF-D265-4116-B257-821CB85249D1}"/>
               </a:ext>
             </a:extLst>
           </p:cNvPr>
@@ -19376,7 +19478,7 @@
           <p:cNvPr id="1026" name="Picture 2">
             <a:extLst>
               <a:ext uri="{FF2B5EF4-FFF2-40B4-BE49-F238E27FC236}">
-                <a16:creationId xmlns:a16="http://schemas.microsoft.com/office/drawing/2014/main" id="{84928578-FD19-42E7-9C50-8CCB85A604C6}"/>
+                <a16:creationId xmlns:a16="http://schemas.microsoft.com/office/drawing/2014/main" xmlns="" id="{84928578-FD19-42E7-9C50-8CCB85A604C6}"/>
               </a:ext>
             </a:extLst>
           </p:cNvPr>
@@ -19423,7 +19525,7 @@
           <p:cNvPr id="98" name="TextBox 97">
             <a:extLst>
               <a:ext uri="{FF2B5EF4-FFF2-40B4-BE49-F238E27FC236}">
-                <a16:creationId xmlns:a16="http://schemas.microsoft.com/office/drawing/2014/main" id="{52C55EC9-4C6E-4C8C-B14B-8A8595706254}"/>
+                <a16:creationId xmlns:a16="http://schemas.microsoft.com/office/drawing/2014/main" xmlns="" id="{52C55EC9-4C6E-4C8C-B14B-8A8595706254}"/>
               </a:ext>
             </a:extLst>
           </p:cNvPr>
@@ -19458,7 +19560,7 @@
           <p:cNvPr id="1032" name="Picture 8">
             <a:extLst>
               <a:ext uri="{FF2B5EF4-FFF2-40B4-BE49-F238E27FC236}">
-                <a16:creationId xmlns:a16="http://schemas.microsoft.com/office/drawing/2014/main" id="{93A0FFA9-C998-417C-9222-B1BFE76E1C43}"/>
+                <a16:creationId xmlns:a16="http://schemas.microsoft.com/office/drawing/2014/main" xmlns="" id="{93A0FFA9-C998-417C-9222-B1BFE76E1C43}"/>
               </a:ext>
             </a:extLst>
           </p:cNvPr>
@@ -19505,7 +19607,7 @@
           <p:cNvPr id="1034" name="Picture 10">
             <a:extLst>
               <a:ext uri="{FF2B5EF4-FFF2-40B4-BE49-F238E27FC236}">
-                <a16:creationId xmlns:a16="http://schemas.microsoft.com/office/drawing/2014/main" id="{B015BE2C-8D5D-4D65-91E1-2F618FF8008A}"/>
+                <a16:creationId xmlns:a16="http://schemas.microsoft.com/office/drawing/2014/main" xmlns="" id="{B015BE2C-8D5D-4D65-91E1-2F618FF8008A}"/>
               </a:ext>
             </a:extLst>
           </p:cNvPr>
@@ -19552,7 +19654,7 @@
           <p:cNvPr id="102" name="TextBox 101">
             <a:extLst>
               <a:ext uri="{FF2B5EF4-FFF2-40B4-BE49-F238E27FC236}">
-                <a16:creationId xmlns:a16="http://schemas.microsoft.com/office/drawing/2014/main" id="{9AEF156E-97E4-4AA2-BFCE-4CAA07D0DB51}"/>
+                <a16:creationId xmlns:a16="http://schemas.microsoft.com/office/drawing/2014/main" xmlns="" id="{9AEF156E-97E4-4AA2-BFCE-4CAA07D0DB51}"/>
               </a:ext>
             </a:extLst>
           </p:cNvPr>
@@ -19587,7 +19689,7 @@
           <p:cNvPr id="1036" name="Picture 12">
             <a:extLst>
               <a:ext uri="{FF2B5EF4-FFF2-40B4-BE49-F238E27FC236}">
-                <a16:creationId xmlns:a16="http://schemas.microsoft.com/office/drawing/2014/main" id="{782BFC45-43D6-46F2-96F4-600B5F61AA22}"/>
+                <a16:creationId xmlns:a16="http://schemas.microsoft.com/office/drawing/2014/main" xmlns="" id="{782BFC45-43D6-46F2-96F4-600B5F61AA22}"/>
               </a:ext>
             </a:extLst>
           </p:cNvPr>
@@ -19634,7 +19736,7 @@
           <p:cNvPr id="104" name="TextBox 103">
             <a:extLst>
               <a:ext uri="{FF2B5EF4-FFF2-40B4-BE49-F238E27FC236}">
-                <a16:creationId xmlns:a16="http://schemas.microsoft.com/office/drawing/2014/main" id="{5DB10A30-A1B8-4EFE-B7C1-3FB48DB2977E}"/>
+                <a16:creationId xmlns:a16="http://schemas.microsoft.com/office/drawing/2014/main" xmlns="" id="{5DB10A30-A1B8-4EFE-B7C1-3FB48DB2977E}"/>
               </a:ext>
             </a:extLst>
           </p:cNvPr>
@@ -19669,7 +19771,7 @@
           <p:cNvPr id="1038" name="Picture 14">
             <a:extLst>
               <a:ext uri="{FF2B5EF4-FFF2-40B4-BE49-F238E27FC236}">
-                <a16:creationId xmlns:a16="http://schemas.microsoft.com/office/drawing/2014/main" id="{A10E9C77-1432-44F2-86E0-4E7F4B45E32F}"/>
+                <a16:creationId xmlns:a16="http://schemas.microsoft.com/office/drawing/2014/main" xmlns="" id="{A10E9C77-1432-44F2-86E0-4E7F4B45E32F}"/>
               </a:ext>
             </a:extLst>
           </p:cNvPr>
@@ -19716,7 +19818,7 @@
           <p:cNvPr id="106" name="TextBox 105">
             <a:extLst>
               <a:ext uri="{FF2B5EF4-FFF2-40B4-BE49-F238E27FC236}">
-                <a16:creationId xmlns:a16="http://schemas.microsoft.com/office/drawing/2014/main" id="{9FBDCC94-59CF-421F-B3FA-56E0818EB7ED}"/>
+                <a16:creationId xmlns:a16="http://schemas.microsoft.com/office/drawing/2014/main" xmlns="" id="{9FBDCC94-59CF-421F-B3FA-56E0818EB7ED}"/>
               </a:ext>
             </a:extLst>
           </p:cNvPr>
@@ -19751,7 +19853,7 @@
           <p:cNvPr id="1040" name="Picture 16">
             <a:extLst>
               <a:ext uri="{FF2B5EF4-FFF2-40B4-BE49-F238E27FC236}">
-                <a16:creationId xmlns:a16="http://schemas.microsoft.com/office/drawing/2014/main" id="{DA046BF2-8A42-4DFC-9BF7-2251A2C4231C}"/>
+                <a16:creationId xmlns:a16="http://schemas.microsoft.com/office/drawing/2014/main" xmlns="" id="{DA046BF2-8A42-4DFC-9BF7-2251A2C4231C}"/>
               </a:ext>
             </a:extLst>
           </p:cNvPr>
@@ -19798,7 +19900,7 @@
           <p:cNvPr id="108" name="TextBox 107">
             <a:extLst>
               <a:ext uri="{FF2B5EF4-FFF2-40B4-BE49-F238E27FC236}">
-                <a16:creationId xmlns:a16="http://schemas.microsoft.com/office/drawing/2014/main" id="{CEB30713-83E9-4CCD-A210-85ABFD7AB932}"/>
+                <a16:creationId xmlns:a16="http://schemas.microsoft.com/office/drawing/2014/main" xmlns="" id="{CEB30713-83E9-4CCD-A210-85ABFD7AB932}"/>
               </a:ext>
             </a:extLst>
           </p:cNvPr>
@@ -19833,7 +19935,7 @@
           <p:cNvPr id="1042" name="Picture 18">
             <a:extLst>
               <a:ext uri="{FF2B5EF4-FFF2-40B4-BE49-F238E27FC236}">
-                <a16:creationId xmlns:a16="http://schemas.microsoft.com/office/drawing/2014/main" id="{ADF0DF46-7F16-470B-B518-2F1FADB4A966}"/>
+                <a16:creationId xmlns:a16="http://schemas.microsoft.com/office/drawing/2014/main" xmlns="" id="{ADF0DF46-7F16-470B-B518-2F1FADB4A966}"/>
               </a:ext>
             </a:extLst>
           </p:cNvPr>
@@ -19880,7 +19982,7 @@
           <p:cNvPr id="149" name="TextBox 148">
             <a:extLst>
               <a:ext uri="{FF2B5EF4-FFF2-40B4-BE49-F238E27FC236}">
-                <a16:creationId xmlns:a16="http://schemas.microsoft.com/office/drawing/2014/main" id="{68522CFD-107C-4247-9728-4A68E195B408}"/>
+                <a16:creationId xmlns:a16="http://schemas.microsoft.com/office/drawing/2014/main" xmlns="" id="{68522CFD-107C-4247-9728-4A68E195B408}"/>
               </a:ext>
             </a:extLst>
           </p:cNvPr>
@@ -19915,7 +20017,7 @@
           <p:cNvPr id="1048" name="Picture 24">
             <a:extLst>
               <a:ext uri="{FF2B5EF4-FFF2-40B4-BE49-F238E27FC236}">
-                <a16:creationId xmlns:a16="http://schemas.microsoft.com/office/drawing/2014/main" id="{847D86FF-DE63-4D48-A212-1EA7D13D003F}"/>
+                <a16:creationId xmlns:a16="http://schemas.microsoft.com/office/drawing/2014/main" xmlns="" id="{847D86FF-DE63-4D48-A212-1EA7D13D003F}"/>
               </a:ext>
             </a:extLst>
           </p:cNvPr>
@@ -19962,7 +20064,7 @@
           <p:cNvPr id="1052" name="Picture 28">
             <a:extLst>
               <a:ext uri="{FF2B5EF4-FFF2-40B4-BE49-F238E27FC236}">
-                <a16:creationId xmlns:a16="http://schemas.microsoft.com/office/drawing/2014/main" id="{CBC2979F-211D-417C-A3D0-1D5B996F727F}"/>
+                <a16:creationId xmlns:a16="http://schemas.microsoft.com/office/drawing/2014/main" xmlns="" id="{CBC2979F-211D-417C-A3D0-1D5B996F727F}"/>
               </a:ext>
             </a:extLst>
           </p:cNvPr>
@@ -20009,7 +20111,7 @@
           <p:cNvPr id="20" name="Content Placeholder 10">
             <a:extLst>
               <a:ext uri="{FF2B5EF4-FFF2-40B4-BE49-F238E27FC236}">
-                <a16:creationId xmlns:a16="http://schemas.microsoft.com/office/drawing/2014/main" id="{4CA7FA2E-56EA-4B26-9F0F-657A4E28F0D9}"/>
+                <a16:creationId xmlns:a16="http://schemas.microsoft.com/office/drawing/2014/main" xmlns="" id="{4CA7FA2E-56EA-4B26-9F0F-657A4E28F0D9}"/>
               </a:ext>
             </a:extLst>
           </p:cNvPr>
@@ -20278,7 +20380,7 @@
           <p:cNvPr id="2" name="Title 1">
             <a:extLst>
               <a:ext uri="{FF2B5EF4-FFF2-40B4-BE49-F238E27FC236}">
-                <a16:creationId xmlns:a16="http://schemas.microsoft.com/office/drawing/2014/main" id="{DACA88CE-21C6-4B0E-A7F8-45202789E753}"/>
+                <a16:creationId xmlns:a16="http://schemas.microsoft.com/office/drawing/2014/main" xmlns="" id="{DACA88CE-21C6-4B0E-A7F8-45202789E753}"/>
               </a:ext>
             </a:extLst>
           </p:cNvPr>
@@ -20313,7 +20415,7 @@
           <p:cNvPr id="11" name="Content Placeholder 10">
             <a:extLst>
               <a:ext uri="{FF2B5EF4-FFF2-40B4-BE49-F238E27FC236}">
-                <a16:creationId xmlns:a16="http://schemas.microsoft.com/office/drawing/2014/main" id="{C9D5AF68-48D5-4964-B0F7-EDAD0AF4E91B}"/>
+                <a16:creationId xmlns:a16="http://schemas.microsoft.com/office/drawing/2014/main" xmlns="" id="{C9D5AF68-48D5-4964-B0F7-EDAD0AF4E91B}"/>
               </a:ext>
             </a:extLst>
           </p:cNvPr>
@@ -20374,7 +20476,7 @@
           <p:cNvPr id="9" name="Content Placeholder 5">
             <a:extLst>
               <a:ext uri="{FF2B5EF4-FFF2-40B4-BE49-F238E27FC236}">
-                <a16:creationId xmlns:a16="http://schemas.microsoft.com/office/drawing/2014/main" id="{F6ABF9AC-1FAF-4D9A-A63D-4850602B059C}"/>
+                <a16:creationId xmlns:a16="http://schemas.microsoft.com/office/drawing/2014/main" xmlns="" id="{F6ABF9AC-1FAF-4D9A-A63D-4850602B059C}"/>
               </a:ext>
             </a:extLst>
           </p:cNvPr>
@@ -20404,7 +20506,7 @@
           <p:cNvPr id="89" name="Title 1">
             <a:extLst>
               <a:ext uri="{FF2B5EF4-FFF2-40B4-BE49-F238E27FC236}">
-                <a16:creationId xmlns:a16="http://schemas.microsoft.com/office/drawing/2014/main" id="{4F0242D0-8432-47F4-9A71-222DBA46FE63}"/>
+                <a16:creationId xmlns:a16="http://schemas.microsoft.com/office/drawing/2014/main" xmlns="" id="{4F0242D0-8432-47F4-9A71-222DBA46FE63}"/>
               </a:ext>
             </a:extLst>
           </p:cNvPr>
@@ -20463,7 +20565,7 @@
           <p:cNvPr id="3" name="Rectangle 2">
             <a:extLst>
               <a:ext uri="{FF2B5EF4-FFF2-40B4-BE49-F238E27FC236}">
-                <a16:creationId xmlns:a16="http://schemas.microsoft.com/office/drawing/2014/main" id="{E41DDA01-81FC-4E63-875C-A7BE23B0077D}"/>
+                <a16:creationId xmlns:a16="http://schemas.microsoft.com/office/drawing/2014/main" xmlns="" id="{E41DDA01-81FC-4E63-875C-A7BE23B0077D}"/>
               </a:ext>
             </a:extLst>
           </p:cNvPr>
@@ -20507,6 +20609,13 @@
   <p:clrMapOvr>
     <a:overrideClrMapping bg1="lt1" tx1="dk1" bg2="lt2" tx2="dk2" accent1="accent1" accent2="accent2" accent3="accent3" accent4="accent4" accent5="accent5" accent6="accent6" hlink="hlink" folHlink="folHlink"/>
   </p:clrMapOvr>
+  <p:timing>
+    <p:tnLst>
+      <p:par>
+        <p:cTn id="1" dur="indefinite" restart="never" nodeType="tmRoot"/>
+      </p:par>
+    </p:tnLst>
+  </p:timing>
 </p:sld>
 </file>
 
@@ -20532,7 +20641,7 @@
           <p:cNvPr id="2" name="Title 1">
             <a:extLst>
               <a:ext uri="{FF2B5EF4-FFF2-40B4-BE49-F238E27FC236}">
-                <a16:creationId xmlns:a16="http://schemas.microsoft.com/office/drawing/2014/main" id="{C55C24C6-B163-4227-BDFA-DB2684557434}"/>
+                <a16:creationId xmlns:a16="http://schemas.microsoft.com/office/drawing/2014/main" xmlns="" id="{C55C24C6-B163-4227-BDFA-DB2684557434}"/>
               </a:ext>
             </a:extLst>
           </p:cNvPr>
@@ -20565,7 +20674,7 @@
           <p:cNvPr id="7" name="TextBox 6">
             <a:extLst>
               <a:ext uri="{FF2B5EF4-FFF2-40B4-BE49-F238E27FC236}">
-                <a16:creationId xmlns:a16="http://schemas.microsoft.com/office/drawing/2014/main" id="{8D0767D8-301B-0741-A1B6-F8297F8239C8}"/>
+                <a16:creationId xmlns:a16="http://schemas.microsoft.com/office/drawing/2014/main" xmlns="" id="{8D0767D8-301B-0741-A1B6-F8297F8239C8}"/>
               </a:ext>
             </a:extLst>
           </p:cNvPr>
@@ -20615,7 +20724,7 @@
           <p:cNvPr id="4" name="Picture 3">
             <a:extLst>
               <a:ext uri="{FF2B5EF4-FFF2-40B4-BE49-F238E27FC236}">
-                <a16:creationId xmlns:a16="http://schemas.microsoft.com/office/drawing/2014/main" id="{52C56562-CF38-2D43-BDA9-EEE249A4623B}"/>
+                <a16:creationId xmlns:a16="http://schemas.microsoft.com/office/drawing/2014/main" xmlns="" id="{52C56562-CF38-2D43-BDA9-EEE249A4623B}"/>
               </a:ext>
             </a:extLst>
           </p:cNvPr>
@@ -20645,7 +20754,7 @@
           <p:cNvPr id="6" name="TextBox 5">
             <a:extLst>
               <a:ext uri="{FF2B5EF4-FFF2-40B4-BE49-F238E27FC236}">
-                <a16:creationId xmlns:a16="http://schemas.microsoft.com/office/drawing/2014/main" id="{0C603B1F-1F97-3F47-A1FB-49F34A0EE4CD}"/>
+                <a16:creationId xmlns:a16="http://schemas.microsoft.com/office/drawing/2014/main" xmlns="" id="{0C603B1F-1F97-3F47-A1FB-49F34A0EE4CD}"/>
               </a:ext>
             </a:extLst>
           </p:cNvPr>
@@ -20680,7 +20789,7 @@
           <p:cNvPr id="8" name="Picture 7">
             <a:extLst>
               <a:ext uri="{FF2B5EF4-FFF2-40B4-BE49-F238E27FC236}">
-                <a16:creationId xmlns:a16="http://schemas.microsoft.com/office/drawing/2014/main" id="{4F12DBDF-1060-474A-8A8F-FCC1497E6E0D}"/>
+                <a16:creationId xmlns:a16="http://schemas.microsoft.com/office/drawing/2014/main" xmlns="" id="{4F12DBDF-1060-474A-8A8F-FCC1497E6E0D}"/>
               </a:ext>
             </a:extLst>
           </p:cNvPr>
@@ -20710,7 +20819,7 @@
           <p:cNvPr id="9" name="TextBox 8">
             <a:extLst>
               <a:ext uri="{FF2B5EF4-FFF2-40B4-BE49-F238E27FC236}">
-                <a16:creationId xmlns:a16="http://schemas.microsoft.com/office/drawing/2014/main" id="{0C67FCF7-2BF8-C14B-B7D9-A01E4568A068}"/>
+                <a16:creationId xmlns:a16="http://schemas.microsoft.com/office/drawing/2014/main" xmlns="" id="{0C67FCF7-2BF8-C14B-B7D9-A01E4568A068}"/>
               </a:ext>
             </a:extLst>
           </p:cNvPr>
@@ -20751,7 +20860,7 @@
           <p:cNvPr id="11" name="Picture 10">
             <a:extLst>
               <a:ext uri="{FF2B5EF4-FFF2-40B4-BE49-F238E27FC236}">
-                <a16:creationId xmlns:a16="http://schemas.microsoft.com/office/drawing/2014/main" id="{3CEEFBBA-2F68-E84C-A33A-83887726A5C4}"/>
+                <a16:creationId xmlns:a16="http://schemas.microsoft.com/office/drawing/2014/main" xmlns="" id="{3CEEFBBA-2F68-E84C-A33A-83887726A5C4}"/>
               </a:ext>
             </a:extLst>
           </p:cNvPr>
@@ -20781,7 +20890,7 @@
           <p:cNvPr id="12" name="TextBox 11">
             <a:extLst>
               <a:ext uri="{FF2B5EF4-FFF2-40B4-BE49-F238E27FC236}">
-                <a16:creationId xmlns:a16="http://schemas.microsoft.com/office/drawing/2014/main" id="{0DFC4A9A-4943-CB4C-ADFB-D51C461B19C8}"/>
+                <a16:creationId xmlns:a16="http://schemas.microsoft.com/office/drawing/2014/main" xmlns="" id="{0DFC4A9A-4943-CB4C-ADFB-D51C461B19C8}"/>
               </a:ext>
             </a:extLst>
           </p:cNvPr>
@@ -20827,6 +20936,13 @@
   <p:clrMapOvr>
     <a:masterClrMapping/>
   </p:clrMapOvr>
+  <p:timing>
+    <p:tnLst>
+      <p:par>
+        <p:cTn id="1" dur="indefinite" restart="never" nodeType="tmRoot"/>
+      </p:par>
+    </p:tnLst>
+  </p:timing>
 </p:sld>
 </file>
 
@@ -21075,7 +21191,7 @@
   <a:extraClrSchemeLst/>
   <a:extLst>
     <a:ext uri="{05A4C25C-085E-4340-85A3-A5531E510DB2}">
-      <thm15:themeFamily xmlns:thm15="http://schemas.microsoft.com/office/thememl/2012/main" name="Circuit" id="{0AC2F7E7-15F5-431C-B2A2-456FE929F56C}" vid="{0911B802-464C-4241-8DD9-B60FF88E379F}"/>
+      <thm15:themeFamily xmlns:thm15="http://schemas.microsoft.com/office/thememl/2012/main" xmlns="" name="Circuit" id="{0AC2F7E7-15F5-431C-B2A2-456FE929F56C}" vid="{0911B802-464C-4241-8DD9-B60FF88E379F}"/>
     </a:ext>
   </a:extLst>
 </a:theme>
@@ -21336,7 +21452,7 @@
   <a:extraClrSchemeLst/>
   <a:extLst>
     <a:ext uri="{05A4C25C-085E-4340-85A3-A5531E510DB2}">
-      <thm15:themeFamily xmlns:thm15="http://schemas.microsoft.com/office/thememl/2012/main" name="Office Theme" id="{62F939B6-93AF-4DB8-9C6B-D6C7DFDC589F}" vid="{4A3C46E8-61CC-4603-A589-7422A47A8E4A}"/>
+      <thm15:themeFamily xmlns:thm15="http://schemas.microsoft.com/office/thememl/2012/main" xmlns="" name="Office Theme" id="{62F939B6-93AF-4DB8-9C6B-D6C7DFDC589F}" vid="{4A3C46E8-61CC-4603-A589-7422A47A8E4A}"/>
     </a:ext>
   </a:extLst>
 </a:theme>
